--- a/Governanace_strategy/Eclipse_Arrowhead_Roadmap_organisation.pptx
+++ b/Governanace_strategy/Eclipse_Arrowhead_Roadmap_organisation.pptx
@@ -23,8 +23,6 @@
     <p:sldId id="268" r:id="rId20"/>
     <p:sldId id="269" r:id="rId21"/>
     <p:sldId id="270" r:id="rId22"/>
-    <p:sldId id="271" r:id="rId23"/>
-    <p:sldId id="272" r:id="rId24"/>
   </p:sldIdLst>
   <p:sldSz cx="9144000" cy="5715000"/>
   <p:notesSz cx="6858000" cy="9144000"/>
@@ -813,7 +811,7 @@
         <p:spPr>
           <a:xfrm>
             <a:off x="374547" y="5168258"/>
-            <a:ext cx="3966630" cy="218439"/>
+            <a:ext cx="3966630" cy="196015"/>
           </a:xfrm>
           <a:prstGeom prst="rect">
             <a:avLst/>
@@ -1077,7 +1075,7 @@
         <p:spPr>
           <a:xfrm>
             <a:off x="374547" y="5168258"/>
-            <a:ext cx="3966630" cy="218439"/>
+            <a:ext cx="3966630" cy="196015"/>
           </a:xfrm>
           <a:prstGeom prst="rect">
             <a:avLst/>
@@ -1334,7 +1332,7 @@
         <p:spPr>
           <a:xfrm>
             <a:off x="374547" y="5168258"/>
-            <a:ext cx="3966630" cy="218439"/>
+            <a:ext cx="3966630" cy="196015"/>
           </a:xfrm>
           <a:prstGeom prst="rect">
             <a:avLst/>
@@ -1620,8 +1618,8 @@
         </p:nvSpPr>
         <p:spPr>
           <a:xfrm>
-            <a:off x="8708976" y="183572"/>
-            <a:ext cx="232873" cy="256537"/>
+            <a:off x="8708976" y="197587"/>
+            <a:ext cx="232873" cy="228507"/>
           </a:xfrm>
           <a:prstGeom prst="rect">
             <a:avLst/>
@@ -1855,8 +1853,8 @@
         </p:nvSpPr>
         <p:spPr>
           <a:xfrm>
-            <a:off x="7783364" y="5328444"/>
-            <a:ext cx="217637" cy="241301"/>
+            <a:off x="7783364" y="5342459"/>
+            <a:ext cx="217637" cy="213271"/>
           </a:xfrm>
           <a:prstGeom prst="rect">
             <a:avLst/>
@@ -2079,8 +2077,8 @@
         </p:nvSpPr>
         <p:spPr>
           <a:xfrm>
-            <a:off x="7783364" y="5328444"/>
-            <a:ext cx="217637" cy="241301"/>
+            <a:off x="7783364" y="5342459"/>
+            <a:ext cx="217637" cy="213271"/>
           </a:xfrm>
           <a:prstGeom prst="rect">
             <a:avLst/>
@@ -2139,7 +2137,7 @@
         <p:spPr>
           <a:xfrm>
             <a:off x="374547" y="5168258"/>
-            <a:ext cx="3966630" cy="218439"/>
+            <a:ext cx="3966630" cy="196015"/>
           </a:xfrm>
           <a:prstGeom prst="rect">
             <a:avLst/>
@@ -2314,8 +2312,8 @@
         </p:nvSpPr>
         <p:spPr>
           <a:xfrm>
-            <a:off x="8708974" y="183571"/>
-            <a:ext cx="232875" cy="256539"/>
+            <a:off x="8708974" y="197586"/>
+            <a:ext cx="232875" cy="228509"/>
           </a:xfrm>
           <a:prstGeom prst="rect">
             <a:avLst/>
@@ -3168,7 +3166,7 @@
       </p:grpSpPr>
       <p:sp>
         <p:nvSpPr>
-          <p:cNvPr id="123" name="Roadmap availability"/>
+          <p:cNvPr id="123" name="Documentation availability"/>
           <p:cNvSpPr txBox="1"/>
           <p:nvPr>
             <p:ph type="title"/>
@@ -3181,22 +3179,18 @@
         </p:spPr>
         <p:txBody>
           <a:bodyPr/>
-          <a:lstStyle>
-            <a:lvl1pPr defTabSz="402336">
-              <a:defRPr sz="3168"/>
-            </a:lvl1pPr>
-          </a:lstStyle>
-          <a:p>
-            <a:pPr/>
-            <a:r>
-              <a:t>Roadmap availability</a:t>
+          <a:lstStyle/>
+          <a:p>
+            <a:pPr/>
+            <a:r>
+              <a:t>Documentation availability</a:t>
             </a:r>
           </a:p>
         </p:txBody>
       </p:sp>
       <p:sp>
         <p:nvSpPr>
-          <p:cNvPr id="124" name="github.com/eclipse/arrowhead-f…"/>
+          <p:cNvPr id="124" name="github.com…"/>
           <p:cNvSpPr txBox="1"/>
           <p:nvPr>
             <p:ph type="body" idx="1"/>
@@ -3226,14 +3220,11 @@
               </a:rPr>
               <a:t>github.com</a:t>
             </a:r>
-            <a:r>
-              <a:t>/eclipse/arrowhead-f</a:t>
-            </a:r>
-          </a:p>
-          <a:p>
-            <a:pPr/>
-            <a:r>
-              <a:t>and</a:t>
+          </a:p>
+          <a:p>
+            <a:pPr/>
+            <a:r>
+              <a:t>and/or</a:t>
             </a:r>
           </a:p>
           <a:p>
@@ -3252,18 +3243,15 @@
               </a:rPr>
               <a:t>eclipse.org</a:t>
             </a:r>
-            <a:r>
-              <a:t>/</a:t>
-            </a:r>
-          </a:p>
-          <a:p>
-            <a:pPr/>
-            <a:r>
-              <a:t>and</a:t>
-            </a:r>
-          </a:p>
-          <a:p>
-            <a:pPr/>
+          </a:p>
+          <a:p>
+            <a:pPr/>
+          </a:p>
+          <a:p>
+            <a:pPr/>
+            <a:r>
+              <a:t>Link from </a:t>
+            </a:r>
             <a:r>
               <a:rPr u="sng">
                 <a:solidFill>
@@ -3276,17 +3264,26 @@
                 </a:uFill>
                 <a:hlinkClick r:id="rId4" invalidUrl="" action="" tgtFrame="" tooltip="" history="1" highlightClick="0" endSnd="0"/>
               </a:rPr>
-              <a:t>www.arrowhead.eu/eclipse-arrowhead</a:t>
-            </a:r>
-          </a:p>
-          <a:p>
-            <a:pPr/>
-          </a:p>
-          <a:p>
-            <a:pPr/>
-          </a:p>
-          <a:p>
-            <a:pPr/>
+              <a:t>www.arrowhead.eu/eclipse_arrowhead</a:t>
+            </a:r>
+          </a:p>
+          <a:p>
+            <a:pPr/>
+          </a:p>
+          <a:p>
+            <a:pPr/>
+            <a:r>
+              <a:t>Format</a:t>
+            </a:r>
+          </a:p>
+          <a:p>
+            <a:pPr lvl="1" marL="268288" indent="188911">
+              <a:buSzTx/>
+              <a:buNone/>
+            </a:pPr>
+            <a:r>
+              <a:t>Based on GitHub, issues with notes on planed release with attached discussion, project or action. </a:t>
+            </a:r>
           </a:p>
         </p:txBody>
       </p:sp>
@@ -3318,41 +3315,17 @@
       </p:grpSpPr>
       <p:sp>
         <p:nvSpPr>
-          <p:cNvPr id="126" name="Documentation availability"/>
+          <p:cNvPr id="126" name="Documentation templates"/>
           <p:cNvSpPr txBox="1"/>
           <p:nvPr>
             <p:ph type="title"/>
           </p:nvPr>
         </p:nvSpPr>
         <p:spPr>
-          <a:prstGeom prst="rect">
-            <a:avLst/>
-          </a:prstGeom>
-        </p:spPr>
-        <p:txBody>
-          <a:bodyPr/>
-          <a:lstStyle>
-            <a:lvl1pPr defTabSz="402336">
-              <a:defRPr sz="3168"/>
-            </a:lvl1pPr>
-          </a:lstStyle>
-          <a:p>
-            <a:pPr/>
-            <a:r>
-              <a:t>Documentation availability</a:t>
-            </a:r>
-          </a:p>
-        </p:txBody>
-      </p:sp>
-      <p:sp>
-        <p:nvSpPr>
-          <p:cNvPr id="127" name="github.com…"/>
-          <p:cNvSpPr txBox="1"/>
-          <p:nvPr>
-            <p:ph type="body" idx="1"/>
-          </p:nvPr>
-        </p:nvSpPr>
-        <p:spPr>
+          <a:xfrm>
+            <a:off x="799889" y="157718"/>
+            <a:ext cx="7444937" cy="586588"/>
+          </a:xfrm>
           <a:prstGeom prst="rect">
             <a:avLst/>
           </a:prstGeom>
@@ -3362,6 +3335,52 @@
           <a:lstStyle/>
           <a:p>
             <a:pPr/>
+            <a:r>
+              <a:t>Documentation templates</a:t>
+            </a:r>
+          </a:p>
+        </p:txBody>
+      </p:sp>
+      <p:sp>
+        <p:nvSpPr>
+          <p:cNvPr id="127" name="Available at…"/>
+          <p:cNvSpPr txBox="1"/>
+          <p:nvPr>
+            <p:ph type="body" idx="1"/>
+          </p:nvPr>
+        </p:nvSpPr>
+        <p:spPr>
+          <a:xfrm>
+            <a:off x="799889" y="749637"/>
+            <a:ext cx="7444937" cy="4413290"/>
+          </a:xfrm>
+          <a:prstGeom prst="rect">
+            <a:avLst/>
+          </a:prstGeom>
+        </p:spPr>
+        <p:txBody>
+          <a:bodyPr/>
+          <a:lstStyle/>
+          <a:p>
+            <a:pPr marL="238776" indent="-238776" defTabSz="406908">
+              <a:spcBef>
+                <a:spcPts val="300"/>
+              </a:spcBef>
+              <a:defRPr sz="1779"/>
+            </a:pPr>
+            <a:r>
+              <a:t>Available at</a:t>
+            </a:r>
+          </a:p>
+          <a:p>
+            <a:pPr lvl="1" marL="238776" indent="168131" defTabSz="406908">
+              <a:spcBef>
+                <a:spcPts val="300"/>
+              </a:spcBef>
+              <a:buSzTx/>
+              <a:buNone/>
+              <a:defRPr sz="1779"/>
+            </a:pPr>
             <a:r>
               <a:rPr u="sng">
                 <a:solidFill>
@@ -3374,17 +3393,29 @@
                 </a:uFill>
                 <a:hlinkClick r:id="rId2" invalidUrl="" action="" tgtFrame="" tooltip="" history="1" highlightClick="0" endSnd="0"/>
               </a:rPr>
-              <a:t>github.com</a:t>
-            </a:r>
-          </a:p>
-          <a:p>
-            <a:pPr/>
-            <a:r>
-              <a:t>and/or</a:t>
-            </a:r>
-          </a:p>
-          <a:p>
-            <a:pPr/>
+              <a:t>www.github.com/eclipse-arrowhead/documentation</a:t>
+            </a:r>
+          </a:p>
+          <a:p>
+            <a:pPr marL="238776" indent="-238776" defTabSz="406908">
+              <a:spcBef>
+                <a:spcPts val="300"/>
+              </a:spcBef>
+              <a:defRPr sz="1779"/>
+            </a:pPr>
+            <a:r>
+              <a:t>Linked from </a:t>
+            </a:r>
+          </a:p>
+          <a:p>
+            <a:pPr lvl="1" marL="238776" indent="168131" defTabSz="406908">
+              <a:spcBef>
+                <a:spcPts val="300"/>
+              </a:spcBef>
+              <a:buSzTx/>
+              <a:buNone/>
+              <a:defRPr sz="1779"/>
+            </a:pPr>
             <a:r>
               <a:rPr u="sng">
                 <a:solidFill>
@@ -3397,17 +3428,18 @@
                 </a:uFill>
                 <a:hlinkClick r:id="rId3" invalidUrl="" action="" tgtFrame="" tooltip="" history="1" highlightClick="0" endSnd="0"/>
               </a:rPr>
-              <a:t>eclipse.org</a:t>
-            </a:r>
-          </a:p>
-          <a:p>
-            <a:pPr/>
-          </a:p>
-          <a:p>
-            <a:pPr/>
-            <a:r>
-              <a:t>Link from </a:t>
-            </a:r>
+              <a:t>www.arrowhead.eu/eclipsearrowhead</a:t>
+            </a:r>
+          </a:p>
+          <a:p>
+            <a:pPr lvl="1" marL="238776" indent="168131" defTabSz="406908">
+              <a:spcBef>
+                <a:spcPts val="300"/>
+              </a:spcBef>
+              <a:buSzTx/>
+              <a:buNone/>
+              <a:defRPr sz="1779"/>
+            </a:pPr>
             <a:r>
               <a:rPr u="sng">
                 <a:solidFill>
@@ -3420,20 +3452,184 @@
                 </a:uFill>
                 <a:hlinkClick r:id="rId4" invalidUrl="" action="" tgtFrame="" tooltip="" history="1" highlightClick="0" endSnd="0"/>
               </a:rPr>
-              <a:t>www.arrowhead.eu/eclipse_arrowhead</a:t>
-            </a:r>
-          </a:p>
-          <a:p>
-            <a:pPr/>
-          </a:p>
-          <a:p>
-            <a:pPr/>
-            <a:r>
-              <a:t>Format?</a:t>
-            </a:r>
-          </a:p>
-          <a:p>
-            <a:pPr/>
+              <a:t>www.eclipse.org/arrowhead</a:t>
+            </a:r>
+          </a:p>
+          <a:p>
+            <a:pPr marL="169544" indent="-169544" defTabSz="406908">
+              <a:spcBef>
+                <a:spcPts val="500"/>
+              </a:spcBef>
+              <a:buSzPct val="100000"/>
+              <a:buFont typeface="Arial"/>
+              <a:buChar char="•"/>
+              <a:defRPr sz="1779">
+                <a:solidFill>
+                  <a:srgbClr val="162852"/>
+                </a:solidFill>
+                <a:latin typeface="Arial"/>
+                <a:ea typeface="Arial"/>
+                <a:cs typeface="Arial"/>
+                <a:sym typeface="Arial"/>
+              </a:defRPr>
+            </a:pPr>
+            <a:r>
+              <a:t>SoSD Eclipse Arrowhead.docx (to be updated)</a:t>
+            </a:r>
+          </a:p>
+          <a:p>
+            <a:pPr marL="169544" indent="-169544" defTabSz="406908">
+              <a:spcBef>
+                <a:spcPts val="500"/>
+              </a:spcBef>
+              <a:buSzPct val="100000"/>
+              <a:buFont typeface="Arial"/>
+              <a:buChar char="•"/>
+              <a:defRPr sz="1779">
+                <a:solidFill>
+                  <a:srgbClr val="162852"/>
+                </a:solidFill>
+                <a:latin typeface="Arial"/>
+                <a:ea typeface="Arial"/>
+                <a:cs typeface="Arial"/>
+                <a:sym typeface="Arial"/>
+              </a:defRPr>
+            </a:pPr>
+            <a:r>
+              <a:t>SysD_template_v4.2.docx</a:t>
+            </a:r>
+          </a:p>
+          <a:p>
+            <a:pPr marL="169544" indent="-169544" defTabSz="406908">
+              <a:spcBef>
+                <a:spcPts val="500"/>
+              </a:spcBef>
+              <a:buSzPct val="100000"/>
+              <a:buFont typeface="Arial"/>
+              <a:buChar char="•"/>
+              <a:defRPr sz="1779">
+                <a:solidFill>
+                  <a:srgbClr val="162852"/>
+                </a:solidFill>
+                <a:latin typeface="Arial"/>
+                <a:ea typeface="Arial"/>
+                <a:cs typeface="Arial"/>
+                <a:sym typeface="Arial"/>
+              </a:defRPr>
+            </a:pPr>
+            <a:r>
+              <a:t>SysDD_template_v4.2.docx</a:t>
+            </a:r>
+          </a:p>
+          <a:p>
+            <a:pPr marL="169544" indent="-169544" defTabSz="406908">
+              <a:spcBef>
+                <a:spcPts val="500"/>
+              </a:spcBef>
+              <a:buSzPct val="100000"/>
+              <a:buFont typeface="Arial"/>
+              <a:buChar char="•"/>
+              <a:defRPr sz="1779">
+                <a:solidFill>
+                  <a:srgbClr val="162852"/>
+                </a:solidFill>
+                <a:latin typeface="Arial"/>
+                <a:ea typeface="Arial"/>
+                <a:cs typeface="Arial"/>
+                <a:sym typeface="Arial"/>
+              </a:defRPr>
+            </a:pPr>
+            <a:r>
+              <a:t>SD_template v4.2.docx</a:t>
+            </a:r>
+          </a:p>
+          <a:p>
+            <a:pPr marL="169544" indent="-169544" defTabSz="406908">
+              <a:spcBef>
+                <a:spcPts val="500"/>
+              </a:spcBef>
+              <a:buSzPct val="100000"/>
+              <a:buFont typeface="Arial"/>
+              <a:buChar char="•"/>
+              <a:defRPr sz="1779">
+                <a:solidFill>
+                  <a:srgbClr val="162852"/>
+                </a:solidFill>
+                <a:latin typeface="Arial"/>
+                <a:ea typeface="Arial"/>
+                <a:cs typeface="Arial"/>
+                <a:sym typeface="Arial"/>
+              </a:defRPr>
+            </a:pPr>
+            <a:r>
+              <a:t>IDD_template v4.2.docx (now includes CP and SP)</a:t>
+            </a:r>
+          </a:p>
+          <a:p>
+            <a:pPr marL="169544" indent="-169544" defTabSz="406908">
+              <a:spcBef>
+                <a:spcPts val="500"/>
+              </a:spcBef>
+              <a:buSzPct val="100000"/>
+              <a:buFont typeface="Arial"/>
+              <a:buChar char="•"/>
+              <a:defRPr sz="1779">
+                <a:solidFill>
+                  <a:srgbClr val="162852"/>
+                </a:solidFill>
+                <a:latin typeface="Arial"/>
+                <a:ea typeface="Arial"/>
+                <a:cs typeface="Arial"/>
+                <a:sym typeface="Arial"/>
+              </a:defRPr>
+            </a:pPr>
+            <a:r>
+              <a:t>Latex templates are also available</a:t>
+            </a:r>
+          </a:p>
+          <a:p>
+            <a:pPr marL="169544" indent="-169544" defTabSz="406908">
+              <a:spcBef>
+                <a:spcPts val="500"/>
+              </a:spcBef>
+              <a:buSzPct val="100000"/>
+              <a:buFont typeface="Arial"/>
+              <a:buChar char="•"/>
+              <a:defRPr sz="1779">
+                <a:solidFill>
+                  <a:srgbClr val="162852"/>
+                </a:solidFill>
+                <a:latin typeface="Arial"/>
+                <a:ea typeface="Arial"/>
+                <a:cs typeface="Arial"/>
+                <a:sym typeface="Arial"/>
+              </a:defRPr>
+            </a:pPr>
+            <a:r>
+              <a:t>Can proper documentation be generated from SysML models?</a:t>
+            </a:r>
+          </a:p>
+          <a:p>
+            <a:pPr marL="169544" indent="-169544" defTabSz="406908">
+              <a:spcBef>
+                <a:spcPts val="500"/>
+              </a:spcBef>
+              <a:buSzPct val="100000"/>
+              <a:buFont typeface="Arial"/>
+              <a:buChar char="•"/>
+              <a:defRPr sz="1779">
+                <a:solidFill>
+                  <a:srgbClr val="162852"/>
+                </a:solidFill>
+                <a:latin typeface="Arial"/>
+                <a:ea typeface="Arial"/>
+                <a:cs typeface="Arial"/>
+                <a:sym typeface="Arial"/>
+              </a:defRPr>
+            </a:pPr>
+            <a:r>
+              <a:t>Can code and correct documentation be validated/verified </a:t>
+            </a:r>
           </a:p>
         </p:txBody>
       </p:sp>
@@ -3465,7 +3661,7 @@
       </p:grpSpPr>
       <p:sp>
         <p:nvSpPr>
-          <p:cNvPr id="129" name="Documentation templates"/>
+          <p:cNvPr id="129" name="Committers and contributors"/>
           <p:cNvSpPr txBox="1"/>
           <p:nvPr>
             <p:ph type="title"/>
@@ -3473,7 +3669,7 @@
         </p:nvSpPr>
         <p:spPr>
           <a:xfrm>
-            <a:off x="799889" y="157718"/>
+            <a:off x="799889" y="612785"/>
             <a:ext cx="7444937" cy="586588"/>
           </a:xfrm>
           <a:prstGeom prst="rect">
@@ -3482,32 +3678,24 @@
         </p:spPr>
         <p:txBody>
           <a:bodyPr/>
-          <a:lstStyle>
-            <a:lvl1pPr defTabSz="402336">
-              <a:defRPr sz="3168"/>
-            </a:lvl1pPr>
-          </a:lstStyle>
-          <a:p>
-            <a:pPr/>
-            <a:r>
-              <a:t>Documentation templates</a:t>
+          <a:lstStyle/>
+          <a:p>
+            <a:pPr/>
+            <a:r>
+              <a:t>Committers and contributors</a:t>
             </a:r>
           </a:p>
         </p:txBody>
       </p:sp>
       <p:sp>
         <p:nvSpPr>
-          <p:cNvPr id="130" name="Available at (To Be Completed)…"/>
+          <p:cNvPr id="130" name="A committer for each decided core system…"/>
           <p:cNvSpPr txBox="1"/>
           <p:nvPr>
             <p:ph type="body" idx="1"/>
           </p:nvPr>
         </p:nvSpPr>
         <p:spPr>
-          <a:xfrm>
-            <a:off x="799889" y="749637"/>
-            <a:ext cx="7444937" cy="4413290"/>
-          </a:xfrm>
           <a:prstGeom prst="rect">
             <a:avLst/>
           </a:prstGeom>
@@ -3516,270 +3704,64 @@
           <a:bodyPr/>
           <a:lstStyle/>
           <a:p>
-            <a:pPr marL="244142" indent="-244142" defTabSz="416052">
-              <a:spcBef>
-                <a:spcPts val="300"/>
-              </a:spcBef>
-              <a:defRPr sz="1820"/>
-            </a:pPr>
-            <a:r>
-              <a:t>Available at (To Be Completed)</a:t>
-            </a:r>
-          </a:p>
-          <a:p>
-            <a:pPr lvl="1" marL="244142" indent="171909" defTabSz="416052">
-              <a:spcBef>
-                <a:spcPts val="300"/>
-              </a:spcBef>
+            <a:pPr/>
+            <a:r>
+              <a:t>A committer for each decided core system</a:t>
+            </a:r>
+          </a:p>
+          <a:p>
+            <a:pPr lvl="1" marL="268288" indent="188911">
               <a:buSzTx/>
               <a:buNone/>
-              <a:defRPr sz="1820"/>
             </a:pPr>
             <a:r>
-              <a:rPr u="sng">
-                <a:solidFill>
-                  <a:srgbClr val="0000FF"/>
-                </a:solidFill>
-                <a:uFill>
-                  <a:solidFill>
-                    <a:srgbClr val="0000FF"/>
-                  </a:solidFill>
-                </a:uFill>
-                <a:hlinkClick r:id="rId2" invalidUrl="" action="" tgtFrame="" tooltip="" history="1" highlightClick="0" endSnd="0"/>
-              </a:rPr>
-              <a:t>www.arrowhead.eu/eclipse-arrowhead</a:t>
-            </a:r>
-          </a:p>
-          <a:p>
-            <a:pPr lvl="1" marL="244142" indent="171909" defTabSz="416052">
-              <a:spcBef>
-                <a:spcPts val="300"/>
-              </a:spcBef>
+              <a:t>Multiple contributors is desired</a:t>
+            </a:r>
+          </a:p>
+          <a:p>
+            <a:pPr/>
+          </a:p>
+          <a:p>
+            <a:pPr/>
+            <a:r>
+              <a:t>Committers meetings</a:t>
+            </a:r>
+          </a:p>
+          <a:p>
+            <a:pPr lvl="1" marL="268288" indent="188911">
               <a:buSzTx/>
               <a:buNone/>
-              <a:defRPr sz="1820"/>
             </a:pPr>
             <a:r>
-              <a:rPr u="sng">
-                <a:solidFill>
-                  <a:srgbClr val="0000FF"/>
-                </a:solidFill>
-                <a:uFill>
-                  <a:solidFill>
-                    <a:srgbClr val="0000FF"/>
-                  </a:solidFill>
-                </a:uFill>
-                <a:hlinkClick r:id="rId3" invalidUrl="" action="" tgtFrame="" tooltip="" history="1" highlightClick="0" endSnd="0"/>
-              </a:rPr>
-              <a:t>www.github.com/arrowhead-f</a:t>
-            </a:r>
-          </a:p>
-          <a:p>
-            <a:pPr lvl="1" marL="244142" indent="171909" defTabSz="416052">
-              <a:spcBef>
-                <a:spcPts val="300"/>
-              </a:spcBef>
+              <a:t>Organised by Jerker and Pal</a:t>
+            </a:r>
+          </a:p>
+          <a:p>
+            <a:pPr lvl="1" marL="268288" indent="188911">
               <a:buSzTx/>
               <a:buNone/>
-              <a:defRPr sz="1820"/>
             </a:pPr>
-            <a:r>
-              <a:rPr u="sng">
-                <a:solidFill>
-                  <a:srgbClr val="0000FF"/>
-                </a:solidFill>
-                <a:uFill>
-                  <a:solidFill>
-                    <a:srgbClr val="0000FF"/>
-                  </a:solidFill>
-                </a:uFill>
-                <a:hlinkClick r:id="rId4" invalidUrl="" action="" tgtFrame="" tooltip="" history="1" highlightClick="0" endSnd="0"/>
-              </a:rPr>
-              <a:t>www.eclipse.org/arrowhead</a:t>
-            </a:r>
-          </a:p>
-          <a:p>
-            <a:pPr lvl="1" marL="244142" indent="171909" defTabSz="416052">
-              <a:spcBef>
-                <a:spcPts val="300"/>
-              </a:spcBef>
+          </a:p>
+          <a:p>
+            <a:pPr/>
+            <a:r>
+              <a:t>Contributors meetings - Eclipse Arrowhead bi-weekly </a:t>
+            </a:r>
+          </a:p>
+          <a:p>
+            <a:pPr lvl="1" marL="268288" indent="188911">
               <a:buSzTx/>
               <a:buNone/>
-              <a:defRPr sz="1820"/>
             </a:pPr>
-          </a:p>
-          <a:p>
-            <a:pPr marL="173355" indent="-173355" defTabSz="416052">
-              <a:spcBef>
-                <a:spcPts val="600"/>
-              </a:spcBef>
-              <a:buSzPct val="100000"/>
-              <a:buFont typeface="Arial"/>
-              <a:buChar char="•"/>
-              <a:defRPr sz="1820">
-                <a:solidFill>
-                  <a:srgbClr val="162852"/>
-                </a:solidFill>
-                <a:latin typeface="Arial"/>
-                <a:ea typeface="Arial"/>
-                <a:cs typeface="Arial"/>
-                <a:sym typeface="Arial"/>
-              </a:defRPr>
-            </a:pPr>
-            <a:r>
-              <a:t>SoSD Eclipse Arrowhead.docx (to be updated)</a:t>
-            </a:r>
-          </a:p>
-          <a:p>
-            <a:pPr marL="173355" indent="-173355" defTabSz="416052">
-              <a:spcBef>
-                <a:spcPts val="600"/>
-              </a:spcBef>
-              <a:buSzPct val="100000"/>
-              <a:buFont typeface="Arial"/>
-              <a:buChar char="•"/>
-              <a:defRPr sz="1820">
-                <a:solidFill>
-                  <a:srgbClr val="162852"/>
-                </a:solidFill>
-                <a:latin typeface="Arial"/>
-                <a:ea typeface="Arial"/>
-                <a:cs typeface="Arial"/>
-                <a:sym typeface="Arial"/>
-              </a:defRPr>
-            </a:pPr>
-            <a:r>
-              <a:t>SysD_template_v4.2.docx</a:t>
-            </a:r>
-          </a:p>
-          <a:p>
-            <a:pPr marL="173355" indent="-173355" defTabSz="416052">
-              <a:spcBef>
-                <a:spcPts val="600"/>
-              </a:spcBef>
-              <a:buSzPct val="100000"/>
-              <a:buFont typeface="Arial"/>
-              <a:buChar char="•"/>
-              <a:defRPr sz="1820">
-                <a:solidFill>
-                  <a:srgbClr val="162852"/>
-                </a:solidFill>
-                <a:latin typeface="Arial"/>
-                <a:ea typeface="Arial"/>
-                <a:cs typeface="Arial"/>
-                <a:sym typeface="Arial"/>
-              </a:defRPr>
-            </a:pPr>
-            <a:r>
-              <a:t>SysDD_template_v4.2.docx</a:t>
-            </a:r>
-          </a:p>
-          <a:p>
-            <a:pPr marL="173355" indent="-173355" defTabSz="416052">
-              <a:spcBef>
-                <a:spcPts val="600"/>
-              </a:spcBef>
-              <a:buSzPct val="100000"/>
-              <a:buFont typeface="Arial"/>
-              <a:buChar char="•"/>
-              <a:defRPr sz="1820">
-                <a:solidFill>
-                  <a:srgbClr val="162852"/>
-                </a:solidFill>
-                <a:latin typeface="Arial"/>
-                <a:ea typeface="Arial"/>
-                <a:cs typeface="Arial"/>
-                <a:sym typeface="Arial"/>
-              </a:defRPr>
-            </a:pPr>
-            <a:r>
-              <a:t>SD_template v4.2.docx</a:t>
-            </a:r>
-          </a:p>
-          <a:p>
-            <a:pPr marL="173355" indent="-173355" defTabSz="416052">
-              <a:spcBef>
-                <a:spcPts val="600"/>
-              </a:spcBef>
-              <a:buSzPct val="100000"/>
-              <a:buFont typeface="Arial"/>
-              <a:buChar char="•"/>
-              <a:defRPr sz="1820">
-                <a:solidFill>
-                  <a:srgbClr val="162852"/>
-                </a:solidFill>
-                <a:latin typeface="Arial"/>
-                <a:ea typeface="Arial"/>
-                <a:cs typeface="Arial"/>
-                <a:sym typeface="Arial"/>
-              </a:defRPr>
-            </a:pPr>
-            <a:r>
-              <a:t>IDD_template v4.2.docx (now includes CP and SP)</a:t>
-            </a:r>
-          </a:p>
-          <a:p>
-            <a:pPr marL="173355" indent="-173355" defTabSz="416052">
-              <a:spcBef>
-                <a:spcPts val="600"/>
-              </a:spcBef>
-              <a:buSzPct val="100000"/>
-              <a:buFont typeface="Arial"/>
-              <a:buChar char="•"/>
-              <a:defRPr sz="1820">
-                <a:solidFill>
-                  <a:srgbClr val="162852"/>
-                </a:solidFill>
-                <a:latin typeface="Arial"/>
-                <a:ea typeface="Arial"/>
-                <a:cs typeface="Arial"/>
-                <a:sym typeface="Arial"/>
-              </a:defRPr>
-            </a:pPr>
-          </a:p>
-          <a:p>
-            <a:pPr marL="173355" indent="-173355" defTabSz="416052">
-              <a:spcBef>
-                <a:spcPts val="600"/>
-              </a:spcBef>
-              <a:buSzPct val="100000"/>
-              <a:buFont typeface="Arial"/>
-              <a:buChar char="•"/>
-              <a:defRPr sz="1820">
-                <a:solidFill>
-                  <a:srgbClr val="162852"/>
-                </a:solidFill>
-                <a:latin typeface="Arial"/>
-                <a:ea typeface="Arial"/>
-                <a:cs typeface="Arial"/>
-                <a:sym typeface="Arial"/>
-              </a:defRPr>
-            </a:pPr>
-            <a:r>
-              <a:t>Can proper documentation be generated from SysML models?</a:t>
-            </a:r>
-          </a:p>
-          <a:p>
-            <a:pPr marL="173355" indent="-173355" defTabSz="416052">
-              <a:spcBef>
-                <a:spcPts val="600"/>
-              </a:spcBef>
-              <a:buSzPct val="100000"/>
-              <a:buFont typeface="Arial"/>
-              <a:buChar char="•"/>
-              <a:defRPr sz="1820">
-                <a:solidFill>
-                  <a:srgbClr val="162852"/>
-                </a:solidFill>
-                <a:latin typeface="Arial"/>
-                <a:ea typeface="Arial"/>
-                <a:cs typeface="Arial"/>
-                <a:sym typeface="Arial"/>
-              </a:defRPr>
-            </a:pPr>
-            <a:r>
-              <a:t>Can code and correct documentation be validated/verified </a:t>
-            </a:r>
+            <a:r>
+              <a:t>Organised by Jerker and Pal</a:t>
+            </a:r>
+          </a:p>
+          <a:p>
+            <a:pPr/>
+          </a:p>
+          <a:p>
+            <a:pPr/>
           </a:p>
         </p:txBody>
       </p:sp>
@@ -3793,7 +3775,7 @@
 </file>
 
 <file path=ppt/slides/slide13.xml><?xml version="1.0" encoding="utf-8"?>
-<p:sld xmlns:a="http://schemas.openxmlformats.org/drawingml/2006/main" xmlns:r="http://schemas.openxmlformats.org/officeDocument/2006/relationships" xmlns:p="http://schemas.openxmlformats.org/presentationml/2006/main" xmlns:m="http://schemas.openxmlformats.org/officeDocument/2006/math" xmlns:a14="http://schemas.microsoft.com/office/drawing/2010/main" showMasterSp="1" showMasterPhAnim="1">
+<p:sld xmlns:a="http://schemas.openxmlformats.org/drawingml/2006/main" xmlns:r="http://schemas.openxmlformats.org/officeDocument/2006/relationships" xmlns:p="http://schemas.openxmlformats.org/presentationml/2006/main" xmlns:m="http://schemas.openxmlformats.org/officeDocument/2006/math" xmlns:a14="http://schemas.microsoft.com/office/drawing/2010/main" show="0" showMasterSp="1" showMasterPhAnim="1">
   <p:cSld>
     <p:spTree>
       <p:nvGrpSpPr>
@@ -3811,17 +3793,13 @@
       </p:grpSpPr>
       <p:sp>
         <p:nvSpPr>
-          <p:cNvPr id="132" name="Core systems, libs, architecture, tools, etc."/>
+          <p:cNvPr id="132" name="Roadmap for GitHub.com/eclipse/arrowhead-f repos"/>
           <p:cNvSpPr txBox="1"/>
           <p:nvPr>
             <p:ph type="title"/>
           </p:nvPr>
         </p:nvSpPr>
         <p:spPr>
-          <a:xfrm>
-            <a:off x="799889" y="612785"/>
-            <a:ext cx="7444937" cy="586588"/>
-          </a:xfrm>
           <a:prstGeom prst="rect">
             <a:avLst/>
           </a:prstGeom>
@@ -3829,21 +3807,21 @@
         <p:txBody>
           <a:bodyPr/>
           <a:lstStyle>
-            <a:lvl1pPr defTabSz="402336">
-              <a:defRPr sz="3168"/>
+            <a:lvl1pPr defTabSz="342900">
+              <a:defRPr sz="2700"/>
             </a:lvl1pPr>
           </a:lstStyle>
           <a:p>
             <a:pPr/>
             <a:r>
-              <a:t>Core systems, libs, architecture, tools, etc.</a:t>
+              <a:t>Roadmap for GitHub.com/eclipse/arrowhead-f repos</a:t>
             </a:r>
           </a:p>
         </p:txBody>
       </p:sp>
       <p:sp>
         <p:nvSpPr>
-          <p:cNvPr id="133" name="Maintainers need to be officially appointed…"/>
+          <p:cNvPr id="133" name="One repo per core system, libs, installation, architecture, tools?…"/>
           <p:cNvSpPr txBox="1"/>
           <p:nvPr>
             <p:ph type="body" idx="1"/>
@@ -3858,34 +3836,170 @@
           <a:bodyPr/>
           <a:lstStyle/>
           <a:p>
-            <a:pPr/>
-            <a:r>
-              <a:t>Maintainers need to be officially appointed</a:t>
-            </a:r>
-          </a:p>
-          <a:p>
-            <a:pPr/>
-          </a:p>
-          <a:p>
-            <a:pPr/>
-            <a:r>
-              <a:t>They need to become an Eclipse committer!</a:t>
-            </a:r>
-          </a:p>
-          <a:p>
-            <a:pPr lvl="1" marL="268288" indent="188911">
+            <a:pPr marL="238776" indent="-238776" defTabSz="406908">
+              <a:spcBef>
+                <a:spcPts val="300"/>
+              </a:spcBef>
+              <a:defRPr sz="1779"/>
+            </a:pPr>
+            <a:r>
+              <a:t>One repo per core system, libs, installation, architecture, tools?</a:t>
+            </a:r>
+          </a:p>
+          <a:p>
+            <a:pPr lvl="1" marL="238776" indent="168131" defTabSz="406908">
+              <a:spcBef>
+                <a:spcPts val="300"/>
+              </a:spcBef>
               <a:buSzTx/>
               <a:buNone/>
+              <a:defRPr sz="1779"/>
             </a:pPr>
             <a:r>
-              <a:t>There is a procedure to run Eclipse</a:t>
-            </a:r>
-          </a:p>
-          <a:p>
-            <a:pPr/>
-          </a:p>
-          <a:p>
-            <a:pPr/>
+              <a:t>Architecture - Generic SoSDD, pdf, MarkDown</a:t>
+            </a:r>
+          </a:p>
+          <a:p>
+            <a:pPr lvl="2" marL="238776" indent="575039" defTabSz="406908">
+              <a:spcBef>
+                <a:spcPts val="300"/>
+              </a:spcBef>
+              <a:buSzTx/>
+              <a:buNone/>
+              <a:defRPr sz="1779"/>
+            </a:pPr>
+            <a:r>
+              <a:t>SysML models</a:t>
+            </a:r>
+            <a:br/>
+          </a:p>
+          <a:p>
+            <a:pPr lvl="1" marL="238776" indent="168131" defTabSz="406908">
+              <a:spcBef>
+                <a:spcPts val="300"/>
+              </a:spcBef>
+              <a:buSzTx/>
+              <a:buNone/>
+              <a:defRPr sz="1779"/>
+            </a:pPr>
+            <a:r>
+              <a:t>Reference-implementation</a:t>
+            </a:r>
+          </a:p>
+          <a:p>
+            <a:pPr lvl="1" marL="238776" indent="168131" defTabSz="406908">
+              <a:spcBef>
+                <a:spcPts val="300"/>
+              </a:spcBef>
+              <a:buSzTx/>
+              <a:buNone/>
+              <a:defRPr sz="1779"/>
+            </a:pPr>
+            <a:r>
+              <a:t>.</a:t>
+            </a:r>
+          </a:p>
+          <a:p>
+            <a:pPr lvl="1" marL="238776" indent="168131" defTabSz="406908">
+              <a:spcBef>
+                <a:spcPts val="300"/>
+              </a:spcBef>
+              <a:buSzTx/>
+              <a:buNone/>
+              <a:defRPr sz="1779"/>
+            </a:pPr>
+            <a:r>
+              <a:t>Arrowhead-core-Java</a:t>
+            </a:r>
+          </a:p>
+          <a:p>
+            <a:pPr lvl="1" marL="238776" indent="168131" defTabSz="406908">
+              <a:spcBef>
+                <a:spcPts val="300"/>
+              </a:spcBef>
+              <a:buSzTx/>
+              <a:buNone/>
+              <a:defRPr sz="1779"/>
+            </a:pPr>
+            <a:r>
+              <a:t>.</a:t>
+            </a:r>
+          </a:p>
+          <a:p>
+            <a:pPr lvl="1" marL="238776" indent="168131" defTabSz="406908">
+              <a:spcBef>
+                <a:spcPts val="300"/>
+              </a:spcBef>
+              <a:buSzTx/>
+              <a:buNone/>
+              <a:defRPr sz="1779"/>
+            </a:pPr>
+            <a:r>
+              <a:t>.</a:t>
+            </a:r>
+          </a:p>
+          <a:p>
+            <a:pPr lvl="1" marL="238776" indent="168131" defTabSz="406908">
+              <a:spcBef>
+                <a:spcPts val="300"/>
+              </a:spcBef>
+              <a:buSzTx/>
+              <a:buNone/>
+              <a:defRPr sz="1779"/>
+            </a:pPr>
+            <a:r>
+              <a:t>Documentation style as of ContractProxy_Java  - May be used as role model for each repo?</a:t>
+            </a:r>
+          </a:p>
+          <a:p>
+            <a:pPr lvl="1" marL="238776" indent="168131" defTabSz="406908">
+              <a:spcBef>
+                <a:spcPts val="300"/>
+              </a:spcBef>
+              <a:buSzTx/>
+              <a:buNone/>
+              <a:defRPr sz="1779"/>
+            </a:pPr>
+            <a:r>
+              <a:rPr u="sng">
+                <a:solidFill>
+                  <a:srgbClr val="0000FF"/>
+                </a:solidFill>
+                <a:uFill>
+                  <a:solidFill>
+                    <a:srgbClr val="0000FF"/>
+                  </a:solidFill>
+                </a:uFill>
+                <a:hlinkClick r:id="rId2" invalidUrl="" action="" tgtFrame="" tooltip="" history="1" highlightClick="0" endSnd="0"/>
+              </a:rPr>
+              <a:t>https://github.com/arrowhead-f/arrowhead-contract-proxy</a:t>
+            </a:r>
+          </a:p>
+          <a:p>
+            <a:pPr lvl="1" marL="238776" indent="168131" defTabSz="406908">
+              <a:spcBef>
+                <a:spcPts val="300"/>
+              </a:spcBef>
+              <a:buSzTx/>
+              <a:buNone/>
+              <a:defRPr sz="1779"/>
+            </a:pPr>
+            <a:r>
+              <a:t>.</a:t>
+            </a:r>
+          </a:p>
+          <a:p>
+            <a:pPr lvl="1" marL="238776" indent="168131" defTabSz="406908">
+              <a:spcBef>
+                <a:spcPts val="300"/>
+              </a:spcBef>
+              <a:buSzTx/>
+              <a:buNone/>
+              <a:defRPr sz="1779"/>
+            </a:pPr>
+            <a:r>
+              <a:t>.</a:t>
+            </a:r>
           </a:p>
         </p:txBody>
       </p:sp>
@@ -3917,7 +4031,7 @@
       </p:grpSpPr>
       <p:sp>
         <p:nvSpPr>
-          <p:cNvPr id="135" name="Roadmap for GitHub.com/eclipse/arrowhead-f repos"/>
+          <p:cNvPr id="135" name="CI/CD process"/>
           <p:cNvSpPr txBox="1"/>
           <p:nvPr>
             <p:ph type="title"/>
@@ -3930,22 +4044,18 @@
         </p:spPr>
         <p:txBody>
           <a:bodyPr/>
-          <a:lstStyle>
-            <a:lvl1pPr defTabSz="342900">
-              <a:defRPr sz="2700"/>
-            </a:lvl1pPr>
-          </a:lstStyle>
-          <a:p>
-            <a:pPr/>
-            <a:r>
-              <a:t>Roadmap for GitHub.com/eclipse/arrowhead-f repos</a:t>
+          <a:lstStyle/>
+          <a:p>
+            <a:pPr lvl="1"/>
+            <a:r>
+              <a:t>CI/CD process</a:t>
             </a:r>
           </a:p>
         </p:txBody>
       </p:sp>
       <p:sp>
         <p:nvSpPr>
-          <p:cNvPr id="136" name="One repo per core system, libs, installation, architecture, tools?…"/>
+          <p:cNvPr id="136" name="Pull request…"/>
           <p:cNvSpPr txBox="1"/>
           <p:nvPr>
             <p:ph type="body" idx="1"/>
@@ -3960,169 +4070,147 @@
           <a:bodyPr/>
           <a:lstStyle/>
           <a:p>
-            <a:pPr marL="244142" indent="-244142" defTabSz="416052">
+            <a:pPr marL="257556" indent="-257556" defTabSz="438911">
               <a:spcBef>
                 <a:spcPts val="300"/>
               </a:spcBef>
-              <a:defRPr sz="1820"/>
+              <a:defRPr sz="1919"/>
             </a:pPr>
             <a:r>
-              <a:t>One repo per core system, libs, installation, architecture, tools?</a:t>
-            </a:r>
-          </a:p>
-          <a:p>
-            <a:pPr lvl="1" marL="244142" indent="171909" defTabSz="416052">
+              <a:t>Pull request </a:t>
+            </a:r>
+          </a:p>
+          <a:p>
+            <a:pPr lvl="1" marL="257556" indent="181355" defTabSz="438911">
               <a:spcBef>
                 <a:spcPts val="300"/>
               </a:spcBef>
               <a:buSzTx/>
               <a:buNone/>
-              <a:defRPr sz="1820"/>
+              <a:defRPr sz="1919"/>
             </a:pPr>
             <a:r>
-              <a:t>Architecture - Generic SoSDD, pdf, MarkDown</a:t>
-            </a:r>
-          </a:p>
-          <a:p>
-            <a:pPr lvl="2" marL="244142" indent="587961" defTabSz="416052">
+              <a:t>Checklist</a:t>
+            </a:r>
+          </a:p>
+          <a:p>
+            <a:pPr lvl="1" marL="257556" indent="181355" defTabSz="438911">
               <a:spcBef>
                 <a:spcPts val="300"/>
               </a:spcBef>
               <a:buSzTx/>
               <a:buNone/>
-              <a:defRPr sz="1820"/>
+              <a:defRPr sz="1919"/>
             </a:pPr>
-            <a:r>
-              <a:t>SysML models</a:t>
-            </a:r>
-            <a:br/>
-          </a:p>
-          <a:p>
-            <a:pPr lvl="1" marL="244142" indent="171909" defTabSz="416052">
+          </a:p>
+          <a:p>
+            <a:pPr marL="257556" indent="-257556" defTabSz="438911">
+              <a:spcBef>
+                <a:spcPts val="300"/>
+              </a:spcBef>
+              <a:defRPr sz="1919"/>
+            </a:pPr>
+            <a:r>
+              <a:t>Release checklist</a:t>
+            </a:r>
+          </a:p>
+          <a:p>
+            <a:pPr lvl="1" marL="257556" indent="181355" defTabSz="438911">
               <a:spcBef>
                 <a:spcPts val="300"/>
               </a:spcBef>
               <a:buSzTx/>
               <a:buNone/>
-              <a:defRPr sz="1820"/>
+              <a:defRPr sz="1919"/>
             </a:pPr>
             <a:r>
-              <a:t>Reference-implementation</a:t>
-            </a:r>
-          </a:p>
-          <a:p>
-            <a:pPr lvl="1" marL="244142" indent="171909" defTabSz="416052">
+              <a:t>Code integration</a:t>
+            </a:r>
+          </a:p>
+          <a:p>
+            <a:pPr lvl="1" marL="257556" indent="181355" defTabSz="438911">
               <a:spcBef>
                 <a:spcPts val="300"/>
               </a:spcBef>
               <a:buSzTx/>
               <a:buNone/>
-              <a:defRPr sz="1820"/>
+              <a:defRPr sz="1919"/>
             </a:pPr>
             <a:r>
-              <a:t>.</a:t>
-            </a:r>
-          </a:p>
-          <a:p>
-            <a:pPr lvl="1" marL="244142" indent="171909" defTabSz="416052">
+              <a:t>Code checking</a:t>
+            </a:r>
+          </a:p>
+          <a:p>
+            <a:pPr marL="257556" indent="-257556" defTabSz="438911">
+              <a:spcBef>
+                <a:spcPts val="300"/>
+              </a:spcBef>
+              <a:defRPr sz="1919"/>
+            </a:pPr>
+          </a:p>
+          <a:p>
+            <a:pPr lvl="1" marL="257556" indent="181355" defTabSz="438911">
               <a:spcBef>
                 <a:spcPts val="300"/>
               </a:spcBef>
               <a:buSzTx/>
               <a:buNone/>
-              <a:defRPr sz="1820"/>
+              <a:defRPr sz="1919"/>
             </a:pPr>
             <a:r>
-              <a:t>Arrowhead-core-Java</a:t>
-            </a:r>
-          </a:p>
-          <a:p>
-            <a:pPr lvl="1" marL="244142" indent="171909" defTabSz="416052">
+              <a:t>Add</a:t>
+            </a:r>
+          </a:p>
+          <a:p>
+            <a:pPr lvl="2" marL="257556" indent="620267" defTabSz="438911">
               <a:spcBef>
                 <a:spcPts val="300"/>
               </a:spcBef>
               <a:buSzTx/>
               <a:buNone/>
-              <a:defRPr sz="1820"/>
+              <a:defRPr sz="1919"/>
             </a:pPr>
             <a:r>
-              <a:t>.</a:t>
-            </a:r>
-          </a:p>
-          <a:p>
-            <a:pPr lvl="1" marL="244142" indent="171909" defTabSz="416052">
+              <a:t>Integration to other core systems</a:t>
+            </a:r>
+          </a:p>
+          <a:p>
+            <a:pPr lvl="2" marL="257556" indent="620267" defTabSz="438911">
               <a:spcBef>
                 <a:spcPts val="300"/>
               </a:spcBef>
               <a:buSzTx/>
               <a:buNone/>
-              <a:defRPr sz="1820"/>
+              <a:defRPr sz="1919"/>
             </a:pPr>
             <a:r>
-              <a:t>.</a:t>
-            </a:r>
-          </a:p>
-          <a:p>
-            <a:pPr lvl="1" marL="244142" indent="171909" defTabSz="416052">
+              <a:t>Eclipse IPR checking</a:t>
+            </a:r>
+          </a:p>
+          <a:p>
+            <a:pPr lvl="2" marL="257556" indent="620267" defTabSz="438911">
               <a:spcBef>
                 <a:spcPts val="300"/>
               </a:spcBef>
               <a:buSzTx/>
               <a:buNone/>
-              <a:defRPr sz="1820"/>
+              <a:defRPr sz="1919"/>
             </a:pPr>
             <a:r>
-              <a:t>Documentation style as of ContractProxy_Java  - May be used as role model for each repo?</a:t>
-            </a:r>
-          </a:p>
-          <a:p>
-            <a:pPr lvl="1" marL="244142" indent="171909" defTabSz="416052">
+              <a:t>Document checking</a:t>
+            </a:r>
+          </a:p>
+          <a:p>
+            <a:pPr lvl="2" marL="257556" indent="620267" defTabSz="438911">
               <a:spcBef>
                 <a:spcPts val="300"/>
               </a:spcBef>
               <a:buSzTx/>
               <a:buNone/>
-              <a:defRPr sz="1820"/>
+              <a:defRPr sz="1919"/>
             </a:pPr>
             <a:r>
-              <a:rPr u="sng">
-                <a:solidFill>
-                  <a:srgbClr val="0000FF"/>
-                </a:solidFill>
-                <a:uFill>
-                  <a:solidFill>
-                    <a:srgbClr val="0000FF"/>
-                  </a:solidFill>
-                </a:uFill>
-                <a:hlinkClick r:id="rId2" invalidUrl="" action="" tgtFrame="" tooltip="" history="1" highlightClick="0" endSnd="0"/>
-              </a:rPr>
-              <a:t>https://github.com/arrowhead-f/arrowhead-contract-proxy</a:t>
-            </a:r>
-          </a:p>
-          <a:p>
-            <a:pPr lvl="1" marL="244142" indent="171909" defTabSz="416052">
-              <a:spcBef>
-                <a:spcPts val="300"/>
-              </a:spcBef>
-              <a:buSzTx/>
-              <a:buNone/>
-              <a:defRPr sz="1820"/>
-            </a:pPr>
-            <a:r>
-              <a:t>.</a:t>
-            </a:r>
-          </a:p>
-          <a:p>
-            <a:pPr lvl="1" marL="244142" indent="171909" defTabSz="416052">
-              <a:spcBef>
-                <a:spcPts val="300"/>
-              </a:spcBef>
-              <a:buSzTx/>
-              <a:buNone/>
-              <a:defRPr sz="1820"/>
-            </a:pPr>
-            <a:r>
-              <a:t>.</a:t>
+              <a:t>SysML code</a:t>
             </a:r>
           </a:p>
         </p:txBody>
@@ -4155,7 +4243,7 @@
       </p:grpSpPr>
       <p:sp>
         <p:nvSpPr>
-          <p:cNvPr id="138" name="Published papers vs. Code and documentation"/>
+          <p:cNvPr id="138" name="Packages availability"/>
           <p:cNvSpPr txBox="1"/>
           <p:nvPr>
             <p:ph type="title"/>
@@ -4168,22 +4256,18 @@
         </p:spPr>
         <p:txBody>
           <a:bodyPr/>
-          <a:lstStyle>
-            <a:lvl1pPr defTabSz="388620">
-              <a:defRPr sz="3060"/>
-            </a:lvl1pPr>
-          </a:lstStyle>
-          <a:p>
-            <a:pPr/>
-            <a:r>
-              <a:t>Published papers vs. Code and documentation</a:t>
+          <a:lstStyle/>
+          <a:p>
+            <a:pPr/>
+            <a:r>
+              <a:t>Packages availability</a:t>
             </a:r>
           </a:p>
         </p:txBody>
       </p:sp>
       <p:sp>
         <p:nvSpPr>
-          <p:cNvPr id="139" name="Provide references to papers in the code documentation"/>
+          <p:cNvPr id="139" name="Packages for various platforms will be made available at:…"/>
           <p:cNvSpPr txBox="1"/>
           <p:nvPr>
             <p:ph type="body" idx="1"/>
@@ -4200,304 +4284,6 @@
           <a:p>
             <a:pPr/>
             <a:r>
-              <a:t>Provide references to papers in the code documentation</a:t>
-            </a:r>
-          </a:p>
-          <a:p>
-            <a:pPr/>
-          </a:p>
-          <a:p>
-            <a:pPr/>
-          </a:p>
-        </p:txBody>
-      </p:sp>
-    </p:spTree>
-  </p:cSld>
-  <p:clrMapOvr>
-    <a:masterClrMapping/>
-  </p:clrMapOvr>
-  <p:transition xmlns:p14="http://schemas.microsoft.com/office/powerpoint/2010/main" spd="med" advClick="1"/>
-</p:sld>
-</file>
-
-<file path=ppt/slides/slide16.xml><?xml version="1.0" encoding="utf-8"?>
-<p:sld xmlns:a="http://schemas.openxmlformats.org/drawingml/2006/main" xmlns:r="http://schemas.openxmlformats.org/officeDocument/2006/relationships" xmlns:p="http://schemas.openxmlformats.org/presentationml/2006/main" xmlns:m="http://schemas.openxmlformats.org/officeDocument/2006/math" xmlns:a14="http://schemas.microsoft.com/office/drawing/2010/main" showMasterSp="1" showMasterPhAnim="1">
-  <p:cSld>
-    <p:spTree>
-      <p:nvGrpSpPr>
-        <p:cNvPr id="1" name=""/>
-        <p:cNvGrpSpPr/>
-        <p:nvPr/>
-      </p:nvGrpSpPr>
-      <p:grpSpPr>
-        <a:xfrm>
-          <a:off x="0" y="0"/>
-          <a:ext cx="0" cy="0"/>
-          <a:chOff x="0" y="0"/>
-          <a:chExt cx="0" cy="0"/>
-        </a:xfrm>
-      </p:grpSpPr>
-      <p:sp>
-        <p:nvSpPr>
-          <p:cNvPr id="141" name="CI/CD process"/>
-          <p:cNvSpPr txBox="1"/>
-          <p:nvPr>
-            <p:ph type="title"/>
-          </p:nvPr>
-        </p:nvSpPr>
-        <p:spPr>
-          <a:prstGeom prst="rect">
-            <a:avLst/>
-          </a:prstGeom>
-        </p:spPr>
-        <p:txBody>
-          <a:bodyPr/>
-          <a:lstStyle/>
-          <a:p>
-            <a:pPr lvl="1" defTabSz="402336">
-              <a:defRPr sz="3168"/>
-            </a:pPr>
-            <a:r>
-              <a:t>CI/CD process</a:t>
-            </a:r>
-          </a:p>
-        </p:txBody>
-      </p:sp>
-      <p:sp>
-        <p:nvSpPr>
-          <p:cNvPr id="142" name="Pull request…"/>
-          <p:cNvSpPr txBox="1"/>
-          <p:nvPr>
-            <p:ph type="body" idx="1"/>
-          </p:nvPr>
-        </p:nvSpPr>
-        <p:spPr>
-          <a:prstGeom prst="rect">
-            <a:avLst/>
-          </a:prstGeom>
-        </p:spPr>
-        <p:txBody>
-          <a:bodyPr/>
-          <a:lstStyle/>
-          <a:p>
-            <a:pPr marL="260239" indent="-260239" defTabSz="443484">
-              <a:spcBef>
-                <a:spcPts val="300"/>
-              </a:spcBef>
-              <a:defRPr sz="1940"/>
-            </a:pPr>
-            <a:r>
-              <a:t>Pull request </a:t>
-            </a:r>
-          </a:p>
-          <a:p>
-            <a:pPr lvl="1" marL="260239" indent="183244" defTabSz="443484">
-              <a:spcBef>
-                <a:spcPts val="300"/>
-              </a:spcBef>
-              <a:buSzTx/>
-              <a:buNone/>
-              <a:defRPr sz="1940"/>
-            </a:pPr>
-            <a:r>
-              <a:t>Checklist</a:t>
-            </a:r>
-          </a:p>
-          <a:p>
-            <a:pPr lvl="1" marL="260239" indent="183244" defTabSz="443484">
-              <a:spcBef>
-                <a:spcPts val="300"/>
-              </a:spcBef>
-              <a:buSzTx/>
-              <a:buNone/>
-              <a:defRPr sz="1940"/>
-            </a:pPr>
-          </a:p>
-          <a:p>
-            <a:pPr marL="260239" indent="-260239" defTabSz="443484">
-              <a:spcBef>
-                <a:spcPts val="300"/>
-              </a:spcBef>
-              <a:defRPr sz="1940"/>
-            </a:pPr>
-            <a:r>
-              <a:t>Release checklist</a:t>
-            </a:r>
-          </a:p>
-          <a:p>
-            <a:pPr lvl="1" marL="260239" indent="183244" defTabSz="443484">
-              <a:spcBef>
-                <a:spcPts val="300"/>
-              </a:spcBef>
-              <a:buSzTx/>
-              <a:buNone/>
-              <a:defRPr sz="1940"/>
-            </a:pPr>
-            <a:r>
-              <a:t>Code integration</a:t>
-            </a:r>
-          </a:p>
-          <a:p>
-            <a:pPr lvl="1" marL="260239" indent="183244" defTabSz="443484">
-              <a:spcBef>
-                <a:spcPts val="300"/>
-              </a:spcBef>
-              <a:buSzTx/>
-              <a:buNone/>
-              <a:defRPr sz="1940"/>
-            </a:pPr>
-            <a:r>
-              <a:t>Code checking</a:t>
-            </a:r>
-          </a:p>
-          <a:p>
-            <a:pPr marL="260239" indent="-260239" defTabSz="443484">
-              <a:spcBef>
-                <a:spcPts val="300"/>
-              </a:spcBef>
-              <a:defRPr sz="1940"/>
-            </a:pPr>
-          </a:p>
-          <a:p>
-            <a:pPr lvl="1" marL="260239" indent="183244" defTabSz="443484">
-              <a:spcBef>
-                <a:spcPts val="300"/>
-              </a:spcBef>
-              <a:buSzTx/>
-              <a:buNone/>
-              <a:defRPr sz="1940"/>
-            </a:pPr>
-            <a:r>
-              <a:t>Add</a:t>
-            </a:r>
-          </a:p>
-          <a:p>
-            <a:pPr lvl="2" marL="260239" indent="626728" defTabSz="443484">
-              <a:spcBef>
-                <a:spcPts val="300"/>
-              </a:spcBef>
-              <a:buSzTx/>
-              <a:buNone/>
-              <a:defRPr sz="1940"/>
-            </a:pPr>
-            <a:r>
-              <a:t>Integration to other core systems</a:t>
-            </a:r>
-          </a:p>
-          <a:p>
-            <a:pPr lvl="2" marL="260239" indent="626728" defTabSz="443484">
-              <a:spcBef>
-                <a:spcPts val="300"/>
-              </a:spcBef>
-              <a:buSzTx/>
-              <a:buNone/>
-              <a:defRPr sz="1940"/>
-            </a:pPr>
-            <a:r>
-              <a:t>Eclipse IPR checking</a:t>
-            </a:r>
-          </a:p>
-          <a:p>
-            <a:pPr lvl="2" marL="260239" indent="626728" defTabSz="443484">
-              <a:spcBef>
-                <a:spcPts val="300"/>
-              </a:spcBef>
-              <a:buSzTx/>
-              <a:buNone/>
-              <a:defRPr sz="1940"/>
-            </a:pPr>
-            <a:r>
-              <a:t>Document checking</a:t>
-            </a:r>
-          </a:p>
-          <a:p>
-            <a:pPr lvl="2" marL="260239" indent="626728" defTabSz="443484">
-              <a:spcBef>
-                <a:spcPts val="300"/>
-              </a:spcBef>
-              <a:buSzTx/>
-              <a:buNone/>
-              <a:defRPr sz="1940"/>
-            </a:pPr>
-            <a:r>
-              <a:t>SysML code</a:t>
-            </a:r>
-          </a:p>
-        </p:txBody>
-      </p:sp>
-    </p:spTree>
-  </p:cSld>
-  <p:clrMapOvr>
-    <a:masterClrMapping/>
-  </p:clrMapOvr>
-  <p:transition xmlns:p14="http://schemas.microsoft.com/office/powerpoint/2010/main" spd="med" advClick="1"/>
-</p:sld>
-</file>
-
-<file path=ppt/slides/slide17.xml><?xml version="1.0" encoding="utf-8"?>
-<p:sld xmlns:a="http://schemas.openxmlformats.org/drawingml/2006/main" xmlns:r="http://schemas.openxmlformats.org/officeDocument/2006/relationships" xmlns:p="http://schemas.openxmlformats.org/presentationml/2006/main" xmlns:m="http://schemas.openxmlformats.org/officeDocument/2006/math" xmlns:a14="http://schemas.microsoft.com/office/drawing/2010/main" showMasterSp="1" showMasterPhAnim="1">
-  <p:cSld>
-    <p:spTree>
-      <p:nvGrpSpPr>
-        <p:cNvPr id="1" name=""/>
-        <p:cNvGrpSpPr/>
-        <p:nvPr/>
-      </p:nvGrpSpPr>
-      <p:grpSpPr>
-        <a:xfrm>
-          <a:off x="0" y="0"/>
-          <a:ext cx="0" cy="0"/>
-          <a:chOff x="0" y="0"/>
-          <a:chExt cx="0" cy="0"/>
-        </a:xfrm>
-      </p:grpSpPr>
-      <p:sp>
-        <p:nvSpPr>
-          <p:cNvPr id="144" name="Packages availability"/>
-          <p:cNvSpPr txBox="1"/>
-          <p:nvPr>
-            <p:ph type="title"/>
-          </p:nvPr>
-        </p:nvSpPr>
-        <p:spPr>
-          <a:prstGeom prst="rect">
-            <a:avLst/>
-          </a:prstGeom>
-        </p:spPr>
-        <p:txBody>
-          <a:bodyPr/>
-          <a:lstStyle>
-            <a:lvl1pPr defTabSz="402336">
-              <a:defRPr sz="3168"/>
-            </a:lvl1pPr>
-          </a:lstStyle>
-          <a:p>
-            <a:pPr/>
-            <a:r>
-              <a:t>Packages availability</a:t>
-            </a:r>
-          </a:p>
-        </p:txBody>
-      </p:sp>
-      <p:sp>
-        <p:nvSpPr>
-          <p:cNvPr id="145" name="Packages for various platforms will be made available at:…"/>
-          <p:cNvSpPr txBox="1"/>
-          <p:nvPr>
-            <p:ph type="body" idx="1"/>
-          </p:nvPr>
-        </p:nvSpPr>
-        <p:spPr>
-          <a:prstGeom prst="rect">
-            <a:avLst/>
-          </a:prstGeom>
-        </p:spPr>
-        <p:txBody>
-          <a:bodyPr/>
-          <a:lstStyle/>
-          <a:p>
-            <a:pPr/>
-            <a:r>
               <a:t>Packages for various platforms will be made available at:</a:t>
             </a:r>
           </a:p>
@@ -4517,6 +4303,26 @@
               </a:rPr>
               <a:t>http://www.arrowhead.eu/eclipse-arrowhead/</a:t>
             </a:r>
+          </a:p>
+          <a:p>
+            <a:pPr/>
+            <a:r>
+              <a:rPr u="sng">
+                <a:solidFill>
+                  <a:srgbClr val="0000FF"/>
+                </a:solidFill>
+                <a:uFill>
+                  <a:solidFill>
+                    <a:srgbClr val="0000FF"/>
+                  </a:solidFill>
+                </a:uFill>
+                <a:hlinkClick r:id="rId3" invalidUrl="" action="" tgtFrame="" tooltip="" history="1" highlightClick="0" endSnd="0"/>
+              </a:rPr>
+              <a:t>http://www.github.com/eclispe-arrowhead/</a:t>
+            </a:r>
+          </a:p>
+          <a:p>
+            <a:pPr/>
           </a:p>
           <a:p>
             <a:pPr/>
@@ -4564,11 +4370,7 @@
         </p:spPr>
         <p:txBody>
           <a:bodyPr/>
-          <a:lstStyle>
-            <a:lvl1pPr defTabSz="402336">
-              <a:defRPr sz="3168"/>
-            </a:lvl1pPr>
-          </a:lstStyle>
+          <a:lstStyle/>
           <a:p>
             <a:pPr/>
             <a:r>
@@ -4687,11 +4489,7 @@
         </p:spPr>
         <p:txBody>
           <a:bodyPr/>
-          <a:lstStyle>
-            <a:lvl1pPr defTabSz="402336">
-              <a:defRPr sz="3168"/>
-            </a:lvl1pPr>
-          </a:lstStyle>
+          <a:lstStyle/>
           <a:p>
             <a:pPr/>
             <a:r>
@@ -4834,11 +4632,7 @@
         </p:spPr>
         <p:txBody>
           <a:bodyPr/>
-          <a:lstStyle>
-            <a:lvl1pPr defTabSz="402336">
-              <a:defRPr sz="3168"/>
-            </a:lvl1pPr>
-          </a:lstStyle>
+          <a:lstStyle/>
           <a:p>
             <a:pPr/>
             <a:r>
@@ -4864,161 +4658,161 @@
           <a:bodyPr/>
           <a:lstStyle/>
           <a:p>
-            <a:pPr marL="148389" indent="-148389" defTabSz="338327">
+            <a:pPr marL="152400" indent="-152400" defTabSz="347472">
               <a:spcBef>
-                <a:spcPts val="200"/>
+                <a:spcPts val="300"/>
               </a:spcBef>
               <a:buSzPct val="100000"/>
               <a:buChar char="•"/>
-              <a:defRPr sz="1480"/>
+              <a:defRPr sz="1520"/>
             </a:pPr>
             <a:r>
               <a:t>Release  process</a:t>
             </a:r>
           </a:p>
           <a:p>
-            <a:pPr lvl="1" marL="430329" indent="-148389" defTabSz="338327">
+            <a:pPr lvl="1" marL="441959" indent="-152400" defTabSz="347472">
               <a:spcBef>
-                <a:spcPts val="200"/>
+                <a:spcPts val="300"/>
               </a:spcBef>
-              <a:defRPr sz="1480"/>
+              <a:defRPr sz="1520"/>
             </a:pPr>
             <a:r>
               <a:t>CI/CD</a:t>
             </a:r>
           </a:p>
           <a:p>
-            <a:pPr marL="148389" indent="-148389" defTabSz="338327">
+            <a:pPr marL="152400" indent="-152400" defTabSz="347472">
               <a:spcBef>
-                <a:spcPts val="200"/>
+                <a:spcPts val="300"/>
               </a:spcBef>
               <a:buSzPct val="100000"/>
               <a:buChar char="•"/>
-              <a:defRPr sz="1480"/>
+              <a:defRPr sz="1520"/>
             </a:pPr>
           </a:p>
           <a:p>
-            <a:pPr marL="148389" indent="-148389" defTabSz="338327">
+            <a:pPr marL="152400" indent="-152400" defTabSz="347472">
               <a:spcBef>
-                <a:spcPts val="200"/>
+                <a:spcPts val="300"/>
               </a:spcBef>
               <a:buSzPct val="100000"/>
               <a:buChar char="•"/>
-              <a:defRPr sz="1480"/>
+              <a:defRPr sz="1520"/>
             </a:pPr>
             <a:r>
               <a:t>Architecture enhancement v5.0</a:t>
             </a:r>
           </a:p>
           <a:p>
-            <a:pPr lvl="1" marL="430329" indent="-148389" defTabSz="338327">
+            <a:pPr lvl="1" marL="441959" indent="-152400" defTabSz="347472">
               <a:spcBef>
-                <a:spcPts val="200"/>
+                <a:spcPts val="300"/>
               </a:spcBef>
-              <a:defRPr sz="1480"/>
+              <a:defRPr sz="1520"/>
             </a:pPr>
             <a:r>
               <a:t>Based on requirements or reported issues with concrete enhancement proposal</a:t>
             </a:r>
           </a:p>
           <a:p>
-            <a:pPr lvl="1" marL="430329" indent="-148389" defTabSz="338327">
+            <a:pPr lvl="1" marL="441959" indent="-152400" defTabSz="347472">
               <a:spcBef>
-                <a:spcPts val="200"/>
+                <a:spcPts val="300"/>
               </a:spcBef>
-              <a:defRPr sz="1480"/>
+              <a:defRPr sz="1520"/>
             </a:pPr>
           </a:p>
           <a:p>
-            <a:pPr marL="148389" indent="-148389" defTabSz="338327">
+            <a:pPr marL="152400" indent="-152400" defTabSz="347472">
               <a:spcBef>
-                <a:spcPts val="200"/>
+                <a:spcPts val="300"/>
               </a:spcBef>
               <a:buSzPct val="100000"/>
               <a:buChar char="•"/>
-              <a:defRPr sz="1480"/>
+              <a:defRPr sz="1520"/>
             </a:pPr>
             <a:r>
               <a:t>Core system improvements 4.x.y</a:t>
             </a:r>
           </a:p>
           <a:p>
-            <a:pPr lvl="1" marL="430329" indent="-148389" defTabSz="338327">
+            <a:pPr lvl="1" marL="441959" indent="-152400" defTabSz="347472">
               <a:spcBef>
-                <a:spcPts val="200"/>
+                <a:spcPts val="300"/>
               </a:spcBef>
-              <a:defRPr sz="1480"/>
+              <a:defRPr sz="1520"/>
             </a:pPr>
             <a:r>
               <a:t>Based on requirements or reported issues with specific core system improvement proposal</a:t>
             </a:r>
           </a:p>
           <a:p>
-            <a:pPr lvl="1" marL="430329" indent="-148389" defTabSz="338327">
+            <a:pPr lvl="1" marL="441959" indent="-152400" defTabSz="347472">
               <a:spcBef>
-                <a:spcPts val="200"/>
+                <a:spcPts val="300"/>
               </a:spcBef>
-              <a:defRPr sz="1480"/>
+              <a:defRPr sz="1520"/>
             </a:pPr>
           </a:p>
           <a:p>
-            <a:pPr marL="148389" indent="-148389" defTabSz="338327">
+            <a:pPr marL="152400" indent="-152400" defTabSz="347472">
               <a:spcBef>
-                <a:spcPts val="200"/>
+                <a:spcPts val="300"/>
               </a:spcBef>
               <a:buSzPct val="100000"/>
               <a:buChar char="•"/>
-              <a:defRPr sz="1480"/>
+              <a:defRPr sz="1520"/>
             </a:pPr>
             <a:r>
               <a:t>New core systems v4.x.y, v5.x.y</a:t>
             </a:r>
           </a:p>
           <a:p>
-            <a:pPr lvl="1" marL="430329" indent="-148389" defTabSz="338327">
+            <a:pPr lvl="1" marL="441959" indent="-152400" defTabSz="347472">
               <a:spcBef>
-                <a:spcPts val="200"/>
+                <a:spcPts val="300"/>
               </a:spcBef>
-              <a:defRPr sz="1480"/>
+              <a:defRPr sz="1520"/>
             </a:pPr>
             <a:r>
               <a:t>Based on requirements or reported issues with specific proposal for a new core system</a:t>
             </a:r>
           </a:p>
           <a:p>
-            <a:pPr marL="148389" indent="-148389" defTabSz="338327">
+            <a:pPr marL="152400" indent="-152400" defTabSz="347472">
               <a:spcBef>
-                <a:spcPts val="200"/>
+                <a:spcPts val="300"/>
               </a:spcBef>
               <a:buSzPct val="100000"/>
               <a:buChar char="•"/>
-              <a:defRPr sz="1480"/>
+              <a:defRPr sz="1520"/>
             </a:pPr>
           </a:p>
           <a:p>
-            <a:pPr lvl="1" marL="430329" indent="-148389" defTabSz="338327">
+            <a:pPr lvl="1" marL="441959" indent="-152400" defTabSz="347472">
               <a:spcBef>
-                <a:spcPts val="200"/>
+                <a:spcPts val="300"/>
               </a:spcBef>
-              <a:defRPr sz="1480"/>
+              <a:defRPr sz="1520"/>
             </a:pPr>
           </a:p>
           <a:p>
-            <a:pPr marL="148389" indent="-148389" defTabSz="338327">
+            <a:pPr marL="152400" indent="-152400" defTabSz="347472">
               <a:spcBef>
-                <a:spcPts val="200"/>
+                <a:spcPts val="300"/>
               </a:spcBef>
               <a:buSzPct val="100000"/>
               <a:buChar char="•"/>
-              <a:defRPr sz="1480"/>
+              <a:defRPr sz="1520"/>
             </a:pPr>
           </a:p>
           <a:p>
-            <a:pPr marL="198533" indent="-198533" defTabSz="338327">
+            <a:pPr marL="203898" indent="-203898" defTabSz="347472">
               <a:spcBef>
-                <a:spcPts val="200"/>
+                <a:spcPts val="300"/>
               </a:spcBef>
-              <a:defRPr sz="1480"/>
+              <a:defRPr sz="1520"/>
             </a:pPr>
           </a:p>
         </p:txBody>
@@ -5064,11 +4858,7 @@
         </p:spPr>
         <p:txBody>
           <a:bodyPr/>
-          <a:lstStyle>
-            <a:lvl1pPr defTabSz="402336">
-              <a:defRPr sz="3168"/>
-            </a:lvl1pPr>
-          </a:lstStyle>
+          <a:lstStyle/>
           <a:p>
             <a:pPr/>
             <a:r>
@@ -5212,11 +5002,7 @@
         </p:spPr>
         <p:txBody>
           <a:bodyPr/>
-          <a:lstStyle>
-            <a:lvl1pPr defTabSz="402336">
-              <a:defRPr sz="3168"/>
-            </a:lvl1pPr>
-          </a:lstStyle>
+          <a:lstStyle/>
           <a:p>
             <a:pPr/>
             <a:r>
@@ -5227,7 +5013,7 @@
       </p:sp>
       <p:sp>
         <p:nvSpPr>
-          <p:cNvPr id="112" name="Members from…"/>
+          <p:cNvPr id="112" name="Members and perspective…"/>
           <p:cNvSpPr txBox="1"/>
           <p:nvPr>
             <p:ph type="body" idx="1"/>
@@ -5244,7 +5030,7 @@
           <a:p>
             <a:pPr/>
             <a:r>
-              <a:t>Members from </a:t>
+              <a:t>Members and perspective</a:t>
             </a:r>
           </a:p>
           <a:p>
@@ -5253,7 +5039,7 @@
               <a:buNone/>
             </a:pPr>
             <a:r>
-              <a:t>1-2 Implementation (AITIA, LTU, MGEP, Uni Bologna, TWT, TU Lubeck, TU Vienna, …..)</a:t>
+              <a:t>Pal Varga, Implementation</a:t>
             </a:r>
           </a:p>
           <a:p>
@@ -5262,7 +5048,7 @@
               <a:buNone/>
             </a:pPr>
             <a:r>
-              <a:t>1-2 Architecture (BME, LTU, …)</a:t>
+              <a:t>Jerker Delsing, Architecture</a:t>
             </a:r>
           </a:p>
           <a:p>
@@ -5271,7 +5057,7 @@
               <a:buNone/>
             </a:pPr>
             <a:r>
-              <a:t>1-2 Requirements owner (Bosch, Eurotech, HIOF (Östen H), ….)</a:t>
+              <a:t>Johannes Kristen/Laurenti Barna/Per Olofsson, Requirements owner </a:t>
             </a:r>
           </a:p>
         </p:txBody>
@@ -5304,7 +5090,7 @@
       </p:grpSpPr>
       <p:sp>
         <p:nvSpPr>
-          <p:cNvPr id="114" name="Decision committee - proposal"/>
+          <p:cNvPr id="114" name="Roadmap committee mettings"/>
           <p:cNvSpPr txBox="1"/>
           <p:nvPr>
             <p:ph type="title"/>
@@ -5317,32 +5103,24 @@
         </p:spPr>
         <p:txBody>
           <a:bodyPr/>
-          <a:lstStyle>
-            <a:lvl1pPr defTabSz="402336">
-              <a:defRPr sz="3168"/>
-            </a:lvl1pPr>
-          </a:lstStyle>
-          <a:p>
-            <a:pPr/>
-            <a:r>
-              <a:t>Decision committee - proposal</a:t>
+          <a:lstStyle/>
+          <a:p>
+            <a:pPr/>
+            <a:r>
+              <a:t>Roadmap committee mettings</a:t>
             </a:r>
           </a:p>
         </p:txBody>
       </p:sp>
       <p:sp>
         <p:nvSpPr>
-          <p:cNvPr id="115" name="Members…"/>
+          <p:cNvPr id="115" name="Frequency: three-weekly…"/>
           <p:cNvSpPr txBox="1"/>
           <p:nvPr>
             <p:ph type="body" idx="1"/>
           </p:nvPr>
         </p:nvSpPr>
         <p:spPr>
-          <a:xfrm>
-            <a:off x="799889" y="1199371"/>
-            <a:ext cx="7444937" cy="4529850"/>
-          </a:xfrm>
           <a:prstGeom prst="rect">
             <a:avLst/>
           </a:prstGeom>
@@ -5353,35 +5131,17 @@
           <a:p>
             <a:pPr/>
             <a:r>
-              <a:t>Members </a:t>
-            </a:r>
-          </a:p>
-          <a:p>
-            <a:pPr lvl="1" marL="268288" indent="188911">
-              <a:buSzTx/>
-              <a:buNone/>
-            </a:pPr>
-            <a:r>
-              <a:t>Implementation - Pal Varga, Szvetlin Tanyi</a:t>
-            </a:r>
-          </a:p>
-          <a:p>
-            <a:pPr lvl="1" marL="268288" indent="188911">
-              <a:buSzTx/>
-              <a:buNone/>
-            </a:pPr>
-            <a:r>
-              <a:t>Architecture - Jerker Delsing, chairman</a:t>
-            </a:r>
-          </a:p>
-          <a:p>
-            <a:pPr lvl="1" marL="268288" indent="188911">
-              <a:buSzTx/>
-              <a:buNone/>
-            </a:pPr>
-            <a:r>
-              <a:t>Requirements owner - Johannes Kristan</a:t>
-            </a:r>
+              <a:t>Frequency: three-weekly</a:t>
+            </a:r>
+          </a:p>
+          <a:p>
+            <a:pPr/>
+            <a:r>
+              <a:t>Type: Mail, telco, F2F</a:t>
+            </a:r>
+          </a:p>
+          <a:p>
+            <a:pPr/>
           </a:p>
         </p:txBody>
       </p:sp>
@@ -5413,7 +5173,7 @@
       </p:grpSpPr>
       <p:sp>
         <p:nvSpPr>
-          <p:cNvPr id="117" name="Roadmap committee mettings"/>
+          <p:cNvPr id="117" name="Roadmap communication"/>
           <p:cNvSpPr txBox="1"/>
           <p:nvPr>
             <p:ph type="title"/>
@@ -5426,22 +5186,18 @@
         </p:spPr>
         <p:txBody>
           <a:bodyPr/>
-          <a:lstStyle>
-            <a:lvl1pPr defTabSz="402336">
-              <a:defRPr sz="3168"/>
-            </a:lvl1pPr>
-          </a:lstStyle>
-          <a:p>
-            <a:pPr/>
-            <a:r>
-              <a:t>Roadmap committee mettings</a:t>
+          <a:lstStyle/>
+          <a:p>
+            <a:pPr/>
+            <a:r>
+              <a:t>Roadmap communication</a:t>
             </a:r>
           </a:p>
         </p:txBody>
       </p:sp>
       <p:sp>
         <p:nvSpPr>
-          <p:cNvPr id="118" name="Frequency: three-weekly…"/>
+          <p:cNvPr id="118" name="Top level headline at…"/>
           <p:cNvSpPr txBox="1"/>
           <p:nvPr>
             <p:ph type="body" idx="1"/>
@@ -5458,17 +5214,81 @@
           <a:p>
             <a:pPr/>
             <a:r>
-              <a:t>Frequency: three-weekly</a:t>
-            </a:r>
-          </a:p>
-          <a:p>
-            <a:pPr/>
-            <a:r>
-              <a:t>Type: Mail, telco, F2F</a:t>
-            </a:r>
-          </a:p>
-          <a:p>
-            <a:pPr/>
+              <a:t>Top level headline at</a:t>
+            </a:r>
+          </a:p>
+          <a:p>
+            <a:pPr/>
+            <a:r>
+              <a:rPr u="sng">
+                <a:solidFill>
+                  <a:srgbClr val="0000FF"/>
+                </a:solidFill>
+                <a:uFill>
+                  <a:solidFill>
+                    <a:srgbClr val="0000FF"/>
+                  </a:solidFill>
+                </a:uFill>
+                <a:hlinkClick r:id="rId2" invalidUrl="" action="" tgtFrame="" tooltip="" history="1" highlightClick="0" endSnd="0"/>
+              </a:rPr>
+              <a:t>www.arrowhead.eu/eclipse-arrowhead</a:t>
+            </a:r>
+          </a:p>
+          <a:p>
+            <a:pPr/>
+          </a:p>
+          <a:p>
+            <a:pPr/>
+            <a:r>
+              <a:t>Link from </a:t>
+            </a:r>
+            <a:r>
+              <a:rPr u="sng">
+                <a:solidFill>
+                  <a:srgbClr val="0000FF"/>
+                </a:solidFill>
+                <a:uFill>
+                  <a:solidFill>
+                    <a:srgbClr val="0000FF"/>
+                  </a:solidFill>
+                </a:uFill>
+                <a:hlinkClick r:id="rId3" invalidUrl="" action="" tgtFrame="" tooltip="" history="1" highlightClick="0" endSnd="0"/>
+              </a:rPr>
+              <a:t>eclipse.org/arrowhead</a:t>
+            </a:r>
+          </a:p>
+          <a:p>
+            <a:pPr/>
+          </a:p>
+          <a:p>
+            <a:pPr/>
+            <a:r>
+              <a:t>News to relevant EU projects</a:t>
+            </a:r>
+          </a:p>
+          <a:p>
+            <a:pPr/>
+            <a:r>
+              <a:t>Twitter</a:t>
+            </a:r>
+          </a:p>
+          <a:p>
+            <a:pPr/>
+            <a:r>
+              <a:t>LinkedIN</a:t>
+            </a:r>
+          </a:p>
+          <a:p>
+            <a:pPr/>
+            <a:r>
+              <a:t>Youtube</a:t>
+            </a:r>
+          </a:p>
+          <a:p>
+            <a:pPr/>
+            <a:r>
+              <a:t>ResearchGate</a:t>
+            </a:r>
           </a:p>
         </p:txBody>
       </p:sp>
@@ -5500,7 +5320,7 @@
       </p:grpSpPr>
       <p:sp>
         <p:nvSpPr>
-          <p:cNvPr id="120" name="Roadmap communication"/>
+          <p:cNvPr id="120" name="Roadmap availability"/>
           <p:cNvSpPr txBox="1"/>
           <p:nvPr>
             <p:ph type="title"/>
@@ -5513,22 +5333,18 @@
         </p:spPr>
         <p:txBody>
           <a:bodyPr/>
-          <a:lstStyle>
-            <a:lvl1pPr defTabSz="402336">
-              <a:defRPr sz="3168"/>
-            </a:lvl1pPr>
-          </a:lstStyle>
-          <a:p>
-            <a:pPr/>
-            <a:r>
-              <a:t>Roadmap communication</a:t>
+          <a:lstStyle/>
+          <a:p>
+            <a:pPr/>
+            <a:r>
+              <a:t>Roadmap availability</a:t>
             </a:r>
           </a:p>
         </p:txBody>
       </p:sp>
       <p:sp>
         <p:nvSpPr>
-          <p:cNvPr id="121" name="Top level headline at…"/>
+          <p:cNvPr id="121" name="github.com/eclipse-arrowhead/roadmap…"/>
           <p:cNvSpPr txBox="1"/>
           <p:nvPr>
             <p:ph type="body" idx="1"/>
@@ -5545,12 +5361,6 @@
           <a:p>
             <a:pPr/>
             <a:r>
-              <a:t>Top level headline at</a:t>
-            </a:r>
-          </a:p>
-          <a:p>
-            <a:pPr/>
-            <a:r>
               <a:rPr u="sng">
                 <a:solidFill>
                   <a:srgbClr val="0000FF"/>
@@ -5562,17 +5372,20 @@
                 </a:uFill>
                 <a:hlinkClick r:id="rId2" invalidUrl="" action="" tgtFrame="" tooltip="" history="1" highlightClick="0" endSnd="0"/>
               </a:rPr>
-              <a:t>www.arrowhead.eu/eclipse-arrowhead</a:t>
-            </a:r>
-          </a:p>
-          <a:p>
-            <a:pPr/>
-          </a:p>
-          <a:p>
-            <a:pPr/>
-            <a:r>
-              <a:t>Link from </a:t>
-            </a:r>
+              <a:t>github.com</a:t>
+            </a:r>
+            <a:r>
+              <a:t>/eclipse-arrowhead/roadmap</a:t>
+            </a:r>
+          </a:p>
+          <a:p>
+            <a:pPr/>
+            <a:r>
+              <a:t>and</a:t>
+            </a:r>
+          </a:p>
+          <a:p>
+            <a:pPr/>
             <a:r>
               <a:rPr u="sng">
                 <a:solidFill>
@@ -5585,41 +5398,43 @@
                 </a:uFill>
                 <a:hlinkClick r:id="rId3" invalidUrl="" action="" tgtFrame="" tooltip="" history="1" highlightClick="0" endSnd="0"/>
               </a:rPr>
-              <a:t>eclipse.org/arrowhead</a:t>
-            </a:r>
-          </a:p>
-          <a:p>
-            <a:pPr/>
-          </a:p>
-          <a:p>
-            <a:pPr/>
-            <a:r>
-              <a:t>News to relevant EU projects</a:t>
-            </a:r>
-          </a:p>
-          <a:p>
-            <a:pPr/>
-            <a:r>
-              <a:t>Twitter</a:t>
-            </a:r>
-          </a:p>
-          <a:p>
-            <a:pPr/>
-            <a:r>
-              <a:t>LinkedIN</a:t>
-            </a:r>
-          </a:p>
-          <a:p>
-            <a:pPr/>
-            <a:r>
-              <a:t>Youtube</a:t>
-            </a:r>
-          </a:p>
-          <a:p>
-            <a:pPr/>
-            <a:r>
-              <a:t>ResearchGate</a:t>
-            </a:r>
+              <a:t>eclipse.org</a:t>
+            </a:r>
+            <a:r>
+              <a:t>/</a:t>
+            </a:r>
+          </a:p>
+          <a:p>
+            <a:pPr/>
+            <a:r>
+              <a:t>and</a:t>
+            </a:r>
+          </a:p>
+          <a:p>
+            <a:pPr/>
+            <a:r>
+              <a:rPr u="sng">
+                <a:solidFill>
+                  <a:srgbClr val="0000FF"/>
+                </a:solidFill>
+                <a:uFill>
+                  <a:solidFill>
+                    <a:srgbClr val="0000FF"/>
+                  </a:solidFill>
+                </a:uFill>
+                <a:hlinkClick r:id="rId4" invalidUrl="" action="" tgtFrame="" tooltip="" history="1" highlightClick="0" endSnd="0"/>
+              </a:rPr>
+              <a:t>www.arrowhead.eu/eclipse-arrowhead</a:t>
+            </a:r>
+          </a:p>
+          <a:p>
+            <a:pPr/>
+          </a:p>
+          <a:p>
+            <a:pPr/>
+          </a:p>
+          <a:p>
+            <a:pPr/>
           </a:p>
         </p:txBody>
       </p:sp>

--- a/Governanace_strategy/Eclipse_Arrowhead_Roadmap_organisation.pptx
+++ b/Governanace_strategy/Eclipse_Arrowhead_Roadmap_organisation.pptx
@@ -23,6 +23,12 @@
     <p:sldId id="268" r:id="rId20"/>
     <p:sldId id="269" r:id="rId21"/>
     <p:sldId id="270" r:id="rId22"/>
+    <p:sldId id="271" r:id="rId23"/>
+    <p:sldId id="272" r:id="rId24"/>
+    <p:sldId id="273" r:id="rId25"/>
+    <p:sldId id="274" r:id="rId26"/>
+    <p:sldId id="275" r:id="rId27"/>
+    <p:sldId id="276" r:id="rId28"/>
   </p:sldIdLst>
   <p:sldSz cx="9144000" cy="5715000"/>
   <p:notesSz cx="6858000" cy="9144000"/>
@@ -77,9 +83,9 @@
         </a:solidFill>
         <a:effectLst/>
         <a:uFillTx/>
-        <a:latin typeface="+mn-lt"/>
-        <a:ea typeface="+mn-ea"/>
-        <a:cs typeface="+mn-cs"/>
+        <a:latin typeface="+mj-lt"/>
+        <a:ea typeface="+mj-ea"/>
+        <a:cs typeface="+mj-cs"/>
         <a:sym typeface="Helvetica"/>
       </a:defRPr>
     </a:lvl1pPr>
@@ -107,9 +113,9 @@
         </a:solidFill>
         <a:effectLst/>
         <a:uFillTx/>
-        <a:latin typeface="+mn-lt"/>
-        <a:ea typeface="+mn-ea"/>
-        <a:cs typeface="+mn-cs"/>
+        <a:latin typeface="+mj-lt"/>
+        <a:ea typeface="+mj-ea"/>
+        <a:cs typeface="+mj-cs"/>
         <a:sym typeface="Helvetica"/>
       </a:defRPr>
     </a:lvl2pPr>
@@ -137,9 +143,9 @@
         </a:solidFill>
         <a:effectLst/>
         <a:uFillTx/>
-        <a:latin typeface="+mn-lt"/>
-        <a:ea typeface="+mn-ea"/>
-        <a:cs typeface="+mn-cs"/>
+        <a:latin typeface="+mj-lt"/>
+        <a:ea typeface="+mj-ea"/>
+        <a:cs typeface="+mj-cs"/>
         <a:sym typeface="Helvetica"/>
       </a:defRPr>
     </a:lvl3pPr>
@@ -167,9 +173,9 @@
         </a:solidFill>
         <a:effectLst/>
         <a:uFillTx/>
-        <a:latin typeface="+mn-lt"/>
-        <a:ea typeface="+mn-ea"/>
-        <a:cs typeface="+mn-cs"/>
+        <a:latin typeface="+mj-lt"/>
+        <a:ea typeface="+mj-ea"/>
+        <a:cs typeface="+mj-cs"/>
         <a:sym typeface="Helvetica"/>
       </a:defRPr>
     </a:lvl4pPr>
@@ -197,9 +203,9 @@
         </a:solidFill>
         <a:effectLst/>
         <a:uFillTx/>
-        <a:latin typeface="+mn-lt"/>
-        <a:ea typeface="+mn-ea"/>
-        <a:cs typeface="+mn-cs"/>
+        <a:latin typeface="+mj-lt"/>
+        <a:ea typeface="+mj-ea"/>
+        <a:cs typeface="+mj-cs"/>
         <a:sym typeface="Helvetica"/>
       </a:defRPr>
     </a:lvl5pPr>
@@ -227,9 +233,9 @@
         </a:solidFill>
         <a:effectLst/>
         <a:uFillTx/>
-        <a:latin typeface="+mn-lt"/>
-        <a:ea typeface="+mn-ea"/>
-        <a:cs typeface="+mn-cs"/>
+        <a:latin typeface="+mj-lt"/>
+        <a:ea typeface="+mj-ea"/>
+        <a:cs typeface="+mj-cs"/>
         <a:sym typeface="Helvetica"/>
       </a:defRPr>
     </a:lvl6pPr>
@@ -257,9 +263,9 @@
         </a:solidFill>
         <a:effectLst/>
         <a:uFillTx/>
-        <a:latin typeface="+mn-lt"/>
-        <a:ea typeface="+mn-ea"/>
-        <a:cs typeface="+mn-cs"/>
+        <a:latin typeface="+mj-lt"/>
+        <a:ea typeface="+mj-ea"/>
+        <a:cs typeface="+mj-cs"/>
         <a:sym typeface="Helvetica"/>
       </a:defRPr>
     </a:lvl7pPr>
@@ -287,9 +293,9 @@
         </a:solidFill>
         <a:effectLst/>
         <a:uFillTx/>
-        <a:latin typeface="+mn-lt"/>
-        <a:ea typeface="+mn-ea"/>
-        <a:cs typeface="+mn-cs"/>
+        <a:latin typeface="+mj-lt"/>
+        <a:ea typeface="+mj-ea"/>
+        <a:cs typeface="+mj-cs"/>
         <a:sym typeface="Helvetica"/>
       </a:defRPr>
     </a:lvl8pPr>
@@ -317,9 +323,9 @@
         </a:solidFill>
         <a:effectLst/>
         <a:uFillTx/>
-        <a:latin typeface="+mn-lt"/>
-        <a:ea typeface="+mn-ea"/>
-        <a:cs typeface="+mn-cs"/>
+        <a:latin typeface="+mj-lt"/>
+        <a:ea typeface="+mj-ea"/>
+        <a:cs typeface="+mj-cs"/>
         <a:sym typeface="Helvetica"/>
       </a:defRPr>
     </a:lvl9pPr>
@@ -350,7 +356,7 @@
       </p:grpSpPr>
       <p:sp>
         <p:nvSpPr>
-          <p:cNvPr id="93" name="Shape 93"/>
+          <p:cNvPr id="95" name="Shape 95"/>
           <p:cNvSpPr/>
           <p:nvPr>
             <p:ph type="sldImg"/>
@@ -375,7 +381,7 @@
       </p:sp>
       <p:sp>
         <p:nvSpPr>
-          <p:cNvPr id="94" name="Shape 94"/>
+          <p:cNvPr id="96" name="Shape 96"/>
           <p:cNvSpPr/>
           <p:nvPr>
             <p:ph type="body" sz="quarter" idx="1"/>
@@ -407,9 +413,9 @@
         <a:spcPct val="125000"/>
       </a:lnSpc>
       <a:defRPr sz="2400">
-        <a:latin typeface="+mj-lt"/>
-        <a:ea typeface="+mj-ea"/>
-        <a:cs typeface="+mj-cs"/>
+        <a:latin typeface="+mn-lt"/>
+        <a:ea typeface="+mn-ea"/>
+        <a:cs typeface="+mn-cs"/>
         <a:sym typeface="Avenir Roman"/>
       </a:defRPr>
     </a:lvl1pPr>
@@ -418,9 +424,9 @@
         <a:spcPct val="125000"/>
       </a:lnSpc>
       <a:defRPr sz="2400">
-        <a:latin typeface="+mj-lt"/>
-        <a:ea typeface="+mj-ea"/>
-        <a:cs typeface="+mj-cs"/>
+        <a:latin typeface="+mn-lt"/>
+        <a:ea typeface="+mn-ea"/>
+        <a:cs typeface="+mn-cs"/>
         <a:sym typeface="Avenir Roman"/>
       </a:defRPr>
     </a:lvl2pPr>
@@ -429,9 +435,9 @@
         <a:spcPct val="125000"/>
       </a:lnSpc>
       <a:defRPr sz="2400">
-        <a:latin typeface="+mj-lt"/>
-        <a:ea typeface="+mj-ea"/>
-        <a:cs typeface="+mj-cs"/>
+        <a:latin typeface="+mn-lt"/>
+        <a:ea typeface="+mn-ea"/>
+        <a:cs typeface="+mn-cs"/>
         <a:sym typeface="Avenir Roman"/>
       </a:defRPr>
     </a:lvl3pPr>
@@ -440,9 +446,9 @@
         <a:spcPct val="125000"/>
       </a:lnSpc>
       <a:defRPr sz="2400">
-        <a:latin typeface="+mj-lt"/>
-        <a:ea typeface="+mj-ea"/>
-        <a:cs typeface="+mj-cs"/>
+        <a:latin typeface="+mn-lt"/>
+        <a:ea typeface="+mn-ea"/>
+        <a:cs typeface="+mn-cs"/>
         <a:sym typeface="Avenir Roman"/>
       </a:defRPr>
     </a:lvl4pPr>
@@ -451,9 +457,9 @@
         <a:spcPct val="125000"/>
       </a:lnSpc>
       <a:defRPr sz="2400">
-        <a:latin typeface="+mj-lt"/>
-        <a:ea typeface="+mj-ea"/>
-        <a:cs typeface="+mj-cs"/>
+        <a:latin typeface="+mn-lt"/>
+        <a:ea typeface="+mn-ea"/>
+        <a:cs typeface="+mn-cs"/>
         <a:sym typeface="Avenir Roman"/>
       </a:defRPr>
     </a:lvl5pPr>
@@ -462,9 +468,9 @@
         <a:spcPct val="125000"/>
       </a:lnSpc>
       <a:defRPr sz="2400">
-        <a:latin typeface="+mj-lt"/>
-        <a:ea typeface="+mj-ea"/>
-        <a:cs typeface="+mj-cs"/>
+        <a:latin typeface="+mn-lt"/>
+        <a:ea typeface="+mn-ea"/>
+        <a:cs typeface="+mn-cs"/>
         <a:sym typeface="Avenir Roman"/>
       </a:defRPr>
     </a:lvl6pPr>
@@ -473,9 +479,9 @@
         <a:spcPct val="125000"/>
       </a:lnSpc>
       <a:defRPr sz="2400">
-        <a:latin typeface="+mj-lt"/>
-        <a:ea typeface="+mj-ea"/>
-        <a:cs typeface="+mj-cs"/>
+        <a:latin typeface="+mn-lt"/>
+        <a:ea typeface="+mn-ea"/>
+        <a:cs typeface="+mn-cs"/>
         <a:sym typeface="Avenir Roman"/>
       </a:defRPr>
     </a:lvl7pPr>
@@ -484,9 +490,9 @@
         <a:spcPct val="125000"/>
       </a:lnSpc>
       <a:defRPr sz="2400">
-        <a:latin typeface="+mj-lt"/>
-        <a:ea typeface="+mj-ea"/>
-        <a:cs typeface="+mj-cs"/>
+        <a:latin typeface="+mn-lt"/>
+        <a:ea typeface="+mn-ea"/>
+        <a:cs typeface="+mn-cs"/>
         <a:sym typeface="Avenir Roman"/>
       </a:defRPr>
     </a:lvl8pPr>
@@ -495,9 +501,9 @@
         <a:spcPct val="125000"/>
       </a:lnSpc>
       <a:defRPr sz="2400">
-        <a:latin typeface="+mj-lt"/>
-        <a:ea typeface="+mj-ea"/>
-        <a:cs typeface="+mj-cs"/>
+        <a:latin typeface="+mn-lt"/>
+        <a:ea typeface="+mn-ea"/>
+        <a:cs typeface="+mn-cs"/>
         <a:sym typeface="Avenir Roman"/>
       </a:defRPr>
     </a:lvl9pPr>
@@ -626,7 +632,7 @@
 </file>
 
 <file path=ppt/slideLayouts/slideLayout2.xml><?xml version="1.0" encoding="utf-8"?>
-<p:sldLayout xmlns:a="http://schemas.openxmlformats.org/drawingml/2006/main" xmlns:r="http://schemas.openxmlformats.org/officeDocument/2006/relationships" xmlns:p="http://schemas.openxmlformats.org/presentationml/2006/main" xmlns:m="http://schemas.openxmlformats.org/officeDocument/2006/math" xmlns:a14="http://schemas.microsoft.com/office/drawing/2010/main" type="tx" showMasterSp="1" showMasterPhAnim="1">
+<p:sldLayout xmlns:a="http://schemas.openxmlformats.org/drawingml/2006/main" xmlns:r="http://schemas.openxmlformats.org/officeDocument/2006/relationships" xmlns:p="http://schemas.openxmlformats.org/presentationml/2006/main" xmlns:m="http://schemas.openxmlformats.org/officeDocument/2006/math" xmlns:a14="http://schemas.microsoft.com/office/drawing/2010/main" type="tx" showMasterSp="0" showMasterPhAnim="1">
   <p:cSld name="Arrowhead 2 column">
     <p:spTree>
       <p:nvGrpSpPr>
@@ -644,7 +650,81 @@
       </p:grpSpPr>
       <p:sp>
         <p:nvSpPr>
-          <p:cNvPr id="22" name="Title Text"/>
+          <p:cNvPr id="22" name="www.arrowhead.eu"/>
+          <p:cNvSpPr txBox="1"/>
+          <p:nvPr/>
+        </p:nvSpPr>
+        <p:spPr>
+          <a:xfrm>
+            <a:off x="374547" y="5168258"/>
+            <a:ext cx="3966631" cy="196013"/>
+          </a:xfrm>
+          <a:prstGeom prst="rect">
+            <a:avLst/>
+          </a:prstGeom>
+          <a:ln w="12700">
+            <a:miter lim="400000"/>
+          </a:ln>
+          <a:extLst>
+            <a:ext uri="{C572A759-6A51-4108-AA02-DFA0A04FC94B}">
+              <ma14:wrappingTextBoxFlag xmlns:ma14="http://schemas.microsoft.com/office/mac/drawingml/2011/main" val="1"/>
+            </a:ext>
+          </a:extLst>
+        </p:spPr>
+        <p:txBody>
+          <a:bodyPr lIns="45718" tIns="45718" rIns="45718" bIns="45718">
+            <a:spAutoFit/>
+          </a:bodyPr>
+          <a:lstStyle>
+            <a:lvl1pPr>
+              <a:defRPr sz="800">
+                <a:latin typeface="Calibri"/>
+                <a:ea typeface="Calibri"/>
+                <a:cs typeface="Calibri"/>
+                <a:sym typeface="Calibri"/>
+              </a:defRPr>
+            </a:lvl1pPr>
+          </a:lstStyle>
+          <a:p>
+            <a:pPr/>
+            <a:r>
+              <a:t>www.arrowhead.eu</a:t>
+            </a:r>
+          </a:p>
+        </p:txBody>
+      </p:sp>
+      <p:pic>
+        <p:nvPicPr>
+          <p:cNvPr id="23" name="Bildobjekt 6" descr="Bildobjekt 6"/>
+          <p:cNvPicPr>
+            <a:picLocks noChangeAspect="1"/>
+          </p:cNvPicPr>
+          <p:nvPr/>
+        </p:nvPicPr>
+        <p:blipFill>
+          <a:blip r:embed="rId2">
+            <a:extLst/>
+          </a:blip>
+          <a:stretch>
+            <a:fillRect/>
+          </a:stretch>
+        </p:blipFill>
+        <p:spPr>
+          <a:xfrm>
+            <a:off x="7825740" y="4516958"/>
+            <a:ext cx="1005842" cy="987494"/>
+          </a:xfrm>
+          <a:prstGeom prst="rect">
+            <a:avLst/>
+          </a:prstGeom>
+          <a:ln w="12700">
+            <a:miter lim="400000"/>
+          </a:ln>
+        </p:spPr>
+      </p:pic>
+      <p:sp>
+        <p:nvSpPr>
+          <p:cNvPr id="24" name="Title Text"/>
           <p:cNvSpPr txBox="1"/>
           <p:nvPr>
             <p:ph type="title"/>
@@ -668,7 +748,7 @@
       </p:sp>
       <p:sp>
         <p:nvSpPr>
-          <p:cNvPr id="23" name="Body Level One…"/>
+          <p:cNvPr id="25" name="Body Level One…"/>
           <p:cNvSpPr txBox="1"/>
           <p:nvPr>
             <p:ph type="body" sz="half" idx="1"/>
@@ -720,7 +800,7 @@
       </p:sp>
       <p:sp>
         <p:nvSpPr>
-          <p:cNvPr id="24" name="Slide Number"/>
+          <p:cNvPr id="26" name="Slide Number"/>
           <p:cNvSpPr txBox="1"/>
           <p:nvPr>
             <p:ph type="sldNum" sz="quarter" idx="2"/>
@@ -775,7 +855,7 @@
       </p:grpSpPr>
       <p:pic>
         <p:nvPicPr>
-          <p:cNvPr id="31" name="Bildobjekt 2" descr="Bildobjekt 2"/>
+          <p:cNvPr id="33" name="Bildobjekt 2" descr="Bildobjekt 2"/>
           <p:cNvPicPr>
             <a:picLocks noChangeAspect="1"/>
           </p:cNvPicPr>
@@ -791,8 +871,8 @@
         </p:blipFill>
         <p:spPr>
           <a:xfrm>
-            <a:off x="-397" y="-7870"/>
-            <a:ext cx="9144793" cy="5730739"/>
+            <a:off x="-397" y="-7871"/>
+            <a:ext cx="9144793" cy="5730740"/>
           </a:xfrm>
           <a:prstGeom prst="rect">
             <a:avLst/>
@@ -804,14 +884,14 @@
       </p:pic>
       <p:sp>
         <p:nvSpPr>
-          <p:cNvPr id="32" name="www.arrowhead.eu"/>
+          <p:cNvPr id="34" name="www.arrowhead.eu"/>
           <p:cNvSpPr txBox="1"/>
           <p:nvPr/>
         </p:nvSpPr>
         <p:spPr>
           <a:xfrm>
             <a:off x="374547" y="5168258"/>
-            <a:ext cx="3966630" cy="196015"/>
+            <a:ext cx="3966631" cy="196013"/>
           </a:xfrm>
           <a:prstGeom prst="rect">
             <a:avLst/>
@@ -852,7 +932,7 @@
       </p:sp>
       <p:sp>
         <p:nvSpPr>
-          <p:cNvPr id="33" name="Title Text"/>
+          <p:cNvPr id="35" name="Title Text"/>
           <p:cNvSpPr txBox="1"/>
           <p:nvPr>
             <p:ph type="title"/>
@@ -861,7 +941,7 @@
         <p:spPr>
           <a:xfrm>
             <a:off x="799889" y="916071"/>
-            <a:ext cx="7444937" cy="586587"/>
+            <a:ext cx="7444938" cy="586588"/>
           </a:xfrm>
           <a:prstGeom prst="rect">
             <a:avLst/>
@@ -888,7 +968,7 @@
       </p:sp>
       <p:sp>
         <p:nvSpPr>
-          <p:cNvPr id="34" name="Body Level One…"/>
+          <p:cNvPr id="36" name="Body Level One…"/>
           <p:cNvSpPr txBox="1"/>
           <p:nvPr>
             <p:ph type="body" idx="1"/>
@@ -897,7 +977,7 @@
         <p:spPr>
           <a:xfrm>
             <a:off x="799889" y="1502657"/>
-            <a:ext cx="7444937" cy="4212343"/>
+            <a:ext cx="7444938" cy="4212343"/>
           </a:xfrm>
           <a:prstGeom prst="rect">
             <a:avLst/>
@@ -976,7 +1056,7 @@
       </p:sp>
       <p:sp>
         <p:nvSpPr>
-          <p:cNvPr id="35" name="Slide Number"/>
+          <p:cNvPr id="37" name="Slide Number"/>
           <p:cNvSpPr txBox="1"/>
           <p:nvPr>
             <p:ph type="sldNum" sz="quarter" idx="2"/>
@@ -1039,7 +1119,7 @@
       </p:grpSpPr>
       <p:pic>
         <p:nvPicPr>
-          <p:cNvPr id="42" name="Bildobjekt 6" descr="Bildobjekt 6"/>
+          <p:cNvPr id="44" name="Bildobjekt 6" descr="Bildobjekt 6"/>
           <p:cNvPicPr>
             <a:picLocks noChangeAspect="1"/>
           </p:cNvPicPr>
@@ -1055,8 +1135,8 @@
         </p:blipFill>
         <p:spPr>
           <a:xfrm>
-            <a:off x="-397" y="-7870"/>
-            <a:ext cx="9144793" cy="5730739"/>
+            <a:off x="-397" y="-7871"/>
+            <a:ext cx="9144793" cy="5730740"/>
           </a:xfrm>
           <a:prstGeom prst="rect">
             <a:avLst/>
@@ -1068,14 +1148,14 @@
       </p:pic>
       <p:sp>
         <p:nvSpPr>
-          <p:cNvPr id="43" name="www.arrowhead.eu"/>
+          <p:cNvPr id="45" name="www.arrowhead.eu"/>
           <p:cNvSpPr txBox="1"/>
           <p:nvPr/>
         </p:nvSpPr>
         <p:spPr>
           <a:xfrm>
             <a:off x="374547" y="5168258"/>
-            <a:ext cx="3966630" cy="196015"/>
+            <a:ext cx="3966631" cy="196013"/>
           </a:xfrm>
           <a:prstGeom prst="rect">
             <a:avLst/>
@@ -1116,7 +1196,7 @@
       </p:sp>
       <p:sp>
         <p:nvSpPr>
-          <p:cNvPr id="44" name="Title Text"/>
+          <p:cNvPr id="46" name="Title Text"/>
           <p:cNvSpPr txBox="1"/>
           <p:nvPr>
             <p:ph type="title"/>
@@ -1125,7 +1205,7 @@
         <p:spPr>
           <a:xfrm>
             <a:off x="799889" y="916071"/>
-            <a:ext cx="7444937" cy="586587"/>
+            <a:ext cx="7444938" cy="586588"/>
           </a:xfrm>
           <a:prstGeom prst="rect">
             <a:avLst/>
@@ -1152,7 +1232,7 @@
       </p:sp>
       <p:sp>
         <p:nvSpPr>
-          <p:cNvPr id="45" name="Body Level One…"/>
+          <p:cNvPr id="47" name="Body Level One…"/>
           <p:cNvSpPr txBox="1"/>
           <p:nvPr>
             <p:ph type="body" sz="half" idx="1"/>
@@ -1240,7 +1320,7 @@
       </p:sp>
       <p:sp>
         <p:nvSpPr>
-          <p:cNvPr id="46" name="Slide Number"/>
+          <p:cNvPr id="48" name="Slide Number"/>
           <p:cNvSpPr txBox="1"/>
           <p:nvPr>
             <p:ph type="sldNum" sz="quarter" idx="2"/>
@@ -1296,7 +1376,7 @@
       </p:grpSpPr>
       <p:pic>
         <p:nvPicPr>
-          <p:cNvPr id="53" name="Bildobjekt 2" descr="Bildobjekt 2"/>
+          <p:cNvPr id="55" name="Bildobjekt 2" descr="Bildobjekt 2"/>
           <p:cNvPicPr>
             <a:picLocks noChangeAspect="1"/>
           </p:cNvPicPr>
@@ -1312,8 +1392,8 @@
         </p:blipFill>
         <p:spPr>
           <a:xfrm>
-            <a:off x="-6494" y="-10918"/>
-            <a:ext cx="9156988" cy="5736835"/>
+            <a:off x="-6495" y="-10919"/>
+            <a:ext cx="9156990" cy="5736837"/>
           </a:xfrm>
           <a:prstGeom prst="rect">
             <a:avLst/>
@@ -1325,14 +1405,14 @@
       </p:pic>
       <p:sp>
         <p:nvSpPr>
-          <p:cNvPr id="54" name="www.arrowhead.eu"/>
+          <p:cNvPr id="56" name="www.arrowhead.eu"/>
           <p:cNvSpPr txBox="1"/>
           <p:nvPr/>
         </p:nvSpPr>
         <p:spPr>
           <a:xfrm>
             <a:off x="374547" y="5168258"/>
-            <a:ext cx="3966630" cy="196015"/>
+            <a:ext cx="3966631" cy="196013"/>
           </a:xfrm>
           <a:prstGeom prst="rect">
             <a:avLst/>
@@ -1370,7 +1450,7 @@
       </p:sp>
       <p:sp>
         <p:nvSpPr>
-          <p:cNvPr id="55" name="Title Text"/>
+          <p:cNvPr id="57" name="Title Text"/>
           <p:cNvSpPr txBox="1"/>
           <p:nvPr>
             <p:ph type="title"/>
@@ -1379,7 +1459,7 @@
         <p:spPr>
           <a:xfrm>
             <a:off x="799889" y="916071"/>
-            <a:ext cx="7444937" cy="586587"/>
+            <a:ext cx="7444938" cy="586588"/>
           </a:xfrm>
           <a:prstGeom prst="rect">
             <a:avLst/>
@@ -1398,7 +1478,7 @@
       </p:sp>
       <p:sp>
         <p:nvSpPr>
-          <p:cNvPr id="56" name="Body Level One…"/>
+          <p:cNvPr id="58" name="Body Level One…"/>
           <p:cNvSpPr txBox="1"/>
           <p:nvPr>
             <p:ph type="body" sz="half" idx="1"/>
@@ -1450,7 +1530,7 @@
       </p:sp>
       <p:sp>
         <p:nvSpPr>
-          <p:cNvPr id="57" name="Slide Number"/>
+          <p:cNvPr id="59" name="Slide Number"/>
           <p:cNvSpPr txBox="1"/>
           <p:nvPr>
             <p:ph type="sldNum" sz="quarter" idx="2"/>
@@ -1498,7 +1578,7 @@
       </p:grpSpPr>
       <p:pic>
         <p:nvPicPr>
-          <p:cNvPr id="64" name="Bildobjekt 1" descr="Bildobjekt 1"/>
+          <p:cNvPr id="66" name="Bildobjekt 1" descr="Bildobjekt 1"/>
           <p:cNvPicPr>
             <a:picLocks noChangeAspect="1"/>
           </p:cNvPicPr>
@@ -1514,8 +1594,8 @@
         </p:blipFill>
         <p:spPr>
           <a:xfrm>
-            <a:off x="-6494" y="-10918"/>
-            <a:ext cx="9156988" cy="5736835"/>
+            <a:off x="-6495" y="-10919"/>
+            <a:ext cx="9156990" cy="5736837"/>
           </a:xfrm>
           <a:prstGeom prst="rect">
             <a:avLst/>
@@ -1527,7 +1607,7 @@
       </p:pic>
       <p:sp>
         <p:nvSpPr>
-          <p:cNvPr id="65" name="Title Text"/>
+          <p:cNvPr id="67" name="Title Text"/>
           <p:cNvSpPr txBox="1"/>
           <p:nvPr>
             <p:ph type="title"/>
@@ -1536,14 +1616,14 @@
         <p:spPr>
           <a:xfrm>
             <a:off x="799889" y="916071"/>
-            <a:ext cx="7444938" cy="586588"/>
+            <a:ext cx="7444938" cy="586589"/>
           </a:xfrm>
           <a:prstGeom prst="rect">
             <a:avLst/>
           </a:prstGeom>
         </p:spPr>
         <p:txBody>
-          <a:bodyPr lIns="45718" tIns="45718" rIns="45718" bIns="45718"/>
+          <a:bodyPr/>
           <a:lstStyle/>
           <a:p>
             <a:pPr/>
@@ -1555,7 +1635,7 @@
       </p:sp>
       <p:sp>
         <p:nvSpPr>
-          <p:cNvPr id="66" name="Body Level One…"/>
+          <p:cNvPr id="68" name="Body Level One…"/>
           <p:cNvSpPr txBox="1"/>
           <p:nvPr>
             <p:ph type="body" idx="1"/>
@@ -1571,7 +1651,7 @@
           </a:prstGeom>
         </p:spPr>
         <p:txBody>
-          <a:bodyPr lIns="45718" tIns="45718" rIns="45718" bIns="45718"/>
+          <a:bodyPr/>
           <a:lstStyle>
             <a:lvl1pPr marL="1587" indent="-1587"/>
             <a:lvl4pPr marL="1698169" indent="-326569"/>
@@ -1610,7 +1690,7 @@
       </p:sp>
       <p:sp>
         <p:nvSpPr>
-          <p:cNvPr id="67" name="Slide Number"/>
+          <p:cNvPr id="69" name="Slide Number"/>
           <p:cNvSpPr txBox="1"/>
           <p:nvPr>
             <p:ph type="sldNum" sz="quarter" idx="2"/>
@@ -1618,7 +1698,7 @@
         </p:nvSpPr>
         <p:spPr>
           <a:xfrm>
-            <a:off x="8708976" y="197587"/>
+            <a:off x="8708977" y="197587"/>
             <a:ext cx="232873" cy="228507"/>
           </a:xfrm>
           <a:prstGeom prst="rect">
@@ -1626,7 +1706,7 @@
           </a:prstGeom>
         </p:spPr>
         <p:txBody>
-          <a:bodyPr lIns="45718" tIns="45718" rIns="45718" bIns="45718"/>
+          <a:bodyPr/>
           <a:lstStyle/>
           <a:p>
             <a:pPr/>
@@ -1669,7 +1749,7 @@
       </p:grpSpPr>
       <p:sp>
         <p:nvSpPr>
-          <p:cNvPr id="74" name="Title Text"/>
+          <p:cNvPr id="76" name="Title Text"/>
           <p:cNvSpPr txBox="1"/>
           <p:nvPr>
             <p:ph type="title"/>
@@ -1678,7 +1758,7 @@
         <p:spPr>
           <a:xfrm>
             <a:off x="1333500" y="1775354"/>
-            <a:ext cx="6477000" cy="1225023"/>
+            <a:ext cx="6477000" cy="1225024"/>
           </a:xfrm>
           <a:prstGeom prst="rect">
             <a:avLst/>
@@ -1705,7 +1785,7 @@
       </p:sp>
       <p:sp>
         <p:nvSpPr>
-          <p:cNvPr id="75" name="Body Level One…"/>
+          <p:cNvPr id="77" name="Body Level One…"/>
           <p:cNvSpPr txBox="1"/>
           <p:nvPr>
             <p:ph type="body" sz="quarter" idx="1"/>
@@ -1816,7 +1896,7 @@
       </p:sp>
       <p:pic>
         <p:nvPicPr>
-          <p:cNvPr id="76" name="Bildobjekt 2" descr="Bildobjekt 2"/>
+          <p:cNvPr id="78" name="Bildobjekt 2" descr="Bildobjekt 2"/>
           <p:cNvPicPr>
             <a:picLocks noChangeAspect="1"/>
           </p:cNvPicPr>
@@ -1833,7 +1913,7 @@
         <p:spPr>
           <a:xfrm>
             <a:off x="7826399" y="4517999"/>
-            <a:ext cx="1004728" cy="986401"/>
+            <a:ext cx="1004729" cy="986402"/>
           </a:xfrm>
           <a:prstGeom prst="rect">
             <a:avLst/>
@@ -1845,7 +1925,7 @@
       </p:pic>
       <p:sp>
         <p:nvSpPr>
-          <p:cNvPr id="77" name="Slide Number"/>
+          <p:cNvPr id="79" name="Slide Number"/>
           <p:cNvSpPr txBox="1"/>
           <p:nvPr>
             <p:ph type="sldNum" sz="quarter" idx="2"/>
@@ -1899,7 +1979,7 @@
       </p:grpSpPr>
       <p:sp>
         <p:nvSpPr>
-          <p:cNvPr id="84" name="Title Text"/>
+          <p:cNvPr id="86" name="Title Text"/>
           <p:cNvSpPr txBox="1"/>
           <p:nvPr>
             <p:ph type="title"/>
@@ -1908,7 +1988,7 @@
         <p:spPr>
           <a:xfrm>
             <a:off x="1333500" y="1775354"/>
-            <a:ext cx="6477000" cy="1225023"/>
+            <a:ext cx="6477000" cy="1225024"/>
           </a:xfrm>
           <a:prstGeom prst="rect">
             <a:avLst/>
@@ -1929,7 +2009,7 @@
       </p:sp>
       <p:sp>
         <p:nvSpPr>
-          <p:cNvPr id="85" name="Body Level One…"/>
+          <p:cNvPr id="87" name="Body Level One…"/>
           <p:cNvSpPr txBox="1"/>
           <p:nvPr>
             <p:ph type="body" sz="quarter" idx="1"/>
@@ -2040,7 +2120,7 @@
       </p:sp>
       <p:pic>
         <p:nvPicPr>
-          <p:cNvPr id="86" name="Bildobjekt 4" descr="Bildobjekt 4"/>
+          <p:cNvPr id="88" name="Bildobjekt 4" descr="Bildobjekt 4"/>
           <p:cNvPicPr>
             <a:picLocks noChangeAspect="1"/>
           </p:cNvPicPr>
@@ -2057,7 +2137,7 @@
         <p:spPr>
           <a:xfrm>
             <a:off x="7825740" y="4516958"/>
-            <a:ext cx="1005841" cy="987494"/>
+            <a:ext cx="1005842" cy="987494"/>
           </a:xfrm>
           <a:prstGeom prst="rect">
             <a:avLst/>
@@ -2069,7 +2149,7 @@
       </p:pic>
       <p:sp>
         <p:nvSpPr>
-          <p:cNvPr id="87" name="Slide Number"/>
+          <p:cNvPr id="89" name="Slide Number"/>
           <p:cNvSpPr txBox="1"/>
           <p:nvPr>
             <p:ph type="sldNum" sz="quarter" idx="2"/>
@@ -2137,7 +2217,7 @@
         <p:spPr>
           <a:xfrm>
             <a:off x="374547" y="5168258"/>
-            <a:ext cx="3966630" cy="196015"/>
+            <a:ext cx="3966631" cy="196013"/>
           </a:xfrm>
           <a:prstGeom prst="rect">
             <a:avLst/>
@@ -2192,7 +2272,7 @@
         <p:spPr>
           <a:xfrm>
             <a:off x="7825740" y="4516958"/>
-            <a:ext cx="1005841" cy="987494"/>
+            <a:ext cx="1005842" cy="987494"/>
           </a:xfrm>
           <a:prstGeom prst="rect">
             <a:avLst/>
@@ -2213,7 +2293,7 @@
         <p:spPr>
           <a:xfrm>
             <a:off x="799889" y="598565"/>
-            <a:ext cx="7444937" cy="586588"/>
+            <a:ext cx="7444938" cy="586588"/>
           </a:xfrm>
           <a:prstGeom prst="rect">
             <a:avLst/>
@@ -2251,7 +2331,7 @@
         <p:spPr>
           <a:xfrm>
             <a:off x="799889" y="1185151"/>
-            <a:ext cx="7444937" cy="4529850"/>
+            <a:ext cx="7444938" cy="4529850"/>
           </a:xfrm>
           <a:prstGeom prst="rect">
             <a:avLst/>
@@ -2312,8 +2392,8 @@
         </p:nvSpPr>
         <p:spPr>
           <a:xfrm>
-            <a:off x="8708974" y="197586"/>
-            <a:ext cx="232875" cy="228509"/>
+            <a:off x="8708976" y="197587"/>
+            <a:ext cx="232873" cy="228507"/>
           </a:xfrm>
           <a:prstGeom prst="rect">
             <a:avLst/>
@@ -2675,7 +2755,7 @@
           <a:sym typeface="Calibri"/>
         </a:defRPr>
       </a:lvl3pPr>
-      <a:lvl4pPr marL="1698170" marR="0" indent="-326570" algn="l" defTabSz="457200" rtl="0" latinLnBrk="0">
+      <a:lvl4pPr marL="1698169" marR="0" indent="-326569" algn="l" defTabSz="457200" rtl="0" latinLnBrk="0">
         <a:lnSpc>
           <a:spcPct val="100000"/>
         </a:lnSpc>
@@ -3091,7 +3171,7 @@
       </p:grpSpPr>
       <p:sp>
         <p:nvSpPr>
-          <p:cNvPr id="96" name="Eclipse Arrowhead roadmap v5.0"/>
+          <p:cNvPr id="98" name="Eclipse Arrowhead roadmap v5.0"/>
           <p:cNvSpPr txBox="1"/>
           <p:nvPr>
             <p:ph type="title"/>
@@ -3116,7 +3196,7 @@
       </p:sp>
       <p:sp>
         <p:nvSpPr>
-          <p:cNvPr id="97" name="Development decision procedure etc."/>
+          <p:cNvPr id="99" name="Development decision procedure etc."/>
           <p:cNvSpPr txBox="1"/>
           <p:nvPr>
             <p:ph type="body" sz="quarter" idx="1"/>
@@ -3166,7 +3246,7 @@
       </p:grpSpPr>
       <p:sp>
         <p:nvSpPr>
-          <p:cNvPr id="123" name="Documentation availability"/>
+          <p:cNvPr id="125" name="Eclipse Arrowhead communication strategy- Mats/Jerker"/>
           <p:cNvSpPr txBox="1"/>
           <p:nvPr>
             <p:ph type="title"/>
@@ -3181,16 +3261,26 @@
           <a:bodyPr/>
           <a:lstStyle/>
           <a:p>
-            <a:pPr/>
-            <a:r>
-              <a:t>Documentation availability</a:t>
+            <a:pPr defTabSz="320039">
+              <a:defRPr sz="2520"/>
+            </a:pPr>
+            <a:r>
+              <a:t>Eclipse Arrowhead communication strategy- </a:t>
+            </a:r>
+            <a:r>
+              <a:rPr>
+                <a:solidFill>
+                  <a:srgbClr val="FF2600"/>
+                </a:solidFill>
+              </a:rPr>
+              <a:t>Mats/Jerker</a:t>
             </a:r>
           </a:p>
         </p:txBody>
       </p:sp>
       <p:sp>
         <p:nvSpPr>
-          <p:cNvPr id="124" name="github.com…"/>
+          <p:cNvPr id="126" name="Target groups…"/>
           <p:cNvSpPr txBox="1"/>
           <p:nvPr>
             <p:ph type="body" idx="1"/>
@@ -3205,84 +3295,82 @@
           <a:bodyPr/>
           <a:lstStyle/>
           <a:p>
-            <a:pPr/>
-            <a:r>
-              <a:rPr u="sng">
+            <a:pPr marL="267368" indent="-267368">
+              <a:buSzPct val="100000"/>
+              <a:buAutoNum type="arabicPeriod" startAt="1"/>
+            </a:pPr>
+            <a:r>
+              <a:t>Target groups</a:t>
+            </a:r>
+          </a:p>
+          <a:p>
+            <a:pPr lvl="1" marL="775368" indent="-267368">
+              <a:buAutoNum type="arabicPeriod" startAt="1"/>
+            </a:pPr>
+            <a:r>
+              <a:t>Developers</a:t>
+            </a:r>
+          </a:p>
+          <a:p>
+            <a:pPr lvl="1" marL="775368" indent="-267368">
+              <a:buAutoNum type="arabicPeriod" startAt="1"/>
+            </a:pPr>
+            <a:r>
+              <a:t>Automation departments</a:t>
+            </a:r>
+          </a:p>
+          <a:p>
+            <a:pPr lvl="1" marL="775368" indent="-267368">
+              <a:buAutoNum type="arabicPeriod" startAt="1"/>
+            </a:pPr>
+            <a:r>
+              <a:t>IT departments</a:t>
+            </a:r>
+          </a:p>
+          <a:p>
+            <a:pPr lvl="1" marL="775368" indent="-267368">
+              <a:buAutoNum type="arabicPeriod" startAt="1"/>
+            </a:pPr>
+            <a:r>
+              <a:t>Managers - operational and strategy level</a:t>
+            </a:r>
+          </a:p>
+          <a:p>
+            <a:pPr lvl="1" marL="775368" indent="-267368">
+              <a:buAutoNum type="arabicPeriod" startAt="1"/>
+            </a:pPr>
+            <a:r>
+              <a:t>Politicians</a:t>
+            </a:r>
+          </a:p>
+          <a:p>
+            <a:pPr lvl="1" marL="775368" indent="-267368">
+              <a:buAutoNum type="arabicPeriod" startAt="1"/>
+            </a:pPr>
+            <a:r>
+              <a:t>General public</a:t>
+            </a:r>
+          </a:p>
+          <a:p>
+            <a:pPr lvl="1" marL="775368" indent="-267368">
+              <a:buAutoNum type="arabicPeriod" startAt="1"/>
+            </a:pPr>
+          </a:p>
+          <a:p>
+            <a:pPr marL="267368" indent="-267368">
+              <a:buSzPct val="100000"/>
+              <a:buAutoNum type="arabicPeriod" startAt="1"/>
+            </a:pPr>
+            <a:r>
+              <a:t>How to push news to other communities, e.g. INCOSE, OMG, …. - </a:t>
+            </a:r>
+            <a:r>
+              <a:rPr>
                 <a:solidFill>
-                  <a:srgbClr val="0000FF"/>
+                  <a:srgbClr val="FF2600"/>
                 </a:solidFill>
-                <a:uFill>
-                  <a:solidFill>
-                    <a:srgbClr val="0000FF"/>
-                  </a:solidFill>
-                </a:uFill>
-                <a:hlinkClick r:id="rId2" invalidUrl="" action="" tgtFrame="" tooltip="" history="1" highlightClick="0" endSnd="0"/>
               </a:rPr>
-              <a:t>github.com</a:t>
-            </a:r>
-          </a:p>
-          <a:p>
-            <a:pPr/>
-            <a:r>
-              <a:t>and/or</a:t>
-            </a:r>
-          </a:p>
-          <a:p>
-            <a:pPr/>
-            <a:r>
-              <a:rPr u="sng">
-                <a:solidFill>
-                  <a:srgbClr val="0000FF"/>
-                </a:solidFill>
-                <a:uFill>
-                  <a:solidFill>
-                    <a:srgbClr val="0000FF"/>
-                  </a:solidFill>
-                </a:uFill>
-                <a:hlinkClick r:id="rId3" invalidUrl="" action="" tgtFrame="" tooltip="" history="1" highlightClick="0" endSnd="0"/>
-              </a:rPr>
-              <a:t>eclipse.org</a:t>
-            </a:r>
-          </a:p>
-          <a:p>
-            <a:pPr/>
-          </a:p>
-          <a:p>
-            <a:pPr/>
-            <a:r>
-              <a:t>Link from </a:t>
-            </a:r>
-            <a:r>
-              <a:rPr u="sng">
-                <a:solidFill>
-                  <a:srgbClr val="0000FF"/>
-                </a:solidFill>
-                <a:uFill>
-                  <a:solidFill>
-                    <a:srgbClr val="0000FF"/>
-                  </a:solidFill>
-                </a:uFill>
-                <a:hlinkClick r:id="rId4" invalidUrl="" action="" tgtFrame="" tooltip="" history="1" highlightClick="0" endSnd="0"/>
-              </a:rPr>
-              <a:t>www.arrowhead.eu/eclipse_arrowhead</a:t>
-            </a:r>
-          </a:p>
-          <a:p>
-            <a:pPr/>
-          </a:p>
-          <a:p>
-            <a:pPr/>
-            <a:r>
-              <a:t>Format</a:t>
-            </a:r>
-          </a:p>
-          <a:p>
-            <a:pPr lvl="1" marL="268288" indent="188911">
-              <a:buSzTx/>
-              <a:buNone/>
-            </a:pPr>
-            <a:r>
-              <a:t>Based on GitHub, issues with notes on planed release with attached discussion, project or action. </a:t>
+              <a:t>Jose</a:t>
             </a:r>
           </a:p>
         </p:txBody>
@@ -3315,7 +3403,7 @@
       </p:grpSpPr>
       <p:sp>
         <p:nvSpPr>
-          <p:cNvPr id="126" name="Documentation templates"/>
+          <p:cNvPr id="128" name="Developers"/>
           <p:cNvSpPr txBox="1"/>
           <p:nvPr>
             <p:ph type="title"/>
@@ -3323,8 +3411,8 @@
         </p:nvSpPr>
         <p:spPr>
           <a:xfrm>
-            <a:off x="799889" y="157718"/>
-            <a:ext cx="7444937" cy="586588"/>
+            <a:off x="799889" y="182946"/>
+            <a:ext cx="7444938" cy="586589"/>
           </a:xfrm>
           <a:prstGeom prst="rect">
             <a:avLst/>
@@ -3336,14 +3424,14 @@
           <a:p>
             <a:pPr/>
             <a:r>
-              <a:t>Documentation templates</a:t>
+              <a:t>Developers</a:t>
             </a:r>
           </a:p>
         </p:txBody>
       </p:sp>
       <p:sp>
         <p:nvSpPr>
-          <p:cNvPr id="127" name="Available at…"/>
+          <p:cNvPr id="129" name="Targeting developers of…"/>
           <p:cNvSpPr txBox="1"/>
           <p:nvPr>
             <p:ph type="body" idx="1"/>
@@ -3351,8 +3439,8 @@
         </p:nvSpPr>
         <p:spPr>
           <a:xfrm>
-            <a:off x="799889" y="749637"/>
-            <a:ext cx="7444937" cy="4413290"/>
+            <a:off x="799889" y="803291"/>
+            <a:ext cx="7444938" cy="4639973"/>
           </a:xfrm>
           <a:prstGeom prst="rect">
             <a:avLst/>
@@ -3362,25 +3450,52 @@
           <a:bodyPr/>
           <a:lstStyle/>
           <a:p>
-            <a:pPr marL="238776" indent="-238776" defTabSz="406908">
-              <a:spcBef>
-                <a:spcPts val="300"/>
-              </a:spcBef>
-              <a:defRPr sz="1779"/>
-            </a:pPr>
-            <a:r>
-              <a:t>Available at</a:t>
-            </a:r>
-          </a:p>
-          <a:p>
-            <a:pPr lvl="1" marL="238776" indent="168131" defTabSz="406908">
-              <a:spcBef>
-                <a:spcPts val="300"/>
-              </a:spcBef>
-              <a:buSzTx/>
-              <a:buNone/>
-              <a:defRPr sz="1779"/>
-            </a:pPr>
+            <a:pPr marL="150241" indent="-150241" defTabSz="256031">
+              <a:spcBef>
+                <a:spcPts val="200"/>
+              </a:spcBef>
+              <a:defRPr sz="1120"/>
+            </a:pPr>
+            <a:r>
+              <a:t>Targeting developers of </a:t>
+            </a:r>
+          </a:p>
+          <a:p>
+            <a:pPr lvl="1" marL="150241" indent="0" defTabSz="256031">
+              <a:spcBef>
+                <a:spcPts val="200"/>
+              </a:spcBef>
+              <a:buSzTx/>
+              <a:buNone/>
+              <a:defRPr sz="1120"/>
+            </a:pPr>
+            <a:r>
+              <a:t>core systems </a:t>
+            </a:r>
+          </a:p>
+          <a:p>
+            <a:pPr lvl="1" marL="150241" indent="0" defTabSz="256031">
+              <a:spcBef>
+                <a:spcPts val="200"/>
+              </a:spcBef>
+              <a:buSzTx/>
+              <a:buNone/>
+              <a:defRPr sz="1120"/>
+            </a:pPr>
+            <a:r>
+              <a:t>application systems</a:t>
+            </a:r>
+          </a:p>
+          <a:p>
+            <a:pPr marL="150241" indent="-150241" defTabSz="256031">
+              <a:spcBef>
+                <a:spcPts val="200"/>
+              </a:spcBef>
+              <a:defRPr sz="1120"/>
+            </a:pPr>
+            <a:r>
+              <a:t>Primary location </a:t>
+            </a:r>
             <a:r>
               <a:rPr u="sng">
                 <a:solidFill>
@@ -3393,242 +3508,247 @@
                 </a:uFill>
                 <a:hlinkClick r:id="rId2" invalidUrl="" action="" tgtFrame="" tooltip="" history="1" highlightClick="0" endSnd="0"/>
               </a:rPr>
-              <a:t>www.github.com/eclipse-arrowhead/documentation</a:t>
-            </a:r>
-          </a:p>
-          <a:p>
-            <a:pPr marL="238776" indent="-238776" defTabSz="406908">
-              <a:spcBef>
-                <a:spcPts val="300"/>
-              </a:spcBef>
-              <a:defRPr sz="1779"/>
-            </a:pPr>
-            <a:r>
-              <a:t>Linked from </a:t>
-            </a:r>
-          </a:p>
-          <a:p>
-            <a:pPr lvl="1" marL="238776" indent="168131" defTabSz="406908">
-              <a:spcBef>
-                <a:spcPts val="300"/>
-              </a:spcBef>
-              <a:buSzTx/>
-              <a:buNone/>
-              <a:defRPr sz="1779"/>
-            </a:pPr>
-            <a:r>
-              <a:rPr u="sng">
+              <a:t>www.github.com/eclipse-arrowhead/</a:t>
+            </a:r>
+          </a:p>
+          <a:p>
+            <a:pPr lvl="1" marL="150241" indent="0" defTabSz="256031">
+              <a:spcBef>
+                <a:spcPts val="200"/>
+              </a:spcBef>
+              <a:buSzTx/>
+              <a:buNone/>
+              <a:defRPr sz="1120"/>
+            </a:pPr>
+            <a:r>
+              <a:t>For core system implementations e.g. java, c++</a:t>
+            </a:r>
+          </a:p>
+          <a:p>
+            <a:pPr lvl="1" marL="150241" indent="0" defTabSz="256031">
+              <a:spcBef>
+                <a:spcPts val="200"/>
+              </a:spcBef>
+              <a:buSzTx/>
+              <a:buNone/>
+              <a:defRPr sz="1120"/>
+            </a:pPr>
+          </a:p>
+          <a:p>
+            <a:pPr lvl="1" marL="150241" indent="0" defTabSz="256031">
+              <a:spcBef>
+                <a:spcPts val="200"/>
+              </a:spcBef>
+              <a:buSzTx/>
+              <a:buNone/>
+              <a:defRPr sz="1120"/>
+            </a:pPr>
+            <a:r>
+              <a:t>Core system documentation in each core system directory - </a:t>
+            </a:r>
+            <a:r>
+              <a:rPr>
                 <a:solidFill>
-                  <a:srgbClr val="0000FF"/>
+                  <a:srgbClr val="FF2600"/>
                 </a:solidFill>
-                <a:uFill>
-                  <a:solidFill>
-                    <a:srgbClr val="0000FF"/>
-                  </a:solidFill>
-                </a:uFill>
-                <a:hlinkClick r:id="rId3" invalidUrl="" action="" tgtFrame="" tooltip="" history="1" highlightClick="0" endSnd="0"/>
               </a:rPr>
-              <a:t>www.arrowhead.eu/eclipsearrowhead</a:t>
-            </a:r>
-          </a:p>
-          <a:p>
-            <a:pPr lvl="1" marL="238776" indent="168131" defTabSz="406908">
-              <a:spcBef>
-                <a:spcPts val="300"/>
-              </a:spcBef>
-              <a:buSzTx/>
-              <a:buNone/>
-              <a:defRPr sz="1779"/>
-            </a:pPr>
-            <a:r>
-              <a:rPr u="sng">
-                <a:solidFill>
-                  <a:srgbClr val="0000FF"/>
-                </a:solidFill>
-                <a:uFill>
-                  <a:solidFill>
-                    <a:srgbClr val="0000FF"/>
-                  </a:solidFill>
-                </a:uFill>
-                <a:hlinkClick r:id="rId4" invalidUrl="" action="" tgtFrame="" tooltip="" history="1" highlightClick="0" endSnd="0"/>
-              </a:rPr>
-              <a:t>www.eclipse.org/arrowhead</a:t>
-            </a:r>
-          </a:p>
-          <a:p>
-            <a:pPr marL="169544" indent="-169544" defTabSz="406908">
-              <a:spcBef>
-                <a:spcPts val="500"/>
-              </a:spcBef>
-              <a:buSzPct val="100000"/>
-              <a:buFont typeface="Arial"/>
-              <a:buChar char="•"/>
-              <a:defRPr sz="1779">
-                <a:solidFill>
-                  <a:srgbClr val="162852"/>
-                </a:solidFill>
-                <a:latin typeface="Arial"/>
-                <a:ea typeface="Arial"/>
-                <a:cs typeface="Arial"/>
-                <a:sym typeface="Arial"/>
-              </a:defRPr>
-            </a:pPr>
-            <a:r>
-              <a:t>SoSD Eclipse Arrowhead.docx (to be updated)</a:t>
-            </a:r>
-          </a:p>
-          <a:p>
-            <a:pPr marL="169544" indent="-169544" defTabSz="406908">
-              <a:spcBef>
-                <a:spcPts val="500"/>
-              </a:spcBef>
-              <a:buSzPct val="100000"/>
-              <a:buFont typeface="Arial"/>
-              <a:buChar char="•"/>
-              <a:defRPr sz="1779">
-                <a:solidFill>
-                  <a:srgbClr val="162852"/>
-                </a:solidFill>
-                <a:latin typeface="Arial"/>
-                <a:ea typeface="Arial"/>
-                <a:cs typeface="Arial"/>
-                <a:sym typeface="Arial"/>
-              </a:defRPr>
-            </a:pPr>
-            <a:r>
-              <a:t>SysD_template_v4.2.docx</a:t>
-            </a:r>
-          </a:p>
-          <a:p>
-            <a:pPr marL="169544" indent="-169544" defTabSz="406908">
-              <a:spcBef>
-                <a:spcPts val="500"/>
-              </a:spcBef>
-              <a:buSzPct val="100000"/>
-              <a:buFont typeface="Arial"/>
-              <a:buChar char="•"/>
-              <a:defRPr sz="1779">
-                <a:solidFill>
-                  <a:srgbClr val="162852"/>
-                </a:solidFill>
-                <a:latin typeface="Arial"/>
-                <a:ea typeface="Arial"/>
-                <a:cs typeface="Arial"/>
-                <a:sym typeface="Arial"/>
-              </a:defRPr>
-            </a:pPr>
-            <a:r>
-              <a:t>SysDD_template_v4.2.docx</a:t>
-            </a:r>
-          </a:p>
-          <a:p>
-            <a:pPr marL="169544" indent="-169544" defTabSz="406908">
-              <a:spcBef>
-                <a:spcPts val="500"/>
-              </a:spcBef>
-              <a:buSzPct val="100000"/>
-              <a:buFont typeface="Arial"/>
-              <a:buChar char="•"/>
-              <a:defRPr sz="1779">
-                <a:solidFill>
-                  <a:srgbClr val="162852"/>
-                </a:solidFill>
-                <a:latin typeface="Arial"/>
-                <a:ea typeface="Arial"/>
-                <a:cs typeface="Arial"/>
-                <a:sym typeface="Arial"/>
-              </a:defRPr>
-            </a:pPr>
-            <a:r>
-              <a:t>SD_template v4.2.docx</a:t>
-            </a:r>
-          </a:p>
-          <a:p>
-            <a:pPr marL="169544" indent="-169544" defTabSz="406908">
-              <a:spcBef>
-                <a:spcPts val="500"/>
-              </a:spcBef>
-              <a:buSzPct val="100000"/>
-              <a:buFont typeface="Arial"/>
-              <a:buChar char="•"/>
-              <a:defRPr sz="1779">
-                <a:solidFill>
-                  <a:srgbClr val="162852"/>
-                </a:solidFill>
-                <a:latin typeface="Arial"/>
-                <a:ea typeface="Arial"/>
-                <a:cs typeface="Arial"/>
-                <a:sym typeface="Arial"/>
-              </a:defRPr>
-            </a:pPr>
-            <a:r>
-              <a:t>IDD_template v4.2.docx (now includes CP and SP)</a:t>
-            </a:r>
-          </a:p>
-          <a:p>
-            <a:pPr marL="169544" indent="-169544" defTabSz="406908">
-              <a:spcBef>
-                <a:spcPts val="500"/>
-              </a:spcBef>
-              <a:buSzPct val="100000"/>
-              <a:buFont typeface="Arial"/>
-              <a:buChar char="•"/>
-              <a:defRPr sz="1779">
-                <a:solidFill>
-                  <a:srgbClr val="162852"/>
-                </a:solidFill>
-                <a:latin typeface="Arial"/>
-                <a:ea typeface="Arial"/>
-                <a:cs typeface="Arial"/>
-                <a:sym typeface="Arial"/>
-              </a:defRPr>
-            </a:pPr>
-            <a:r>
-              <a:t>Latex templates are also available</a:t>
-            </a:r>
-          </a:p>
-          <a:p>
-            <a:pPr marL="169544" indent="-169544" defTabSz="406908">
-              <a:spcBef>
-                <a:spcPts val="500"/>
-              </a:spcBef>
-              <a:buSzPct val="100000"/>
-              <a:buFont typeface="Arial"/>
-              <a:buChar char="•"/>
-              <a:defRPr sz="1779">
-                <a:solidFill>
-                  <a:srgbClr val="162852"/>
-                </a:solidFill>
-                <a:latin typeface="Arial"/>
-                <a:ea typeface="Arial"/>
-                <a:cs typeface="Arial"/>
-                <a:sym typeface="Arial"/>
-              </a:defRPr>
-            </a:pPr>
-            <a:r>
-              <a:t>Can proper documentation be generated from SysML models?</a:t>
-            </a:r>
-          </a:p>
-          <a:p>
-            <a:pPr marL="169544" indent="-169544" defTabSz="406908">
-              <a:spcBef>
-                <a:spcPts val="500"/>
-              </a:spcBef>
-              <a:buSzPct val="100000"/>
-              <a:buFont typeface="Arial"/>
-              <a:buChar char="•"/>
-              <a:defRPr sz="1779">
-                <a:solidFill>
-                  <a:srgbClr val="162852"/>
-                </a:solidFill>
-                <a:latin typeface="Arial"/>
-                <a:ea typeface="Arial"/>
-                <a:cs typeface="Arial"/>
-                <a:sym typeface="Arial"/>
-              </a:defRPr>
-            </a:pPr>
-            <a:r>
-              <a:t>Can code and correct documentation be validated/verified </a:t>
+              <a:t>Per Olofsson</a:t>
+            </a:r>
+          </a:p>
+          <a:p>
+            <a:pPr lvl="1" marL="150241" indent="0" defTabSz="256031">
+              <a:spcBef>
+                <a:spcPts val="200"/>
+              </a:spcBef>
+              <a:buSzTx/>
+              <a:buNone/>
+              <a:defRPr sz="1120"/>
+            </a:pPr>
+            <a:r>
+              <a:t>Interoperability adaptors</a:t>
+            </a:r>
+          </a:p>
+          <a:p>
+            <a:pPr lvl="1" marL="150241" indent="0" defTabSz="256031">
+              <a:spcBef>
+                <a:spcPts val="200"/>
+              </a:spcBef>
+              <a:buSzTx/>
+              <a:buNone/>
+              <a:defRPr sz="1120"/>
+            </a:pPr>
+            <a:r>
+              <a:t>Tool adaptors</a:t>
+            </a:r>
+          </a:p>
+          <a:p>
+            <a:pPr lvl="1" marL="150241" indent="0" defTabSz="256031">
+              <a:spcBef>
+                <a:spcPts val="200"/>
+              </a:spcBef>
+              <a:buSzTx/>
+              <a:buNone/>
+              <a:defRPr sz="1120"/>
+            </a:pPr>
+            <a:r>
+              <a:t>Libraries</a:t>
+            </a:r>
+          </a:p>
+          <a:p>
+            <a:pPr lvl="1" marL="150241" indent="0" defTabSz="256031">
+              <a:spcBef>
+                <a:spcPts val="200"/>
+              </a:spcBef>
+              <a:buSzTx/>
+              <a:buNone/>
+              <a:defRPr sz="1120"/>
+            </a:pPr>
+            <a:r>
+              <a:t>Application system examples</a:t>
+            </a:r>
+          </a:p>
+          <a:p>
+            <a:pPr lvl="2" marL="150241" indent="521842" defTabSz="256031">
+              <a:spcBef>
+                <a:spcPts val="200"/>
+              </a:spcBef>
+              <a:buSzTx/>
+              <a:buNone/>
+              <a:defRPr sz="1120"/>
+            </a:pPr>
+            <a:r>
+              <a:t>sub directory Documentation</a:t>
+            </a:r>
+          </a:p>
+          <a:p>
+            <a:pPr lvl="2" marL="150241" indent="521842" defTabSz="256031">
+              <a:spcBef>
+                <a:spcPts val="200"/>
+              </a:spcBef>
+              <a:buSzTx/>
+              <a:buNone/>
+              <a:defRPr sz="1120"/>
+            </a:pPr>
+            <a:r>
+              <a:t>Arrowhead documentation structure</a:t>
+            </a:r>
+            <a:br/>
+          </a:p>
+          <a:p>
+            <a:pPr lvl="1" marL="150241" indent="0" defTabSz="256031">
+              <a:spcBef>
+                <a:spcPts val="200"/>
+              </a:spcBef>
+              <a:buSzTx/>
+              <a:buNone/>
+              <a:defRPr sz="1120"/>
+            </a:pPr>
+            <a:r>
+              <a:t>Wiki addressing </a:t>
+            </a:r>
+          </a:p>
+          <a:p>
+            <a:pPr lvl="2" marL="150241" indent="521842" defTabSz="256031">
+              <a:spcBef>
+                <a:spcPts val="200"/>
+              </a:spcBef>
+              <a:buSzTx/>
+              <a:buNone/>
+              <a:defRPr sz="1120"/>
+            </a:pPr>
+            <a:r>
+              <a:t>application system development - direct coding</a:t>
+            </a:r>
+          </a:p>
+          <a:p>
+            <a:pPr lvl="2" marL="150241" indent="521842" defTabSz="256031">
+              <a:spcBef>
+                <a:spcPts val="200"/>
+              </a:spcBef>
+              <a:buSzTx/>
+              <a:buNone/>
+              <a:defRPr sz="1120"/>
+            </a:pPr>
+            <a:r>
+              <a:t>application system development - from models (SysML)</a:t>
+            </a:r>
+          </a:p>
+          <a:p>
+            <a:pPr lvl="2" marL="150241" indent="521842" defTabSz="256031">
+              <a:spcBef>
+                <a:spcPts val="200"/>
+              </a:spcBef>
+              <a:buSzTx/>
+              <a:buNone/>
+              <a:defRPr sz="1120"/>
+            </a:pPr>
+            <a:r>
+              <a:t>application system examples using important libraries e.g.</a:t>
+            </a:r>
+          </a:p>
+          <a:p>
+            <a:pPr lvl="3" marL="150241" indent="800733" defTabSz="256031">
+              <a:spcBef>
+                <a:spcPts val="200"/>
+              </a:spcBef>
+              <a:buSzTx/>
+              <a:buNone/>
+              <a:defRPr sz="1120"/>
+            </a:pPr>
+            <a:r>
+              <a:t>Kalix</a:t>
+            </a:r>
+          </a:p>
+          <a:p>
+            <a:pPr lvl="3" marL="150241" indent="800733" defTabSz="256031">
+              <a:spcBef>
+                <a:spcPts val="200"/>
+              </a:spcBef>
+              <a:buSzTx/>
+              <a:buNone/>
+              <a:defRPr sz="1120"/>
+            </a:pPr>
+            <a:r>
+              <a:t>C++</a:t>
+            </a:r>
+          </a:p>
+          <a:p>
+            <a:pPr lvl="3" marL="150241" indent="800733" defTabSz="256031">
+              <a:spcBef>
+                <a:spcPts val="200"/>
+              </a:spcBef>
+              <a:buSzTx/>
+              <a:buNone/>
+              <a:defRPr sz="1120"/>
+            </a:pPr>
+            <a:r>
+              <a:t>QT</a:t>
+            </a:r>
+          </a:p>
+          <a:p>
+            <a:pPr lvl="1" marL="150241" indent="0" defTabSz="256031">
+              <a:spcBef>
+                <a:spcPts val="200"/>
+              </a:spcBef>
+              <a:buSzTx/>
+              <a:buNone/>
+              <a:defRPr sz="1120"/>
+            </a:pPr>
+            <a:r>
+              <a:t>Videos</a:t>
+            </a:r>
+          </a:p>
+          <a:p>
+            <a:pPr lvl="2" marL="150241" indent="521842" defTabSz="256031">
+              <a:spcBef>
+                <a:spcPts val="200"/>
+              </a:spcBef>
+              <a:buSzTx/>
+              <a:buNone/>
+              <a:defRPr sz="1120"/>
+            </a:pPr>
+            <a:r>
+              <a:t>HowTo’s</a:t>
             </a:r>
           </a:p>
         </p:txBody>
@@ -3661,38 +3781,10 @@
       </p:grpSpPr>
       <p:sp>
         <p:nvSpPr>
-          <p:cNvPr id="129" name="Committers and contributors"/>
+          <p:cNvPr id="131" name="Automation departments"/>
           <p:cNvSpPr txBox="1"/>
           <p:nvPr>
             <p:ph type="title"/>
-          </p:nvPr>
-        </p:nvSpPr>
-        <p:spPr>
-          <a:xfrm>
-            <a:off x="799889" y="612785"/>
-            <a:ext cx="7444937" cy="586588"/>
-          </a:xfrm>
-          <a:prstGeom prst="rect">
-            <a:avLst/>
-          </a:prstGeom>
-        </p:spPr>
-        <p:txBody>
-          <a:bodyPr/>
-          <a:lstStyle/>
-          <a:p>
-            <a:pPr/>
-            <a:r>
-              <a:t>Committers and contributors</a:t>
-            </a:r>
-          </a:p>
-        </p:txBody>
-      </p:sp>
-      <p:sp>
-        <p:nvSpPr>
-          <p:cNvPr id="130" name="A committer for each decided core system…"/>
-          <p:cNvSpPr txBox="1"/>
-          <p:nvPr>
-            <p:ph type="body" idx="1"/>
           </p:nvPr>
         </p:nvSpPr>
         <p:spPr>
@@ -3706,62 +3798,259 @@
           <a:p>
             <a:pPr/>
             <a:r>
-              <a:t>A committer for each decided core system</a:t>
-            </a:r>
-          </a:p>
-          <a:p>
-            <a:pPr lvl="1" marL="268288" indent="188911">
-              <a:buSzTx/>
-              <a:buNone/>
-            </a:pPr>
-            <a:r>
-              <a:t>Multiple contributors is desired</a:t>
-            </a:r>
-          </a:p>
-          <a:p>
-            <a:pPr/>
-          </a:p>
-          <a:p>
-            <a:pPr/>
-            <a:r>
-              <a:t>Committers meetings</a:t>
-            </a:r>
-          </a:p>
-          <a:p>
-            <a:pPr lvl="1" marL="268288" indent="188911">
-              <a:buSzTx/>
-              <a:buNone/>
-            </a:pPr>
-            <a:r>
-              <a:t>Organised by Jerker and Pal</a:t>
-            </a:r>
-          </a:p>
-          <a:p>
-            <a:pPr lvl="1" marL="268288" indent="188911">
-              <a:buSzTx/>
-              <a:buNone/>
-            </a:pPr>
-          </a:p>
-          <a:p>
-            <a:pPr/>
-            <a:r>
-              <a:t>Contributors meetings - Eclipse Arrowhead bi-weekly </a:t>
-            </a:r>
-          </a:p>
-          <a:p>
-            <a:pPr lvl="1" marL="268288" indent="188911">
-              <a:buSzTx/>
-              <a:buNone/>
-            </a:pPr>
-            <a:r>
-              <a:t>Organised by Jerker and Pal</a:t>
-            </a:r>
-          </a:p>
-          <a:p>
-            <a:pPr/>
-          </a:p>
-          <a:p>
-            <a:pPr/>
+              <a:t>Automation departments</a:t>
+            </a:r>
+          </a:p>
+        </p:txBody>
+      </p:sp>
+      <p:sp>
+        <p:nvSpPr>
+          <p:cNvPr id="132" name="Targeting…"/>
+          <p:cNvSpPr txBox="1"/>
+          <p:nvPr>
+            <p:ph type="body" idx="1"/>
+          </p:nvPr>
+        </p:nvSpPr>
+        <p:spPr>
+          <a:xfrm>
+            <a:off x="799889" y="1185151"/>
+            <a:ext cx="7444938" cy="4045745"/>
+          </a:xfrm>
+          <a:prstGeom prst="rect">
+            <a:avLst/>
+          </a:prstGeom>
+        </p:spPr>
+        <p:txBody>
+          <a:bodyPr/>
+          <a:lstStyle/>
+          <a:p>
+            <a:pPr marL="169021" indent="-169021" defTabSz="288036">
+              <a:spcBef>
+                <a:spcPts val="200"/>
+              </a:spcBef>
+              <a:defRPr sz="1260"/>
+            </a:pPr>
+            <a:r>
+              <a:t>Targeting</a:t>
+            </a:r>
+          </a:p>
+          <a:p>
+            <a:pPr lvl="1" marL="169021" indent="119014" defTabSz="288036">
+              <a:spcBef>
+                <a:spcPts val="200"/>
+              </a:spcBef>
+              <a:buSzTx/>
+              <a:buNone/>
+              <a:defRPr sz="1260"/>
+            </a:pPr>
+            <a:r>
+              <a:t>Automation architects</a:t>
+            </a:r>
+          </a:p>
+          <a:p>
+            <a:pPr lvl="1" marL="169021" indent="119014" defTabSz="288036">
+              <a:spcBef>
+                <a:spcPts val="200"/>
+              </a:spcBef>
+              <a:buSzTx/>
+              <a:buNone/>
+              <a:defRPr sz="1260"/>
+            </a:pPr>
+            <a:r>
+              <a:t>Automation solution engineers</a:t>
+            </a:r>
+          </a:p>
+          <a:p>
+            <a:pPr lvl="1" marL="169021" indent="119014" defTabSz="288036">
+              <a:spcBef>
+                <a:spcPts val="200"/>
+              </a:spcBef>
+              <a:buSzTx/>
+              <a:buNone/>
+              <a:defRPr sz="1260"/>
+            </a:pPr>
+          </a:p>
+          <a:p>
+            <a:pPr marL="169021" indent="-169021" defTabSz="288036">
+              <a:spcBef>
+                <a:spcPts val="200"/>
+              </a:spcBef>
+              <a:defRPr sz="1260"/>
+            </a:pPr>
+            <a:r>
+              <a:t>Primary location </a:t>
+            </a:r>
+            <a:r>
+              <a:rPr u="sng">
+                <a:solidFill>
+                  <a:srgbClr val="0000FF"/>
+                </a:solidFill>
+                <a:uFill>
+                  <a:solidFill>
+                    <a:srgbClr val="0000FF"/>
+                  </a:solidFill>
+                </a:uFill>
+                <a:hlinkClick r:id="rId2" invalidUrl="" action="" tgtFrame="" tooltip="" history="1" highlightClick="0" endSnd="0"/>
+              </a:rPr>
+              <a:t>www.arrowhead.eu/eclipse_arrowhead</a:t>
+            </a:r>
+          </a:p>
+          <a:p>
+            <a:pPr lvl="1" marL="169021" indent="0" defTabSz="288036">
+              <a:spcBef>
+                <a:spcPts val="200"/>
+              </a:spcBef>
+              <a:buSzTx/>
+              <a:buNone/>
+              <a:defRPr sz="1260"/>
+            </a:pPr>
+            <a:r>
+              <a:t>Core system documentation in each core system directory</a:t>
+            </a:r>
+          </a:p>
+          <a:p>
+            <a:pPr lvl="1" marL="169021" indent="0" defTabSz="288036">
+              <a:spcBef>
+                <a:spcPts val="200"/>
+              </a:spcBef>
+              <a:buSzTx/>
+              <a:buNone/>
+              <a:defRPr sz="1260"/>
+            </a:pPr>
+            <a:r>
+              <a:t>Interoperability adaptors, e.g. OPC-UA, Z-wave, Modbus-TCP, …</a:t>
+            </a:r>
+          </a:p>
+          <a:p>
+            <a:pPr lvl="1" marL="169021" indent="0" defTabSz="288036">
+              <a:spcBef>
+                <a:spcPts val="200"/>
+              </a:spcBef>
+              <a:buSzTx/>
+              <a:buNone/>
+              <a:defRPr sz="1260"/>
+            </a:pPr>
+            <a:r>
+              <a:t>Tool adaptors</a:t>
+            </a:r>
+          </a:p>
+          <a:p>
+            <a:pPr lvl="1" marL="169021" indent="0" defTabSz="288036">
+              <a:spcBef>
+                <a:spcPts val="200"/>
+              </a:spcBef>
+              <a:buSzTx/>
+              <a:buNone/>
+              <a:defRPr sz="1260"/>
+            </a:pPr>
+            <a:r>
+              <a:t>Application system examples</a:t>
+            </a:r>
+          </a:p>
+          <a:p>
+            <a:pPr lvl="2" marL="169021" indent="587073" defTabSz="288036">
+              <a:spcBef>
+                <a:spcPts val="200"/>
+              </a:spcBef>
+              <a:buSzTx/>
+              <a:buNone/>
+              <a:defRPr sz="1260"/>
+            </a:pPr>
+            <a:r>
+              <a:t>Arrowhead SysD and SD documentation</a:t>
+            </a:r>
+            <a:br/>
+          </a:p>
+          <a:p>
+            <a:pPr lvl="1" marL="169021" indent="0" defTabSz="288036">
+              <a:spcBef>
+                <a:spcPts val="200"/>
+              </a:spcBef>
+              <a:buSzTx/>
+              <a:buNone/>
+              <a:defRPr sz="1260"/>
+            </a:pPr>
+            <a:r>
+              <a:t>Wiki addressing</a:t>
+            </a:r>
+          </a:p>
+          <a:p>
+            <a:pPr lvl="2" marL="169021" indent="587073" defTabSz="288036">
+              <a:spcBef>
+                <a:spcPts val="200"/>
+              </a:spcBef>
+              <a:buSzTx/>
+              <a:buNone/>
+              <a:defRPr sz="1260"/>
+            </a:pPr>
+            <a:r>
+              <a:t>application SoS architecting</a:t>
+            </a:r>
+          </a:p>
+          <a:p>
+            <a:pPr lvl="2" marL="169021" indent="587073" defTabSz="288036">
+              <a:spcBef>
+                <a:spcPts val="200"/>
+              </a:spcBef>
+              <a:buSzTx/>
+              <a:buNone/>
+              <a:defRPr sz="1260"/>
+            </a:pPr>
+            <a:r>
+              <a:t>application SoS modeling (SysML)</a:t>
+            </a:r>
+          </a:p>
+          <a:p>
+            <a:pPr lvl="2" marL="169021" indent="587073" defTabSz="288036">
+              <a:spcBef>
+                <a:spcPts val="200"/>
+              </a:spcBef>
+              <a:buSzTx/>
+              <a:buNone/>
+              <a:defRPr sz="1260"/>
+            </a:pPr>
+            <a:r>
+              <a:t>application SoS implementation </a:t>
+            </a:r>
+          </a:p>
+          <a:p>
+            <a:pPr lvl="3" marL="169021" indent="900825" defTabSz="288036">
+              <a:spcBef>
+                <a:spcPts val="200"/>
+              </a:spcBef>
+              <a:buSzTx/>
+              <a:buNone/>
+              <a:defRPr sz="1260"/>
+            </a:pPr>
+            <a:r>
+              <a:t>references to developers documentation</a:t>
+            </a:r>
+          </a:p>
+          <a:p>
+            <a:pPr lvl="2" marL="169021" indent="587073" defTabSz="288036">
+              <a:spcBef>
+                <a:spcPts val="200"/>
+              </a:spcBef>
+              <a:buSzTx/>
+              <a:buNone/>
+              <a:defRPr sz="1260"/>
+            </a:pPr>
+            <a:r>
+              <a:t>Success storys</a:t>
+            </a:r>
+          </a:p>
+          <a:p>
+            <a:pPr lvl="1" marL="169021" indent="0" defTabSz="288036">
+              <a:spcBef>
+                <a:spcPts val="200"/>
+              </a:spcBef>
+              <a:buSzTx/>
+              <a:buNone/>
+              <a:defRPr sz="1260"/>
+            </a:pPr>
+            <a:r>
+              <a:t>Videos</a:t>
+            </a:r>
           </a:p>
         </p:txBody>
       </p:sp>
@@ -3775,7 +4064,7 @@
 </file>
 
 <file path=ppt/slides/slide13.xml><?xml version="1.0" encoding="utf-8"?>
-<p:sld xmlns:a="http://schemas.openxmlformats.org/drawingml/2006/main" xmlns:r="http://schemas.openxmlformats.org/officeDocument/2006/relationships" xmlns:p="http://schemas.openxmlformats.org/presentationml/2006/main" xmlns:m="http://schemas.openxmlformats.org/officeDocument/2006/math" xmlns:a14="http://schemas.microsoft.com/office/drawing/2010/main" show="0" showMasterSp="1" showMasterPhAnim="1">
+<p:sld xmlns:a="http://schemas.openxmlformats.org/drawingml/2006/main" xmlns:r="http://schemas.openxmlformats.org/officeDocument/2006/relationships" xmlns:p="http://schemas.openxmlformats.org/presentationml/2006/main" xmlns:m="http://schemas.openxmlformats.org/officeDocument/2006/math" xmlns:a14="http://schemas.microsoft.com/office/drawing/2010/main" showMasterSp="1" showMasterPhAnim="1">
   <p:cSld>
     <p:spTree>
       <p:nvGrpSpPr>
@@ -3793,7 +4082,7 @@
       </p:grpSpPr>
       <p:sp>
         <p:nvSpPr>
-          <p:cNvPr id="132" name="Roadmap for GitHub.com/eclipse/arrowhead-f repos"/>
+          <p:cNvPr id="134" name="IT departments"/>
           <p:cNvSpPr txBox="1"/>
           <p:nvPr>
             <p:ph type="title"/>
@@ -3806,28 +4095,28 @@
         </p:spPr>
         <p:txBody>
           <a:bodyPr/>
-          <a:lstStyle>
-            <a:lvl1pPr defTabSz="342900">
-              <a:defRPr sz="2700"/>
-            </a:lvl1pPr>
-          </a:lstStyle>
+          <a:lstStyle/>
           <a:p>
             <a:pPr/>
             <a:r>
-              <a:t>Roadmap for GitHub.com/eclipse/arrowhead-f repos</a:t>
+              <a:t>IT departments</a:t>
             </a:r>
           </a:p>
         </p:txBody>
       </p:sp>
       <p:sp>
         <p:nvSpPr>
-          <p:cNvPr id="133" name="One repo per core system, libs, installation, architecture, tools?…"/>
+          <p:cNvPr id="135" name="Targeting…"/>
           <p:cNvSpPr txBox="1"/>
           <p:nvPr>
             <p:ph type="body" idx="1"/>
           </p:nvPr>
         </p:nvSpPr>
         <p:spPr>
+          <a:xfrm>
+            <a:off x="799889" y="1185151"/>
+            <a:ext cx="7444938" cy="4045745"/>
+          </a:xfrm>
           <a:prstGeom prst="rect">
             <a:avLst/>
           </a:prstGeom>
@@ -3836,130 +4125,62 @@
           <a:bodyPr/>
           <a:lstStyle/>
           <a:p>
-            <a:pPr marL="238776" indent="-238776" defTabSz="406908">
-              <a:spcBef>
-                <a:spcPts val="300"/>
-              </a:spcBef>
-              <a:defRPr sz="1779"/>
-            </a:pPr>
-            <a:r>
-              <a:t>One repo per core system, libs, installation, architecture, tools?</a:t>
-            </a:r>
-          </a:p>
-          <a:p>
-            <a:pPr lvl="1" marL="238776" indent="168131" defTabSz="406908">
-              <a:spcBef>
-                <a:spcPts val="300"/>
-              </a:spcBef>
-              <a:buSzTx/>
-              <a:buNone/>
-              <a:defRPr sz="1779"/>
-            </a:pPr>
-            <a:r>
-              <a:t>Architecture - Generic SoSDD, pdf, MarkDown</a:t>
-            </a:r>
-          </a:p>
-          <a:p>
-            <a:pPr lvl="2" marL="238776" indent="575039" defTabSz="406908">
-              <a:spcBef>
-                <a:spcPts val="300"/>
-              </a:spcBef>
-              <a:buSzTx/>
-              <a:buNone/>
-              <a:defRPr sz="1779"/>
-            </a:pPr>
-            <a:r>
-              <a:t>SysML models</a:t>
-            </a:r>
-            <a:br/>
-          </a:p>
-          <a:p>
-            <a:pPr lvl="1" marL="238776" indent="168131" defTabSz="406908">
-              <a:spcBef>
-                <a:spcPts val="300"/>
-              </a:spcBef>
-              <a:buSzTx/>
-              <a:buNone/>
-              <a:defRPr sz="1779"/>
-            </a:pPr>
-            <a:r>
-              <a:t>Reference-implementation</a:t>
-            </a:r>
-          </a:p>
-          <a:p>
-            <a:pPr lvl="1" marL="238776" indent="168131" defTabSz="406908">
-              <a:spcBef>
-                <a:spcPts val="300"/>
-              </a:spcBef>
-              <a:buSzTx/>
-              <a:buNone/>
-              <a:defRPr sz="1779"/>
-            </a:pPr>
-            <a:r>
-              <a:t>.</a:t>
-            </a:r>
-          </a:p>
-          <a:p>
-            <a:pPr lvl="1" marL="238776" indent="168131" defTabSz="406908">
-              <a:spcBef>
-                <a:spcPts val="300"/>
-              </a:spcBef>
-              <a:buSzTx/>
-              <a:buNone/>
-              <a:defRPr sz="1779"/>
-            </a:pPr>
-            <a:r>
-              <a:t>Arrowhead-core-Java</a:t>
-            </a:r>
-          </a:p>
-          <a:p>
-            <a:pPr lvl="1" marL="238776" indent="168131" defTabSz="406908">
-              <a:spcBef>
-                <a:spcPts val="300"/>
-              </a:spcBef>
-              <a:buSzTx/>
-              <a:buNone/>
-              <a:defRPr sz="1779"/>
-            </a:pPr>
-            <a:r>
-              <a:t>.</a:t>
-            </a:r>
-          </a:p>
-          <a:p>
-            <a:pPr lvl="1" marL="238776" indent="168131" defTabSz="406908">
-              <a:spcBef>
-                <a:spcPts val="300"/>
-              </a:spcBef>
-              <a:buSzTx/>
-              <a:buNone/>
-              <a:defRPr sz="1779"/>
-            </a:pPr>
-            <a:r>
-              <a:t>.</a:t>
-            </a:r>
-          </a:p>
-          <a:p>
-            <a:pPr lvl="1" marL="238776" indent="168131" defTabSz="406908">
-              <a:spcBef>
-                <a:spcPts val="300"/>
-              </a:spcBef>
-              <a:buSzTx/>
-              <a:buNone/>
-              <a:defRPr sz="1779"/>
-            </a:pPr>
-            <a:r>
-              <a:t>Documentation style as of ContractProxy_Java  - May be used as role model for each repo?</a:t>
-            </a:r>
-          </a:p>
-          <a:p>
-            <a:pPr lvl="1" marL="238776" indent="168131" defTabSz="406908">
-              <a:spcBef>
-                <a:spcPts val="300"/>
-              </a:spcBef>
-              <a:buSzTx/>
-              <a:buNone/>
-              <a:defRPr sz="1779"/>
-            </a:pPr>
+            <a:pPr marL="185118" indent="-185118" defTabSz="315468">
+              <a:spcBef>
+                <a:spcPts val="200"/>
+              </a:spcBef>
+              <a:defRPr sz="1380"/>
+            </a:pPr>
+            <a:r>
+              <a:t>Targeting</a:t>
+            </a:r>
+          </a:p>
+          <a:p>
+            <a:pPr lvl="1" marL="185118" indent="130349" defTabSz="315468">
+              <a:spcBef>
+                <a:spcPts val="200"/>
+              </a:spcBef>
+              <a:buSzTx/>
+              <a:buNone/>
+              <a:defRPr sz="1380"/>
+            </a:pPr>
+            <a:r>
+              <a:t>IT architects</a:t>
+            </a:r>
+          </a:p>
+          <a:p>
+            <a:pPr lvl="1" marL="185118" indent="130349" defTabSz="315468">
+              <a:spcBef>
+                <a:spcPts val="200"/>
+              </a:spcBef>
+              <a:buSzTx/>
+              <a:buNone/>
+              <a:defRPr sz="1380"/>
+            </a:pPr>
+            <a:r>
+              <a:t>IT solution engineers</a:t>
+            </a:r>
+          </a:p>
+          <a:p>
+            <a:pPr lvl="1" marL="185118" indent="130349" defTabSz="315468">
+              <a:spcBef>
+                <a:spcPts val="200"/>
+              </a:spcBef>
+              <a:buSzTx/>
+              <a:buNone/>
+              <a:defRPr sz="1380"/>
+            </a:pPr>
+          </a:p>
+          <a:p>
+            <a:pPr marL="185118" indent="-185118" defTabSz="315468">
+              <a:spcBef>
+                <a:spcPts val="200"/>
+              </a:spcBef>
+              <a:defRPr sz="1380"/>
+            </a:pPr>
+            <a:r>
+              <a:t>Primary location </a:t>
+            </a:r>
             <a:r>
               <a:rPr u="sng">
                 <a:solidFill>
@@ -3972,33 +4193,151 @@
                 </a:uFill>
                 <a:hlinkClick r:id="rId2" invalidUrl="" action="" tgtFrame="" tooltip="" history="1" highlightClick="0" endSnd="0"/>
               </a:rPr>
-              <a:t>https://github.com/arrowhead-f/arrowhead-contract-proxy</a:t>
-            </a:r>
-          </a:p>
-          <a:p>
-            <a:pPr lvl="1" marL="238776" indent="168131" defTabSz="406908">
-              <a:spcBef>
-                <a:spcPts val="300"/>
-              </a:spcBef>
-              <a:buSzTx/>
-              <a:buNone/>
-              <a:defRPr sz="1779"/>
-            </a:pPr>
-            <a:r>
-              <a:t>.</a:t>
-            </a:r>
-          </a:p>
-          <a:p>
-            <a:pPr lvl="1" marL="238776" indent="168131" defTabSz="406908">
-              <a:spcBef>
-                <a:spcPts val="300"/>
-              </a:spcBef>
-              <a:buSzTx/>
-              <a:buNone/>
-              <a:defRPr sz="1779"/>
-            </a:pPr>
-            <a:r>
-              <a:t>.</a:t>
+              <a:t>www.arrowhead.eu/eclipse_arrowhead</a:t>
+            </a:r>
+          </a:p>
+          <a:p>
+            <a:pPr lvl="1" marL="185118" indent="0" defTabSz="315468">
+              <a:spcBef>
+                <a:spcPts val="200"/>
+              </a:spcBef>
+              <a:buSzTx/>
+              <a:buNone/>
+              <a:defRPr sz="1380"/>
+            </a:pPr>
+            <a:r>
+              <a:t>Core system documentation in each core system directory</a:t>
+            </a:r>
+          </a:p>
+          <a:p>
+            <a:pPr lvl="1" marL="185118" indent="0" defTabSz="315468">
+              <a:spcBef>
+                <a:spcPts val="200"/>
+              </a:spcBef>
+              <a:buSzTx/>
+              <a:buNone/>
+              <a:defRPr sz="1380"/>
+            </a:pPr>
+            <a:r>
+              <a:t>Interoperability adaptors, e.g. OPC-UA, Z-wave, Modbus-TCP, …</a:t>
+            </a:r>
+          </a:p>
+          <a:p>
+            <a:pPr lvl="1" marL="185118" indent="0" defTabSz="315468">
+              <a:spcBef>
+                <a:spcPts val="200"/>
+              </a:spcBef>
+              <a:buSzTx/>
+              <a:buNone/>
+              <a:defRPr sz="1380"/>
+            </a:pPr>
+            <a:r>
+              <a:t>Tool interoperability adaptors</a:t>
+            </a:r>
+          </a:p>
+          <a:p>
+            <a:pPr lvl="1" marL="185118" indent="0" defTabSz="315468">
+              <a:spcBef>
+                <a:spcPts val="200"/>
+              </a:spcBef>
+              <a:buSzTx/>
+              <a:buNone/>
+              <a:defRPr sz="1380"/>
+            </a:pPr>
+            <a:r>
+              <a:t>Application system examples</a:t>
+            </a:r>
+          </a:p>
+          <a:p>
+            <a:pPr lvl="2" marL="185118" indent="642984" defTabSz="315468">
+              <a:spcBef>
+                <a:spcPts val="200"/>
+              </a:spcBef>
+              <a:buSzTx/>
+              <a:buNone/>
+              <a:defRPr sz="1380"/>
+            </a:pPr>
+            <a:r>
+              <a:t>Arrowhead SysD and SD documentation</a:t>
+            </a:r>
+            <a:br/>
+          </a:p>
+          <a:p>
+            <a:pPr lvl="1" marL="185118" indent="0" defTabSz="315468">
+              <a:spcBef>
+                <a:spcPts val="200"/>
+              </a:spcBef>
+              <a:buSzTx/>
+              <a:buNone/>
+              <a:defRPr sz="1380"/>
+            </a:pPr>
+            <a:r>
+              <a:t>Wiki addressing</a:t>
+            </a:r>
+          </a:p>
+          <a:p>
+            <a:pPr lvl="2" marL="185118" indent="642984" defTabSz="315468">
+              <a:spcBef>
+                <a:spcPts val="200"/>
+              </a:spcBef>
+              <a:buSzTx/>
+              <a:buNone/>
+              <a:defRPr sz="1380"/>
+            </a:pPr>
+            <a:r>
+              <a:t>application SoS architecting</a:t>
+            </a:r>
+          </a:p>
+          <a:p>
+            <a:pPr lvl="2" marL="185118" indent="642984" defTabSz="315468">
+              <a:spcBef>
+                <a:spcPts val="200"/>
+              </a:spcBef>
+              <a:buSzTx/>
+              <a:buNone/>
+              <a:defRPr sz="1380"/>
+            </a:pPr>
+            <a:r>
+              <a:t>application SoS modeling (SysML)</a:t>
+            </a:r>
+          </a:p>
+          <a:p>
+            <a:pPr lvl="2" marL="185118" indent="642984" defTabSz="315468">
+              <a:spcBef>
+                <a:spcPts val="200"/>
+              </a:spcBef>
+              <a:buSzTx/>
+              <a:buNone/>
+              <a:defRPr sz="1380"/>
+            </a:pPr>
+            <a:r>
+              <a:t>application SoS implementation </a:t>
+            </a:r>
+          </a:p>
+          <a:p>
+            <a:pPr lvl="3" marL="185118" indent="986618" defTabSz="315468">
+              <a:spcBef>
+                <a:spcPts val="200"/>
+              </a:spcBef>
+              <a:buSzTx/>
+              <a:buNone/>
+              <a:defRPr sz="1380"/>
+            </a:pPr>
+            <a:r>
+              <a:t>references to developers documentation</a:t>
+            </a:r>
+          </a:p>
+          <a:p>
+            <a:pPr lvl="2" marL="185118" indent="642984" defTabSz="315468">
+              <a:spcBef>
+                <a:spcPts val="200"/>
+              </a:spcBef>
+              <a:buSzTx/>
+              <a:buNone/>
+              <a:defRPr sz="1380"/>
+            </a:pPr>
+            <a:r>
+              <a:t>Success storys</a:t>
             </a:r>
           </a:p>
         </p:txBody>
@@ -4031,7 +4370,7 @@
       </p:grpSpPr>
       <p:sp>
         <p:nvSpPr>
-          <p:cNvPr id="135" name="CI/CD process"/>
+          <p:cNvPr id="137" name="Managers - operational and strategy level"/>
           <p:cNvSpPr txBox="1"/>
           <p:nvPr>
             <p:ph type="title"/>
@@ -4044,24 +4383,32 @@
         </p:spPr>
         <p:txBody>
           <a:bodyPr/>
-          <a:lstStyle/>
-          <a:p>
-            <a:pPr lvl="1"/>
-            <a:r>
-              <a:t>CI/CD process</a:t>
+          <a:lstStyle>
+            <a:lvl1pPr defTabSz="434340">
+              <a:defRPr sz="3420"/>
+            </a:lvl1pPr>
+          </a:lstStyle>
+          <a:p>
+            <a:pPr/>
+            <a:r>
+              <a:t>Managers - operational and strategy level</a:t>
             </a:r>
           </a:p>
         </p:txBody>
       </p:sp>
       <p:sp>
         <p:nvSpPr>
-          <p:cNvPr id="136" name="Pull request…"/>
+          <p:cNvPr id="138" name="Targeting…"/>
           <p:cNvSpPr txBox="1"/>
           <p:nvPr>
             <p:ph type="body" idx="1"/>
           </p:nvPr>
         </p:nvSpPr>
         <p:spPr>
+          <a:xfrm>
+            <a:off x="799889" y="1185151"/>
+            <a:ext cx="7444938" cy="4229145"/>
+          </a:xfrm>
           <a:prstGeom prst="rect">
             <a:avLst/>
           </a:prstGeom>
@@ -4070,147 +4417,177 @@
           <a:bodyPr/>
           <a:lstStyle/>
           <a:p>
-            <a:pPr marL="257556" indent="-257556" defTabSz="438911">
+            <a:pPr marL="222679" indent="-222679" defTabSz="379475">
               <a:spcBef>
                 <a:spcPts val="300"/>
               </a:spcBef>
-              <a:defRPr sz="1919"/>
-            </a:pPr>
-            <a:r>
-              <a:t>Pull request </a:t>
-            </a:r>
-          </a:p>
-          <a:p>
-            <a:pPr lvl="1" marL="257556" indent="181355" defTabSz="438911">
+              <a:defRPr sz="1660"/>
+            </a:pPr>
+            <a:r>
+              <a:t>Targeting</a:t>
+            </a:r>
+          </a:p>
+          <a:p>
+            <a:pPr lvl="1" marL="222679" indent="156796" defTabSz="379475">
               <a:spcBef>
                 <a:spcPts val="300"/>
               </a:spcBef>
               <a:buSzTx/>
               <a:buNone/>
-              <a:defRPr sz="1919"/>
-            </a:pPr>
-            <a:r>
-              <a:t>Checklist</a:t>
-            </a:r>
-          </a:p>
-          <a:p>
-            <a:pPr lvl="1" marL="257556" indent="181355" defTabSz="438911">
+              <a:defRPr sz="1660"/>
+            </a:pPr>
+            <a:r>
+              <a:t>Automation managers</a:t>
+            </a:r>
+          </a:p>
+          <a:p>
+            <a:pPr lvl="1" marL="222679" indent="156796" defTabSz="379475">
               <a:spcBef>
                 <a:spcPts val="300"/>
               </a:spcBef>
               <a:buSzTx/>
               <a:buNone/>
-              <a:defRPr sz="1919"/>
-            </a:pPr>
-          </a:p>
-          <a:p>
-            <a:pPr marL="257556" indent="-257556" defTabSz="438911">
+              <a:defRPr sz="1660"/>
+            </a:pPr>
+            <a:r>
+              <a:t>CIO’s</a:t>
+            </a:r>
+          </a:p>
+          <a:p>
+            <a:pPr lvl="1" marL="222679" indent="156796" defTabSz="379475">
               <a:spcBef>
                 <a:spcPts val="300"/>
               </a:spcBef>
-              <a:defRPr sz="1919"/>
-            </a:pPr>
-            <a:r>
-              <a:t>Release checklist</a:t>
-            </a:r>
-          </a:p>
-          <a:p>
-            <a:pPr lvl="1" marL="257556" indent="181355" defTabSz="438911">
+              <a:buSzTx/>
+              <a:buNone/>
+              <a:defRPr sz="1660"/>
+            </a:pPr>
+          </a:p>
+          <a:p>
+            <a:pPr marL="222679" indent="-222679" defTabSz="379475">
               <a:spcBef>
                 <a:spcPts val="300"/>
               </a:spcBef>
-              <a:buSzTx/>
-              <a:buNone/>
-              <a:defRPr sz="1919"/>
-            </a:pPr>
-            <a:r>
-              <a:t>Code integration</a:t>
-            </a:r>
-          </a:p>
-          <a:p>
-            <a:pPr lvl="1" marL="257556" indent="181355" defTabSz="438911">
+              <a:defRPr sz="1660"/>
+            </a:pPr>
+            <a:r>
+              <a:t>Primary location </a:t>
+            </a:r>
+            <a:r>
+              <a:rPr u="sng">
+                <a:solidFill>
+                  <a:srgbClr val="0000FF"/>
+                </a:solidFill>
+                <a:uFill>
+                  <a:solidFill>
+                    <a:srgbClr val="0000FF"/>
+                  </a:solidFill>
+                </a:uFill>
+                <a:hlinkClick r:id="rId2" invalidUrl="" action="" tgtFrame="" tooltip="" history="1" highlightClick="0" endSnd="0"/>
+              </a:rPr>
+              <a:t>www.arrowhead.eu/eclipse_arrowhead</a:t>
+            </a:r>
+          </a:p>
+          <a:p>
+            <a:pPr lvl="1" marL="222679" indent="0" defTabSz="379475">
               <a:spcBef>
                 <a:spcPts val="300"/>
               </a:spcBef>
               <a:buSzTx/>
               <a:buNone/>
-              <a:defRPr sz="1919"/>
-            </a:pPr>
-            <a:r>
-              <a:t>Code checking</a:t>
-            </a:r>
-          </a:p>
-          <a:p>
-            <a:pPr marL="257556" indent="-257556" defTabSz="438911">
+              <a:defRPr sz="1660"/>
+            </a:pPr>
+            <a:r>
+              <a:t>Global architecture documentation </a:t>
+            </a:r>
+          </a:p>
+          <a:p>
+            <a:pPr lvl="2" marL="222679" indent="773445" defTabSz="379475">
               <a:spcBef>
                 <a:spcPts val="300"/>
               </a:spcBef>
-              <a:defRPr sz="1919"/>
-            </a:pPr>
-          </a:p>
-          <a:p>
-            <a:pPr lvl="1" marL="257556" indent="181355" defTabSz="438911">
+              <a:buSzTx/>
+              <a:buNone/>
+              <a:defRPr sz="1660"/>
+            </a:pPr>
+            <a:r>
+              <a:t>Arrowhead SoSD documentation</a:t>
+            </a:r>
+          </a:p>
+          <a:p>
+            <a:pPr lvl="1" marL="222679" indent="0" defTabSz="379475">
               <a:spcBef>
                 <a:spcPts val="300"/>
               </a:spcBef>
               <a:buSzTx/>
               <a:buNone/>
-              <a:defRPr sz="1919"/>
-            </a:pPr>
-            <a:r>
-              <a:t>Add</a:t>
-            </a:r>
-          </a:p>
-          <a:p>
-            <a:pPr lvl="2" marL="257556" indent="620267" defTabSz="438911">
+              <a:defRPr sz="1660"/>
+            </a:pPr>
+          </a:p>
+          <a:p>
+            <a:pPr lvl="1" marL="222679" indent="0" defTabSz="379475">
               <a:spcBef>
                 <a:spcPts val="300"/>
               </a:spcBef>
               <a:buSzTx/>
               <a:buNone/>
-              <a:defRPr sz="1919"/>
-            </a:pPr>
-            <a:r>
-              <a:t>Integration to other core systems</a:t>
-            </a:r>
-          </a:p>
-          <a:p>
-            <a:pPr lvl="2" marL="257556" indent="620267" defTabSz="438911">
+              <a:defRPr sz="1660"/>
+            </a:pPr>
+            <a:r>
+              <a:t>Youtube - High level videos</a:t>
+            </a:r>
+            <a:br/>
+          </a:p>
+          <a:p>
+            <a:pPr lvl="1" marL="222679" indent="0" defTabSz="379475">
               <a:spcBef>
                 <a:spcPts val="300"/>
               </a:spcBef>
               <a:buSzTx/>
               <a:buNone/>
-              <a:defRPr sz="1919"/>
-            </a:pPr>
-            <a:r>
-              <a:t>Eclipse IPR checking</a:t>
-            </a:r>
-          </a:p>
-          <a:p>
-            <a:pPr lvl="2" marL="257556" indent="620267" defTabSz="438911">
+              <a:defRPr sz="1660"/>
+            </a:pPr>
+            <a:r>
+              <a:t>Wiki addressing</a:t>
+            </a:r>
+          </a:p>
+          <a:p>
+            <a:pPr lvl="2" marL="222679" indent="773445" defTabSz="379475">
               <a:spcBef>
                 <a:spcPts val="300"/>
               </a:spcBef>
               <a:buSzTx/>
               <a:buNone/>
-              <a:defRPr sz="1919"/>
-            </a:pPr>
-            <a:r>
-              <a:t>Document checking</a:t>
-            </a:r>
-          </a:p>
-          <a:p>
-            <a:pPr lvl="2" marL="257556" indent="620267" defTabSz="438911">
+              <a:defRPr sz="1660"/>
+            </a:pPr>
+            <a:r>
+              <a:t>Solution SoS architecture and capabilities</a:t>
+            </a:r>
+          </a:p>
+          <a:p>
+            <a:pPr lvl="2" marL="222679" indent="773445" defTabSz="379475">
               <a:spcBef>
                 <a:spcPts val="300"/>
               </a:spcBef>
               <a:buSzTx/>
               <a:buNone/>
-              <a:defRPr sz="1919"/>
-            </a:pPr>
-            <a:r>
-              <a:t>SysML code</a:t>
+              <a:defRPr sz="1660"/>
+            </a:pPr>
+            <a:r>
+              <a:t>Engineering process and tools</a:t>
+            </a:r>
+          </a:p>
+          <a:p>
+            <a:pPr lvl="2" marL="222679" indent="773445" defTabSz="379475">
+              <a:spcBef>
+                <a:spcPts val="300"/>
+              </a:spcBef>
+              <a:buSzTx/>
+              <a:buNone/>
+              <a:defRPr sz="1660"/>
+            </a:pPr>
+            <a:r>
+              <a:t>Success storys</a:t>
             </a:r>
           </a:p>
         </p:txBody>
@@ -4243,7 +4620,7 @@
       </p:grpSpPr>
       <p:sp>
         <p:nvSpPr>
-          <p:cNvPr id="138" name="Packages availability"/>
+          <p:cNvPr id="140" name="Politicians"/>
           <p:cNvSpPr txBox="1"/>
           <p:nvPr>
             <p:ph type="title"/>
@@ -4260,20 +4637,24 @@
           <a:p>
             <a:pPr/>
             <a:r>
-              <a:t>Packages availability</a:t>
+              <a:t>Politicians</a:t>
             </a:r>
           </a:p>
         </p:txBody>
       </p:sp>
       <p:sp>
         <p:nvSpPr>
-          <p:cNvPr id="139" name="Packages for various platforms will be made available at:…"/>
+          <p:cNvPr id="141" name="Targeting…"/>
           <p:cNvSpPr txBox="1"/>
           <p:nvPr>
             <p:ph type="body" idx="1"/>
           </p:nvPr>
         </p:nvSpPr>
         <p:spPr>
+          <a:xfrm>
+            <a:off x="799889" y="1185151"/>
+            <a:ext cx="7444938" cy="4071833"/>
+          </a:xfrm>
           <a:prstGeom prst="rect">
             <a:avLst/>
           </a:prstGeom>
@@ -4282,13 +4663,62 @@
           <a:bodyPr/>
           <a:lstStyle/>
           <a:p>
-            <a:pPr/>
-            <a:r>
-              <a:t>Packages for various platforms will be made available at:</a:t>
-            </a:r>
-          </a:p>
-          <a:p>
-            <a:pPr/>
+            <a:pPr marL="238776" indent="-238776" defTabSz="406908">
+              <a:spcBef>
+                <a:spcPts val="300"/>
+              </a:spcBef>
+              <a:defRPr sz="1779"/>
+            </a:pPr>
+            <a:r>
+              <a:t>Targeting</a:t>
+            </a:r>
+          </a:p>
+          <a:p>
+            <a:pPr lvl="1" marL="238776" indent="168131" defTabSz="406908">
+              <a:spcBef>
+                <a:spcPts val="300"/>
+              </a:spcBef>
+              <a:buSzTx/>
+              <a:buNone/>
+              <a:defRPr sz="1779"/>
+            </a:pPr>
+            <a:r>
+              <a:t>Politicians and </a:t>
+            </a:r>
+          </a:p>
+          <a:p>
+            <a:pPr lvl="1" marL="238776" indent="168131" defTabSz="406908">
+              <a:spcBef>
+                <a:spcPts val="300"/>
+              </a:spcBef>
+              <a:buSzTx/>
+              <a:buNone/>
+              <a:defRPr sz="1779"/>
+            </a:pPr>
+            <a:r>
+              <a:t>PA officers</a:t>
+            </a:r>
+          </a:p>
+          <a:p>
+            <a:pPr lvl="1" marL="238776" indent="168131" defTabSz="406908">
+              <a:spcBef>
+                <a:spcPts val="300"/>
+              </a:spcBef>
+              <a:buSzTx/>
+              <a:buNone/>
+              <a:defRPr sz="1779"/>
+            </a:pPr>
+          </a:p>
+          <a:p>
+            <a:pPr marL="238776" indent="-238776" defTabSz="406908">
+              <a:spcBef>
+                <a:spcPts val="300"/>
+              </a:spcBef>
+              <a:defRPr sz="1779"/>
+            </a:pPr>
+            <a:r>
+              <a:t>Primary location </a:t>
+            </a:r>
             <a:r>
               <a:rPr u="sng">
                 <a:solidFill>
@@ -4301,7 +4731,217 @@
                 </a:uFill>
                 <a:hlinkClick r:id="rId2" invalidUrl="" action="" tgtFrame="" tooltip="" history="1" highlightClick="0" endSnd="0"/>
               </a:rPr>
-              <a:t>http://www.arrowhead.eu/eclipse-arrowhead/</a:t>
+              <a:t>www.arrowhead.eu/eclipse_arrowhead</a:t>
+            </a:r>
+          </a:p>
+          <a:p>
+            <a:pPr lvl="2" marL="238776" indent="829357" defTabSz="406908">
+              <a:spcBef>
+                <a:spcPts val="300"/>
+              </a:spcBef>
+              <a:buSzTx/>
+              <a:buNone/>
+              <a:defRPr sz="1779"/>
+            </a:pPr>
+          </a:p>
+          <a:p>
+            <a:pPr lvl="1" marL="238776" indent="0" defTabSz="406908">
+              <a:spcBef>
+                <a:spcPts val="300"/>
+              </a:spcBef>
+              <a:buSzTx/>
+              <a:buNone/>
+              <a:defRPr sz="1779"/>
+            </a:pPr>
+            <a:r>
+              <a:t>Wiki addressing</a:t>
+            </a:r>
+          </a:p>
+          <a:p>
+            <a:pPr lvl="2" marL="238776" indent="829357" defTabSz="406908">
+              <a:spcBef>
+                <a:spcPts val="300"/>
+              </a:spcBef>
+              <a:buSzTx/>
+              <a:buNone/>
+              <a:defRPr sz="1779"/>
+            </a:pPr>
+            <a:r>
+              <a:t>Success storys</a:t>
+            </a:r>
+          </a:p>
+          <a:p>
+            <a:pPr lvl="3" marL="238776" indent="1272594" defTabSz="406908">
+              <a:spcBef>
+                <a:spcPts val="300"/>
+              </a:spcBef>
+              <a:buSzTx/>
+              <a:buNone/>
+              <a:defRPr sz="1779"/>
+            </a:pPr>
+            <a:r>
+              <a:t>Solution SoS architecture and capabilities</a:t>
+            </a:r>
+          </a:p>
+          <a:p>
+            <a:pPr lvl="3" marL="238776" indent="1272594" defTabSz="406908">
+              <a:spcBef>
+                <a:spcPts val="300"/>
+              </a:spcBef>
+              <a:buSzTx/>
+              <a:buNone/>
+              <a:defRPr sz="1779"/>
+            </a:pPr>
+            <a:r>
+              <a:t>Engineering process and tools</a:t>
+            </a:r>
+          </a:p>
+          <a:p>
+            <a:pPr lvl="1" marL="238776" indent="0" defTabSz="406908">
+              <a:spcBef>
+                <a:spcPts val="300"/>
+              </a:spcBef>
+              <a:buSzTx/>
+              <a:buNone/>
+              <a:defRPr sz="1779"/>
+            </a:pPr>
+            <a:r>
+              <a:t>Youtube</a:t>
+            </a:r>
+          </a:p>
+          <a:p>
+            <a:pPr lvl="2" marL="238776" indent="829357" defTabSz="406908">
+              <a:spcBef>
+                <a:spcPts val="300"/>
+              </a:spcBef>
+              <a:buSzTx/>
+              <a:buNone/>
+              <a:defRPr sz="1779"/>
+            </a:pPr>
+            <a:r>
+              <a:t>High level videos</a:t>
+            </a:r>
+          </a:p>
+        </p:txBody>
+      </p:sp>
+    </p:spTree>
+  </p:cSld>
+  <p:clrMapOvr>
+    <a:masterClrMapping/>
+  </p:clrMapOvr>
+  <p:transition xmlns:p14="http://schemas.microsoft.com/office/powerpoint/2010/main" spd="med" advClick="1"/>
+</p:sld>
+</file>
+
+<file path=ppt/slides/slide16.xml><?xml version="1.0" encoding="utf-8"?>
+<p:sld xmlns:a="http://schemas.openxmlformats.org/drawingml/2006/main" xmlns:r="http://schemas.openxmlformats.org/officeDocument/2006/relationships" xmlns:p="http://schemas.openxmlformats.org/presentationml/2006/main" xmlns:m="http://schemas.openxmlformats.org/officeDocument/2006/math" xmlns:a14="http://schemas.microsoft.com/office/drawing/2010/main" showMasterSp="1" showMasterPhAnim="1">
+  <p:cSld>
+    <p:spTree>
+      <p:nvGrpSpPr>
+        <p:cNvPr id="1" name=""/>
+        <p:cNvGrpSpPr/>
+        <p:nvPr/>
+      </p:nvGrpSpPr>
+      <p:grpSpPr>
+        <a:xfrm>
+          <a:off x="0" y="0"/>
+          <a:ext cx="0" cy="0"/>
+          <a:chOff x="0" y="0"/>
+          <a:chExt cx="0" cy="0"/>
+        </a:xfrm>
+      </p:grpSpPr>
+      <p:sp>
+        <p:nvSpPr>
+          <p:cNvPr id="143" name="Documentation availability"/>
+          <p:cNvSpPr txBox="1"/>
+          <p:nvPr>
+            <p:ph type="title"/>
+          </p:nvPr>
+        </p:nvSpPr>
+        <p:spPr>
+          <a:xfrm>
+            <a:off x="799889" y="598565"/>
+            <a:ext cx="7444938" cy="586589"/>
+          </a:xfrm>
+          <a:prstGeom prst="rect">
+            <a:avLst/>
+          </a:prstGeom>
+        </p:spPr>
+        <p:txBody>
+          <a:bodyPr/>
+          <a:lstStyle/>
+          <a:p>
+            <a:pPr/>
+            <a:r>
+              <a:t>Documentation sites</a:t>
+            </a:r>
+          </a:p>
+        </p:txBody>
+      </p:sp>
+      <p:sp>
+        <p:nvSpPr>
+          <p:cNvPr id="144" name="github.com…"/>
+          <p:cNvSpPr txBox="1"/>
+          <p:nvPr>
+            <p:ph type="body" idx="1"/>
+          </p:nvPr>
+        </p:nvSpPr>
+        <p:spPr>
+          <a:xfrm>
+            <a:off x="799889" y="1185150"/>
+            <a:ext cx="7444938" cy="4529852"/>
+          </a:xfrm>
+          <a:prstGeom prst="rect">
+            <a:avLst/>
+          </a:prstGeom>
+        </p:spPr>
+        <p:txBody>
+          <a:bodyPr/>
+          <a:lstStyle/>
+          <a:p>
+            <a:pPr>
+              <a:defRPr u="sng">
+                <a:solidFill>
+                  <a:srgbClr val="0000FF"/>
+                </a:solidFill>
+                <a:uFill>
+                  <a:solidFill>
+                    <a:srgbClr val="0000FF"/>
+                  </a:solidFill>
+                </a:uFill>
+              </a:defRPr>
+            </a:pPr>
+            <a:r>
+              <a:rPr>
+                <a:hlinkClick r:id="rId2" invalidUrl="" action="" tgtFrame="" tooltip="" history="1" highlightClick="0" endSnd="0"/>
+              </a:rPr>
+              <a:t>github.com</a:t>
+            </a:r>
+            <a:r>
+              <a:t>/eclispe-arrowhead</a:t>
+            </a:r>
+          </a:p>
+          <a:p>
+            <a:pPr>
+              <a:defRPr u="sng">
+                <a:solidFill>
+                  <a:srgbClr val="0000FF"/>
+                </a:solidFill>
+                <a:uFill>
+                  <a:solidFill>
+                    <a:srgbClr val="0000FF"/>
+                  </a:solidFill>
+                </a:uFill>
+              </a:defRPr>
+            </a:pPr>
+            <a:r>
+              <a:rPr>
+                <a:hlinkClick r:id="rId3" invalidUrl="" action="" tgtFrame="" tooltip="" history="1" highlightClick="0" endSnd="0"/>
+              </a:rPr>
+              <a:t>eclipse.org</a:t>
+            </a:r>
+            <a:r>
+              <a:t>/arrowhead</a:t>
             </a:r>
           </a:p>
           <a:p>
@@ -4316,16 +4956,736 @@
                     <a:srgbClr val="0000FF"/>
                   </a:solidFill>
                 </a:uFill>
+                <a:hlinkClick r:id="rId4" invalidUrl="" action="" tgtFrame="" tooltip="" history="1" highlightClick="0" endSnd="0"/>
+              </a:rPr>
+              <a:t>www.arrowhead.eu/eclipse_arrowhead</a:t>
+            </a:r>
+          </a:p>
+        </p:txBody>
+      </p:sp>
+    </p:spTree>
+  </p:cSld>
+  <p:clrMapOvr>
+    <a:masterClrMapping/>
+  </p:clrMapOvr>
+  <p:transition xmlns:p14="http://schemas.microsoft.com/office/powerpoint/2010/main" spd="med" advClick="1"/>
+</p:sld>
+</file>
+
+<file path=ppt/slides/slide17.xml><?xml version="1.0" encoding="utf-8"?>
+<p:sld xmlns:a="http://schemas.openxmlformats.org/drawingml/2006/main" xmlns:r="http://schemas.openxmlformats.org/officeDocument/2006/relationships" xmlns:p="http://schemas.openxmlformats.org/presentationml/2006/main" xmlns:m="http://schemas.openxmlformats.org/officeDocument/2006/math" xmlns:a14="http://schemas.microsoft.com/office/drawing/2010/main" showMasterSp="1" showMasterPhAnim="1">
+  <p:cSld>
+    <p:spTree>
+      <p:nvGrpSpPr>
+        <p:cNvPr id="1" name=""/>
+        <p:cNvGrpSpPr/>
+        <p:nvPr/>
+      </p:nvGrpSpPr>
+      <p:grpSpPr>
+        <a:xfrm>
+          <a:off x="0" y="0"/>
+          <a:ext cx="0" cy="0"/>
+          <a:chOff x="0" y="0"/>
+          <a:chExt cx="0" cy="0"/>
+        </a:xfrm>
+      </p:grpSpPr>
+      <p:sp>
+        <p:nvSpPr>
+          <p:cNvPr id="146" name="Documentation templates"/>
+          <p:cNvSpPr txBox="1"/>
+          <p:nvPr>
+            <p:ph type="title"/>
+          </p:nvPr>
+        </p:nvSpPr>
+        <p:spPr>
+          <a:xfrm>
+            <a:off x="799889" y="157717"/>
+            <a:ext cx="7444938" cy="586590"/>
+          </a:xfrm>
+          <a:prstGeom prst="rect">
+            <a:avLst/>
+          </a:prstGeom>
+        </p:spPr>
+        <p:txBody>
+          <a:bodyPr/>
+          <a:lstStyle/>
+          <a:p>
+            <a:pPr/>
+            <a:r>
+              <a:t>Documentation templates</a:t>
+            </a:r>
+          </a:p>
+        </p:txBody>
+      </p:sp>
+      <p:sp>
+        <p:nvSpPr>
+          <p:cNvPr id="147" name="Available at…"/>
+          <p:cNvSpPr txBox="1"/>
+          <p:nvPr>
+            <p:ph type="body" idx="1"/>
+          </p:nvPr>
+        </p:nvSpPr>
+        <p:spPr>
+          <a:xfrm>
+            <a:off x="799889" y="749637"/>
+            <a:ext cx="7444938" cy="4413290"/>
+          </a:xfrm>
+          <a:prstGeom prst="rect">
+            <a:avLst/>
+          </a:prstGeom>
+        </p:spPr>
+        <p:txBody>
+          <a:bodyPr/>
+          <a:lstStyle/>
+          <a:p>
+            <a:pPr marL="238776" indent="-238776" defTabSz="406908">
+              <a:spcBef>
+                <a:spcPts val="300"/>
+              </a:spcBef>
+              <a:defRPr sz="1700"/>
+            </a:pPr>
+            <a:r>
+              <a:t>Available at</a:t>
+            </a:r>
+          </a:p>
+          <a:p>
+            <a:pPr lvl="1" marL="0" indent="406906" defTabSz="406908">
+              <a:spcBef>
+                <a:spcPts val="300"/>
+              </a:spcBef>
+              <a:buSzTx/>
+              <a:buNone/>
+              <a:defRPr sz="1700" u="sng">
+                <a:solidFill>
+                  <a:srgbClr val="0000FF"/>
+                </a:solidFill>
+                <a:uFill>
+                  <a:solidFill>
+                    <a:srgbClr val="0000FF"/>
+                  </a:solidFill>
+                </a:uFill>
+              </a:defRPr>
+            </a:pPr>
+            <a:r>
+              <a:rPr>
+                <a:hlinkClick r:id="rId2" invalidUrl="" action="" tgtFrame="" tooltip="" history="1" highlightClick="0" endSnd="0"/>
+              </a:rPr>
+              <a:t>www.github.com/eclipse-arrowhead/documentation</a:t>
+            </a:r>
+          </a:p>
+          <a:p>
+            <a:pPr marL="238776" indent="-238776" defTabSz="406908">
+              <a:spcBef>
+                <a:spcPts val="300"/>
+              </a:spcBef>
+              <a:defRPr sz="1700"/>
+            </a:pPr>
+            <a:r>
+              <a:t>Linked from </a:t>
+            </a:r>
+          </a:p>
+          <a:p>
+            <a:pPr lvl="1" marL="0" indent="406906" defTabSz="406908">
+              <a:spcBef>
+                <a:spcPts val="300"/>
+              </a:spcBef>
+              <a:buSzTx/>
+              <a:buNone/>
+              <a:defRPr sz="1700" u="sng">
+                <a:solidFill>
+                  <a:srgbClr val="0000FF"/>
+                </a:solidFill>
+                <a:uFill>
+                  <a:solidFill>
+                    <a:srgbClr val="0000FF"/>
+                  </a:solidFill>
+                </a:uFill>
+              </a:defRPr>
+            </a:pPr>
+            <a:r>
+              <a:rPr>
                 <a:hlinkClick r:id="rId3" invalidUrl="" action="" tgtFrame="" tooltip="" history="1" highlightClick="0" endSnd="0"/>
               </a:rPr>
-              <a:t>http://www.github.com/eclispe-arrowhead/</a:t>
-            </a:r>
-          </a:p>
+              <a:t>www.arrowhead.eu/eclipsearrowhead</a:t>
+            </a:r>
+          </a:p>
+          <a:p>
+            <a:pPr lvl="1" marL="0" indent="406906" defTabSz="406908">
+              <a:spcBef>
+                <a:spcPts val="300"/>
+              </a:spcBef>
+              <a:buSzTx/>
+              <a:buNone/>
+              <a:defRPr sz="1700" u="sng">
+                <a:solidFill>
+                  <a:srgbClr val="0000FF"/>
+                </a:solidFill>
+                <a:uFill>
+                  <a:solidFill>
+                    <a:srgbClr val="0000FF"/>
+                  </a:solidFill>
+                </a:uFill>
+              </a:defRPr>
+            </a:pPr>
+            <a:r>
+              <a:rPr>
+                <a:hlinkClick r:id="rId4" invalidUrl="" action="" tgtFrame="" tooltip="" history="1" highlightClick="0" endSnd="0"/>
+              </a:rPr>
+              <a:t>www.eclipse.org/arrowhead</a:t>
+            </a:r>
+          </a:p>
+          <a:p>
+            <a:pPr marL="169543" indent="-169543" defTabSz="406908">
+              <a:spcBef>
+                <a:spcPts val="500"/>
+              </a:spcBef>
+              <a:buSzPct val="100000"/>
+              <a:buFont typeface="Arial"/>
+              <a:buChar char="•"/>
+              <a:defRPr sz="1700">
+                <a:solidFill>
+                  <a:srgbClr val="162852"/>
+                </a:solidFill>
+                <a:latin typeface="Arial"/>
+                <a:ea typeface="Arial"/>
+                <a:cs typeface="Arial"/>
+                <a:sym typeface="Arial"/>
+              </a:defRPr>
+            </a:pPr>
+            <a:r>
+              <a:t>SoSD Eclipse Arrowhead.docx (to be updated)</a:t>
+            </a:r>
+          </a:p>
+          <a:p>
+            <a:pPr marL="169543" indent="-169543" defTabSz="406908">
+              <a:spcBef>
+                <a:spcPts val="500"/>
+              </a:spcBef>
+              <a:buSzPct val="100000"/>
+              <a:buFont typeface="Arial"/>
+              <a:buChar char="•"/>
+              <a:defRPr sz="1700">
+                <a:solidFill>
+                  <a:srgbClr val="162852"/>
+                </a:solidFill>
+                <a:latin typeface="Arial"/>
+                <a:ea typeface="Arial"/>
+                <a:cs typeface="Arial"/>
+                <a:sym typeface="Arial"/>
+              </a:defRPr>
+            </a:pPr>
+            <a:r>
+              <a:t>SysD_template_v4.2.docx</a:t>
+            </a:r>
+          </a:p>
+          <a:p>
+            <a:pPr marL="169543" indent="-169543" defTabSz="406908">
+              <a:spcBef>
+                <a:spcPts val="500"/>
+              </a:spcBef>
+              <a:buSzPct val="100000"/>
+              <a:buFont typeface="Arial"/>
+              <a:buChar char="•"/>
+              <a:defRPr sz="1700">
+                <a:solidFill>
+                  <a:srgbClr val="162852"/>
+                </a:solidFill>
+                <a:latin typeface="Arial"/>
+                <a:ea typeface="Arial"/>
+                <a:cs typeface="Arial"/>
+                <a:sym typeface="Arial"/>
+              </a:defRPr>
+            </a:pPr>
+            <a:r>
+              <a:t>SysDD_template_v4.2.docx</a:t>
+            </a:r>
+          </a:p>
+          <a:p>
+            <a:pPr marL="169543" indent="-169543" defTabSz="406908">
+              <a:spcBef>
+                <a:spcPts val="500"/>
+              </a:spcBef>
+              <a:buSzPct val="100000"/>
+              <a:buFont typeface="Arial"/>
+              <a:buChar char="•"/>
+              <a:defRPr sz="1700">
+                <a:solidFill>
+                  <a:srgbClr val="162852"/>
+                </a:solidFill>
+                <a:latin typeface="Arial"/>
+                <a:ea typeface="Arial"/>
+                <a:cs typeface="Arial"/>
+                <a:sym typeface="Arial"/>
+              </a:defRPr>
+            </a:pPr>
+            <a:r>
+              <a:t>SD_template v4.2.docx</a:t>
+            </a:r>
+          </a:p>
+          <a:p>
+            <a:pPr marL="169543" indent="-169543" defTabSz="406908">
+              <a:spcBef>
+                <a:spcPts val="500"/>
+              </a:spcBef>
+              <a:buSzPct val="100000"/>
+              <a:buFont typeface="Arial"/>
+              <a:buChar char="•"/>
+              <a:defRPr sz="1700">
+                <a:solidFill>
+                  <a:srgbClr val="162852"/>
+                </a:solidFill>
+                <a:latin typeface="Arial"/>
+                <a:ea typeface="Arial"/>
+                <a:cs typeface="Arial"/>
+                <a:sym typeface="Arial"/>
+              </a:defRPr>
+            </a:pPr>
+            <a:r>
+              <a:t>IDD_template v4.2.docx (now includes CP and SP)</a:t>
+            </a:r>
+          </a:p>
+          <a:p>
+            <a:pPr marL="169543" indent="-169543" defTabSz="406908">
+              <a:spcBef>
+                <a:spcPts val="500"/>
+              </a:spcBef>
+              <a:buSzPct val="100000"/>
+              <a:buFont typeface="Arial"/>
+              <a:buChar char="•"/>
+              <a:defRPr sz="1700">
+                <a:solidFill>
+                  <a:srgbClr val="162852"/>
+                </a:solidFill>
+                <a:latin typeface="Arial"/>
+                <a:ea typeface="Arial"/>
+                <a:cs typeface="Arial"/>
+                <a:sym typeface="Arial"/>
+              </a:defRPr>
+            </a:pPr>
+            <a:r>
+              <a:t>Latex templates are also available</a:t>
+            </a:r>
+          </a:p>
+          <a:p>
+            <a:pPr marL="169543" indent="-169543" defTabSz="406908">
+              <a:spcBef>
+                <a:spcPts val="500"/>
+              </a:spcBef>
+              <a:buSzPct val="100000"/>
+              <a:buFont typeface="Arial"/>
+              <a:buChar char="•"/>
+              <a:defRPr sz="1700">
+                <a:solidFill>
+                  <a:srgbClr val="162852"/>
+                </a:solidFill>
+                <a:latin typeface="Arial"/>
+                <a:ea typeface="Arial"/>
+                <a:cs typeface="Arial"/>
+                <a:sym typeface="Arial"/>
+              </a:defRPr>
+            </a:pPr>
+            <a:r>
+              <a:t>Can proper documentation be generated from SysML models?</a:t>
+            </a:r>
+          </a:p>
+          <a:p>
+            <a:pPr marL="169543" indent="-169543" defTabSz="406908">
+              <a:spcBef>
+                <a:spcPts val="500"/>
+              </a:spcBef>
+              <a:buSzPct val="100000"/>
+              <a:buFont typeface="Arial"/>
+              <a:buChar char="•"/>
+              <a:defRPr sz="1700">
+                <a:solidFill>
+                  <a:srgbClr val="162852"/>
+                </a:solidFill>
+                <a:latin typeface="Arial"/>
+                <a:ea typeface="Arial"/>
+                <a:cs typeface="Arial"/>
+                <a:sym typeface="Arial"/>
+              </a:defRPr>
+            </a:pPr>
+            <a:r>
+              <a:t>Can code and correct documentation be validated/verified </a:t>
+            </a:r>
+          </a:p>
+        </p:txBody>
+      </p:sp>
+    </p:spTree>
+  </p:cSld>
+  <p:clrMapOvr>
+    <a:masterClrMapping/>
+  </p:clrMapOvr>
+  <p:transition xmlns:p14="http://schemas.microsoft.com/office/powerpoint/2010/main" spd="med" advClick="1"/>
+</p:sld>
+</file>
+
+<file path=ppt/slides/slide18.xml><?xml version="1.0" encoding="utf-8"?>
+<p:sld xmlns:a="http://schemas.openxmlformats.org/drawingml/2006/main" xmlns:r="http://schemas.openxmlformats.org/officeDocument/2006/relationships" xmlns:p="http://schemas.openxmlformats.org/presentationml/2006/main" xmlns:m="http://schemas.openxmlformats.org/officeDocument/2006/math" xmlns:a14="http://schemas.microsoft.com/office/drawing/2010/main" showMasterSp="1" showMasterPhAnim="1">
+  <p:cSld>
+    <p:spTree>
+      <p:nvGrpSpPr>
+        <p:cNvPr id="1" name=""/>
+        <p:cNvGrpSpPr/>
+        <p:nvPr/>
+      </p:nvGrpSpPr>
+      <p:grpSpPr>
+        <a:xfrm>
+          <a:off x="0" y="0"/>
+          <a:ext cx="0" cy="0"/>
+          <a:chOff x="0" y="0"/>
+          <a:chExt cx="0" cy="0"/>
+        </a:xfrm>
+      </p:grpSpPr>
+      <p:sp>
+        <p:nvSpPr>
+          <p:cNvPr id="149" name="Committers and contributors"/>
+          <p:cNvSpPr txBox="1"/>
+          <p:nvPr>
+            <p:ph type="title"/>
+          </p:nvPr>
+        </p:nvSpPr>
+        <p:spPr>
+          <a:xfrm>
+            <a:off x="799889" y="612784"/>
+            <a:ext cx="7444938" cy="586590"/>
+          </a:xfrm>
+          <a:prstGeom prst="rect">
+            <a:avLst/>
+          </a:prstGeom>
+        </p:spPr>
+        <p:txBody>
+          <a:bodyPr/>
+          <a:lstStyle/>
           <a:p>
             <a:pPr/>
-          </a:p>
+            <a:r>
+              <a:t>Committers and contributors</a:t>
+            </a:r>
+          </a:p>
+        </p:txBody>
+      </p:sp>
+      <p:sp>
+        <p:nvSpPr>
+          <p:cNvPr id="150" name="A committer for each decided core system…"/>
+          <p:cNvSpPr txBox="1"/>
+          <p:nvPr>
+            <p:ph type="body" idx="1"/>
+          </p:nvPr>
+        </p:nvSpPr>
+        <p:spPr>
+          <a:xfrm>
+            <a:off x="799889" y="1185150"/>
+            <a:ext cx="7444938" cy="4529852"/>
+          </a:xfrm>
+          <a:prstGeom prst="rect">
+            <a:avLst/>
+          </a:prstGeom>
+        </p:spPr>
+        <p:txBody>
+          <a:bodyPr/>
+          <a:lstStyle/>
           <a:p>
             <a:pPr/>
+            <a:r>
+              <a:t>A committer for each decided core system</a:t>
+            </a:r>
+          </a:p>
+          <a:p>
+            <a:pPr lvl="1" marL="0" indent="457199">
+              <a:buSzTx/>
+              <a:buNone/>
+            </a:pPr>
+            <a:r>
+              <a:t>Multiple contributors is desired</a:t>
+            </a:r>
+          </a:p>
+          <a:p>
+            <a:pPr/>
+          </a:p>
+          <a:p>
+            <a:pPr/>
+            <a:r>
+              <a:t>Committers meetings</a:t>
+            </a:r>
+          </a:p>
+          <a:p>
+            <a:pPr lvl="1" marL="0" indent="457199">
+              <a:buSzTx/>
+              <a:buNone/>
+            </a:pPr>
+            <a:r>
+              <a:t>Organised by Jerker and Pal</a:t>
+            </a:r>
+          </a:p>
+          <a:p>
+            <a:pPr lvl="1" marL="0" indent="457199">
+              <a:buSzTx/>
+              <a:buNone/>
+            </a:pPr>
+          </a:p>
+          <a:p>
+            <a:pPr/>
+            <a:r>
+              <a:t>Contributors meetings - Eclipse Arrowhead bi-weekly </a:t>
+            </a:r>
+          </a:p>
+          <a:p>
+            <a:pPr lvl="1" marL="0" indent="457199">
+              <a:buSzTx/>
+              <a:buNone/>
+            </a:pPr>
+            <a:r>
+              <a:t>Organised by Jerker and Pal</a:t>
+            </a:r>
+          </a:p>
+        </p:txBody>
+      </p:sp>
+    </p:spTree>
+  </p:cSld>
+  <p:clrMapOvr>
+    <a:masterClrMapping/>
+  </p:clrMapOvr>
+  <p:transition xmlns:p14="http://schemas.microsoft.com/office/powerpoint/2010/main" spd="med" advClick="1"/>
+</p:sld>
+</file>
+
+<file path=ppt/slides/slide19.xml><?xml version="1.0" encoding="utf-8"?>
+<p:sld xmlns:a="http://schemas.openxmlformats.org/drawingml/2006/main" xmlns:r="http://schemas.openxmlformats.org/officeDocument/2006/relationships" xmlns:p="http://schemas.openxmlformats.org/presentationml/2006/main" xmlns:m="http://schemas.openxmlformats.org/officeDocument/2006/math" xmlns:a14="http://schemas.microsoft.com/office/drawing/2010/main" show="0" showMasterSp="1" showMasterPhAnim="1">
+  <p:cSld>
+    <p:spTree>
+      <p:nvGrpSpPr>
+        <p:cNvPr id="1" name=""/>
+        <p:cNvGrpSpPr/>
+        <p:nvPr/>
+      </p:nvGrpSpPr>
+      <p:grpSpPr>
+        <a:xfrm>
+          <a:off x="0" y="0"/>
+          <a:ext cx="0" cy="0"/>
+          <a:chOff x="0" y="0"/>
+          <a:chExt cx="0" cy="0"/>
+        </a:xfrm>
+      </p:grpSpPr>
+      <p:sp>
+        <p:nvSpPr>
+          <p:cNvPr id="152" name="Roadmap for GitHub.com/eclipse/arrowhead-f repos"/>
+          <p:cNvSpPr txBox="1"/>
+          <p:nvPr>
+            <p:ph type="title"/>
+          </p:nvPr>
+        </p:nvSpPr>
+        <p:spPr>
+          <a:xfrm>
+            <a:off x="799889" y="598565"/>
+            <a:ext cx="7444938" cy="586589"/>
+          </a:xfrm>
+          <a:prstGeom prst="rect">
+            <a:avLst/>
+          </a:prstGeom>
+        </p:spPr>
+        <p:txBody>
+          <a:bodyPr/>
+          <a:lstStyle>
+            <a:lvl1pPr defTabSz="342900">
+              <a:defRPr sz="2700"/>
+            </a:lvl1pPr>
+          </a:lstStyle>
+          <a:p>
+            <a:pPr/>
+            <a:r>
+              <a:t>Roadmap for GitHub.com/eclipse/arrowhead-f repos</a:t>
+            </a:r>
+          </a:p>
+        </p:txBody>
+      </p:sp>
+      <p:sp>
+        <p:nvSpPr>
+          <p:cNvPr id="153" name="One repo per core system, libs, installation, architecture, tools?…"/>
+          <p:cNvSpPr txBox="1"/>
+          <p:nvPr>
+            <p:ph type="body" idx="1"/>
+          </p:nvPr>
+        </p:nvSpPr>
+        <p:spPr>
+          <a:xfrm>
+            <a:off x="799889" y="1185150"/>
+            <a:ext cx="7444938" cy="4529852"/>
+          </a:xfrm>
+          <a:prstGeom prst="rect">
+            <a:avLst/>
+          </a:prstGeom>
+        </p:spPr>
+        <p:txBody>
+          <a:bodyPr/>
+          <a:lstStyle/>
+          <a:p>
+            <a:pPr marL="238776" indent="-238776" defTabSz="406908">
+              <a:spcBef>
+                <a:spcPts val="300"/>
+              </a:spcBef>
+              <a:defRPr sz="1700"/>
+            </a:pPr>
+            <a:r>
+              <a:t>One repo per core system, libs, installation, architecture, tools?</a:t>
+            </a:r>
+          </a:p>
+          <a:p>
+            <a:pPr lvl="1" marL="0" indent="406906" defTabSz="406908">
+              <a:spcBef>
+                <a:spcPts val="300"/>
+              </a:spcBef>
+              <a:buSzTx/>
+              <a:buNone/>
+              <a:defRPr sz="1700"/>
+            </a:pPr>
+            <a:r>
+              <a:t>Architecture - Generic SoSDD, pdf, MarkDown</a:t>
+            </a:r>
+          </a:p>
+          <a:p>
+            <a:pPr lvl="2" marL="0" indent="813814" defTabSz="406908">
+              <a:spcBef>
+                <a:spcPts val="300"/>
+              </a:spcBef>
+              <a:buSzTx/>
+              <a:buNone/>
+              <a:defRPr sz="1700"/>
+            </a:pPr>
+            <a:r>
+              <a:t>SysML models</a:t>
+            </a:r>
+            <a:br/>
+          </a:p>
+          <a:p>
+            <a:pPr lvl="1" marL="0" indent="406906" defTabSz="406908">
+              <a:spcBef>
+                <a:spcPts val="300"/>
+              </a:spcBef>
+              <a:buSzTx/>
+              <a:buNone/>
+              <a:defRPr sz="1700"/>
+            </a:pPr>
+            <a:r>
+              <a:t>Reference-implementation</a:t>
+            </a:r>
+          </a:p>
+          <a:p>
+            <a:pPr lvl="1" marL="0" indent="406906" defTabSz="406908">
+              <a:spcBef>
+                <a:spcPts val="300"/>
+              </a:spcBef>
+              <a:buSzTx/>
+              <a:buNone/>
+              <a:defRPr sz="1700"/>
+            </a:pPr>
+            <a:r>
+              <a:t>.</a:t>
+            </a:r>
+          </a:p>
+          <a:p>
+            <a:pPr lvl="1" marL="0" indent="406906" defTabSz="406908">
+              <a:spcBef>
+                <a:spcPts val="300"/>
+              </a:spcBef>
+              <a:buSzTx/>
+              <a:buNone/>
+              <a:defRPr sz="1700"/>
+            </a:pPr>
+            <a:r>
+              <a:t>Arrowhead-core-Java</a:t>
+            </a:r>
+          </a:p>
+          <a:p>
+            <a:pPr lvl="1" marL="0" indent="406906" defTabSz="406908">
+              <a:spcBef>
+                <a:spcPts val="300"/>
+              </a:spcBef>
+              <a:buSzTx/>
+              <a:buNone/>
+              <a:defRPr sz="1700"/>
+            </a:pPr>
+            <a:r>
+              <a:t>.</a:t>
+            </a:r>
+          </a:p>
+          <a:p>
+            <a:pPr lvl="1" marL="0" indent="406906" defTabSz="406908">
+              <a:spcBef>
+                <a:spcPts val="300"/>
+              </a:spcBef>
+              <a:buSzTx/>
+              <a:buNone/>
+              <a:defRPr sz="1700"/>
+            </a:pPr>
+            <a:r>
+              <a:t>.</a:t>
+            </a:r>
+          </a:p>
+          <a:p>
+            <a:pPr lvl="1" marL="0" indent="406906" defTabSz="406908">
+              <a:spcBef>
+                <a:spcPts val="300"/>
+              </a:spcBef>
+              <a:buSzTx/>
+              <a:buNone/>
+              <a:defRPr sz="1700"/>
+            </a:pPr>
+            <a:r>
+              <a:t>Documentation style as of ContractProxy_Java  - May be used as role model for each repo?</a:t>
+            </a:r>
+          </a:p>
+          <a:p>
+            <a:pPr lvl="1" marL="0" indent="406906" defTabSz="406908">
+              <a:spcBef>
+                <a:spcPts val="300"/>
+              </a:spcBef>
+              <a:buSzTx/>
+              <a:buNone/>
+              <a:defRPr sz="1700" u="sng">
+                <a:solidFill>
+                  <a:srgbClr val="0000FF"/>
+                </a:solidFill>
+                <a:uFill>
+                  <a:solidFill>
+                    <a:srgbClr val="0000FF"/>
+                  </a:solidFill>
+                </a:uFill>
+              </a:defRPr>
+            </a:pPr>
+            <a:r>
+              <a:rPr>
+                <a:hlinkClick r:id="rId2" invalidUrl="" action="" tgtFrame="" tooltip="" history="1" highlightClick="0" endSnd="0"/>
+              </a:rPr>
+              <a:t>https://github.com/arrowhead-f/arrowhead-contract-proxy</a:t>
+            </a:r>
+          </a:p>
+          <a:p>
+            <a:pPr lvl="1" marL="0" indent="406906" defTabSz="406908">
+              <a:spcBef>
+                <a:spcPts val="300"/>
+              </a:spcBef>
+              <a:buSzTx/>
+              <a:buNone/>
+              <a:defRPr sz="1700"/>
+            </a:pPr>
+            <a:r>
+              <a:t>.</a:t>
+            </a:r>
+          </a:p>
+          <a:p>
+            <a:pPr lvl="1" marL="0" indent="406906" defTabSz="406908">
+              <a:spcBef>
+                <a:spcPts val="300"/>
+              </a:spcBef>
+              <a:buSzTx/>
+              <a:buNone/>
+              <a:defRPr sz="1700"/>
+            </a:pPr>
+            <a:r>
+              <a:t>.</a:t>
+            </a:r>
           </a:p>
         </p:txBody>
       </p:sp>
@@ -4357,13 +5717,17 @@
       </p:grpSpPr>
       <p:sp>
         <p:nvSpPr>
-          <p:cNvPr id="99" name="Roadmap vs bug fixing"/>
+          <p:cNvPr id="101" name="Roadmap vs bug fixing"/>
           <p:cNvSpPr txBox="1"/>
           <p:nvPr>
             <p:ph type="title"/>
           </p:nvPr>
         </p:nvSpPr>
         <p:spPr>
+          <a:xfrm>
+            <a:off x="799889" y="598565"/>
+            <a:ext cx="7444938" cy="586589"/>
+          </a:xfrm>
           <a:prstGeom prst="rect">
             <a:avLst/>
           </a:prstGeom>
@@ -4381,13 +5745,17 @@
       </p:sp>
       <p:sp>
         <p:nvSpPr>
-          <p:cNvPr id="100" name="Bug fixing…"/>
+          <p:cNvPr id="102" name="Bug fixing…"/>
           <p:cNvSpPr txBox="1"/>
           <p:nvPr>
             <p:ph type="body" idx="1"/>
           </p:nvPr>
         </p:nvSpPr>
         <p:spPr>
+          <a:xfrm>
+            <a:off x="799889" y="1185150"/>
+            <a:ext cx="7444938" cy="4529852"/>
+          </a:xfrm>
           <a:prstGeom prst="rect">
             <a:avLst/>
           </a:prstGeom>
@@ -4405,13 +5773,13 @@
             </a:r>
           </a:p>
           <a:p>
-            <a:pPr lvl="1" marL="581526" indent="-200526"/>
+            <a:pPr lvl="1" marL="581525" indent="-200525"/>
             <a:r>
               <a:t>Updating released system to fulfil current documentation</a:t>
             </a:r>
           </a:p>
           <a:p>
-            <a:pPr lvl="1" marL="581526" indent="-200526"/>
+            <a:pPr lvl="1" marL="581525" indent="-200525"/>
           </a:p>
           <a:p>
             <a:pPr marL="200526" indent="-200526">
@@ -4423,27 +5791,369 @@
             </a:r>
           </a:p>
           <a:p>
-            <a:pPr lvl="1" marL="581526" indent="-200526"/>
+            <a:pPr lvl="1" marL="581525" indent="-200525"/>
             <a:r>
               <a:t>Any enhancements over existing documentation regarding:</a:t>
             </a:r>
           </a:p>
           <a:p>
-            <a:pPr lvl="2" marL="962526" indent="-200526"/>
+            <a:pPr lvl="2" marL="962526" indent="-200525"/>
             <a:r>
               <a:t>Architecture</a:t>
             </a:r>
           </a:p>
           <a:p>
-            <a:pPr lvl="2" marL="962526" indent="-200526"/>
+            <a:pPr lvl="2" marL="962526" indent="-200525"/>
             <a:r>
               <a:t>Released  core systems</a:t>
             </a:r>
           </a:p>
           <a:p>
-            <a:pPr lvl="2" marL="962526" indent="-200526"/>
+            <a:pPr lvl="2" marL="962526" indent="-200525"/>
             <a:r>
               <a:t>Addition of new core system</a:t>
+            </a:r>
+          </a:p>
+        </p:txBody>
+      </p:sp>
+    </p:spTree>
+  </p:cSld>
+  <p:clrMapOvr>
+    <a:masterClrMapping/>
+  </p:clrMapOvr>
+  <p:transition xmlns:p14="http://schemas.microsoft.com/office/powerpoint/2010/main" spd="med" advClick="1"/>
+</p:sld>
+</file>
+
+<file path=ppt/slides/slide20.xml><?xml version="1.0" encoding="utf-8"?>
+<p:sld xmlns:a="http://schemas.openxmlformats.org/drawingml/2006/main" xmlns:r="http://schemas.openxmlformats.org/officeDocument/2006/relationships" xmlns:p="http://schemas.openxmlformats.org/presentationml/2006/main" xmlns:m="http://schemas.openxmlformats.org/officeDocument/2006/math" xmlns:a14="http://schemas.microsoft.com/office/drawing/2010/main" showMasterSp="1" showMasterPhAnim="1">
+  <p:cSld>
+    <p:spTree>
+      <p:nvGrpSpPr>
+        <p:cNvPr id="1" name=""/>
+        <p:cNvGrpSpPr/>
+        <p:nvPr/>
+      </p:nvGrpSpPr>
+      <p:grpSpPr>
+        <a:xfrm>
+          <a:off x="0" y="0"/>
+          <a:ext cx="0" cy="0"/>
+          <a:chOff x="0" y="0"/>
+          <a:chExt cx="0" cy="0"/>
+        </a:xfrm>
+      </p:grpSpPr>
+      <p:sp>
+        <p:nvSpPr>
+          <p:cNvPr id="155" name="CI/CD process"/>
+          <p:cNvSpPr txBox="1"/>
+          <p:nvPr>
+            <p:ph type="title"/>
+          </p:nvPr>
+        </p:nvSpPr>
+        <p:spPr>
+          <a:xfrm>
+            <a:off x="799889" y="598565"/>
+            <a:ext cx="7444938" cy="586589"/>
+          </a:xfrm>
+          <a:prstGeom prst="rect">
+            <a:avLst/>
+          </a:prstGeom>
+        </p:spPr>
+        <p:txBody>
+          <a:bodyPr/>
+          <a:lstStyle/>
+          <a:p>
+            <a:pPr lvl="1"/>
+            <a:r>
+              <a:t>CI/CD process</a:t>
+            </a:r>
+          </a:p>
+        </p:txBody>
+      </p:sp>
+      <p:sp>
+        <p:nvSpPr>
+          <p:cNvPr id="156" name="Pull request…"/>
+          <p:cNvSpPr txBox="1"/>
+          <p:nvPr>
+            <p:ph type="body" idx="1"/>
+          </p:nvPr>
+        </p:nvSpPr>
+        <p:spPr>
+          <a:xfrm>
+            <a:off x="799889" y="1185150"/>
+            <a:ext cx="7444938" cy="4529852"/>
+          </a:xfrm>
+          <a:prstGeom prst="rect">
+            <a:avLst/>
+          </a:prstGeom>
+        </p:spPr>
+        <p:txBody>
+          <a:bodyPr/>
+          <a:lstStyle/>
+          <a:p>
+            <a:pPr marL="257556" indent="-257556" defTabSz="438911">
+              <a:spcBef>
+                <a:spcPts val="300"/>
+              </a:spcBef>
+              <a:defRPr sz="1900"/>
+            </a:pPr>
+            <a:r>
+              <a:t>Pull request </a:t>
+            </a:r>
+          </a:p>
+          <a:p>
+            <a:pPr lvl="1" marL="0" indent="438911" defTabSz="438911">
+              <a:spcBef>
+                <a:spcPts val="300"/>
+              </a:spcBef>
+              <a:buSzTx/>
+              <a:buNone/>
+              <a:defRPr sz="1900"/>
+            </a:pPr>
+            <a:r>
+              <a:t>Checklist</a:t>
+            </a:r>
+          </a:p>
+          <a:p>
+            <a:pPr lvl="1" marL="0" indent="438911" defTabSz="438911">
+              <a:spcBef>
+                <a:spcPts val="300"/>
+              </a:spcBef>
+              <a:buSzTx/>
+              <a:buNone/>
+              <a:defRPr sz="1900"/>
+            </a:pPr>
+          </a:p>
+          <a:p>
+            <a:pPr marL="257556" indent="-257556" defTabSz="438911">
+              <a:spcBef>
+                <a:spcPts val="300"/>
+              </a:spcBef>
+              <a:defRPr sz="1900"/>
+            </a:pPr>
+            <a:r>
+              <a:t>Release checklist</a:t>
+            </a:r>
+          </a:p>
+          <a:p>
+            <a:pPr lvl="1" marL="0" indent="438911" defTabSz="438911">
+              <a:spcBef>
+                <a:spcPts val="300"/>
+              </a:spcBef>
+              <a:buSzTx/>
+              <a:buNone/>
+              <a:defRPr sz="1900"/>
+            </a:pPr>
+            <a:r>
+              <a:t>Code integration</a:t>
+            </a:r>
+          </a:p>
+          <a:p>
+            <a:pPr lvl="1" marL="0" indent="438911" defTabSz="438911">
+              <a:spcBef>
+                <a:spcPts val="300"/>
+              </a:spcBef>
+              <a:buSzTx/>
+              <a:buNone/>
+              <a:defRPr sz="1900"/>
+            </a:pPr>
+            <a:r>
+              <a:t>Code checking</a:t>
+            </a:r>
+          </a:p>
+          <a:p>
+            <a:pPr marL="257556" indent="-257556" defTabSz="438911">
+              <a:spcBef>
+                <a:spcPts val="300"/>
+              </a:spcBef>
+              <a:defRPr sz="1900"/>
+            </a:pPr>
+          </a:p>
+          <a:p>
+            <a:pPr lvl="1" marL="0" indent="438911" defTabSz="438911">
+              <a:spcBef>
+                <a:spcPts val="300"/>
+              </a:spcBef>
+              <a:buSzTx/>
+              <a:buNone/>
+              <a:defRPr sz="1900"/>
+            </a:pPr>
+            <a:r>
+              <a:t>Add</a:t>
+            </a:r>
+          </a:p>
+          <a:p>
+            <a:pPr lvl="2" marL="0" indent="877822" defTabSz="438911">
+              <a:spcBef>
+                <a:spcPts val="300"/>
+              </a:spcBef>
+              <a:buSzTx/>
+              <a:buNone/>
+              <a:defRPr sz="1900"/>
+            </a:pPr>
+            <a:r>
+              <a:t>Integration to other core systems</a:t>
+            </a:r>
+          </a:p>
+          <a:p>
+            <a:pPr lvl="2" marL="0" indent="877822" defTabSz="438911">
+              <a:spcBef>
+                <a:spcPts val="300"/>
+              </a:spcBef>
+              <a:buSzTx/>
+              <a:buNone/>
+              <a:defRPr sz="1900"/>
+            </a:pPr>
+            <a:r>
+              <a:t>Eclipse IPR checking</a:t>
+            </a:r>
+          </a:p>
+          <a:p>
+            <a:pPr lvl="2" marL="0" indent="877822" defTabSz="438911">
+              <a:spcBef>
+                <a:spcPts val="300"/>
+              </a:spcBef>
+              <a:buSzTx/>
+              <a:buNone/>
+              <a:defRPr sz="1900"/>
+            </a:pPr>
+            <a:r>
+              <a:t>Document checking</a:t>
+            </a:r>
+          </a:p>
+          <a:p>
+            <a:pPr lvl="2" marL="0" indent="877822" defTabSz="438911">
+              <a:spcBef>
+                <a:spcPts val="300"/>
+              </a:spcBef>
+              <a:buSzTx/>
+              <a:buNone/>
+              <a:defRPr sz="1900"/>
+            </a:pPr>
+            <a:r>
+              <a:t>SysML code</a:t>
+            </a:r>
+          </a:p>
+        </p:txBody>
+      </p:sp>
+    </p:spTree>
+  </p:cSld>
+  <p:clrMapOvr>
+    <a:masterClrMapping/>
+  </p:clrMapOvr>
+  <p:transition xmlns:p14="http://schemas.microsoft.com/office/powerpoint/2010/main" spd="med" advClick="1"/>
+</p:sld>
+</file>
+
+<file path=ppt/slides/slide21.xml><?xml version="1.0" encoding="utf-8"?>
+<p:sld xmlns:a="http://schemas.openxmlformats.org/drawingml/2006/main" xmlns:r="http://schemas.openxmlformats.org/officeDocument/2006/relationships" xmlns:p="http://schemas.openxmlformats.org/presentationml/2006/main" xmlns:m="http://schemas.openxmlformats.org/officeDocument/2006/math" xmlns:a14="http://schemas.microsoft.com/office/drawing/2010/main" showMasterSp="1" showMasterPhAnim="1">
+  <p:cSld>
+    <p:spTree>
+      <p:nvGrpSpPr>
+        <p:cNvPr id="1" name=""/>
+        <p:cNvGrpSpPr/>
+        <p:nvPr/>
+      </p:nvGrpSpPr>
+      <p:grpSpPr>
+        <a:xfrm>
+          <a:off x="0" y="0"/>
+          <a:ext cx="0" cy="0"/>
+          <a:chOff x="0" y="0"/>
+          <a:chExt cx="0" cy="0"/>
+        </a:xfrm>
+      </p:grpSpPr>
+      <p:sp>
+        <p:nvSpPr>
+          <p:cNvPr id="158" name="Packages availability"/>
+          <p:cNvSpPr txBox="1"/>
+          <p:nvPr>
+            <p:ph type="title"/>
+          </p:nvPr>
+        </p:nvSpPr>
+        <p:spPr>
+          <a:xfrm>
+            <a:off x="799889" y="598565"/>
+            <a:ext cx="7444938" cy="586589"/>
+          </a:xfrm>
+          <a:prstGeom prst="rect">
+            <a:avLst/>
+          </a:prstGeom>
+        </p:spPr>
+        <p:txBody>
+          <a:bodyPr/>
+          <a:lstStyle/>
+          <a:p>
+            <a:pPr/>
+            <a:r>
+              <a:t>Packages availability</a:t>
+            </a:r>
+          </a:p>
+        </p:txBody>
+      </p:sp>
+      <p:sp>
+        <p:nvSpPr>
+          <p:cNvPr id="159" name="Packages for various platforms will be made available at:…"/>
+          <p:cNvSpPr txBox="1"/>
+          <p:nvPr>
+            <p:ph type="body" idx="1"/>
+          </p:nvPr>
+        </p:nvSpPr>
+        <p:spPr>
+          <a:xfrm>
+            <a:off x="799889" y="1185150"/>
+            <a:ext cx="7444938" cy="4529852"/>
+          </a:xfrm>
+          <a:prstGeom prst="rect">
+            <a:avLst/>
+          </a:prstGeom>
+        </p:spPr>
+        <p:txBody>
+          <a:bodyPr/>
+          <a:lstStyle/>
+          <a:p>
+            <a:pPr/>
+            <a:r>
+              <a:t>Packages for various platforms will be made available at:</a:t>
+            </a:r>
+          </a:p>
+          <a:p>
+            <a:pPr>
+              <a:defRPr u="sng">
+                <a:solidFill>
+                  <a:srgbClr val="0000FF"/>
+                </a:solidFill>
+                <a:uFill>
+                  <a:solidFill>
+                    <a:srgbClr val="0000FF"/>
+                  </a:solidFill>
+                </a:uFill>
+              </a:defRPr>
+            </a:pPr>
+            <a:r>
+              <a:rPr>
+                <a:hlinkClick r:id="rId2" invalidUrl="" action="" tgtFrame="" tooltip="" history="1" highlightClick="0" endSnd="0"/>
+              </a:rPr>
+              <a:t>http://www.arrowhead.eu/eclipse-arrowhead/</a:t>
+            </a:r>
+          </a:p>
+          <a:p>
+            <a:pPr>
+              <a:defRPr u="sng">
+                <a:solidFill>
+                  <a:srgbClr val="0000FF"/>
+                </a:solidFill>
+                <a:uFill>
+                  <a:solidFill>
+                    <a:srgbClr val="0000FF"/>
+                  </a:solidFill>
+                </a:uFill>
+              </a:defRPr>
+            </a:pPr>
+            <a:r>
+              <a:rPr>
+                <a:hlinkClick r:id="rId3" invalidUrl="" action="" tgtFrame="" tooltip="" history="1" highlightClick="0" endSnd="0"/>
+              </a:rPr>
+              <a:t>http://www.github.com/eclispe-arrowhead/</a:t>
             </a:r>
           </a:p>
         </p:txBody>
@@ -4476,13 +6186,17 @@
       </p:grpSpPr>
       <p:sp>
         <p:nvSpPr>
-          <p:cNvPr id="102" name="Roadmap"/>
+          <p:cNvPr id="104" name="Roadmap"/>
           <p:cNvSpPr txBox="1"/>
           <p:nvPr>
             <p:ph type="title"/>
           </p:nvPr>
         </p:nvSpPr>
         <p:spPr>
+          <a:xfrm>
+            <a:off x="799889" y="598565"/>
+            <a:ext cx="7444938" cy="586589"/>
+          </a:xfrm>
           <a:prstGeom prst="rect">
             <a:avLst/>
           </a:prstGeom>
@@ -4500,13 +6214,17 @@
       </p:sp>
       <p:sp>
         <p:nvSpPr>
-          <p:cNvPr id="103" name="Current architecture definition and architecture fundamentals…"/>
+          <p:cNvPr id="105" name="Current architecture definition and architecture fundamentals…"/>
           <p:cNvSpPr txBox="1"/>
           <p:nvPr>
             <p:ph type="body" idx="1"/>
           </p:nvPr>
         </p:nvSpPr>
         <p:spPr>
+          <a:xfrm>
+            <a:off x="799889" y="1185150"/>
+            <a:ext cx="7444938" cy="4529852"/>
+          </a:xfrm>
           <a:prstGeom prst="rect">
             <a:avLst/>
           </a:prstGeom>
@@ -4548,19 +6266,19 @@
             </a:r>
           </a:p>
           <a:p>
-            <a:pPr lvl="1" marL="581526" indent="-200526"/>
+            <a:pPr lvl="1" marL="581525" indent="-200525"/>
             <a:r>
               <a:t>Beta - Release candidates (1-6 months from release) </a:t>
             </a:r>
           </a:p>
           <a:p>
-            <a:pPr lvl="1" marL="581526" indent="-200526"/>
+            <a:pPr lvl="1" marL="581525" indent="-200525"/>
             <a:r>
               <a:t>Alpha - Prototypes (earlier stages)</a:t>
             </a:r>
           </a:p>
           <a:p>
-            <a:pPr lvl="1" marL="581526" indent="-200526"/>
+            <a:pPr lvl="1" marL="581525" indent="-200525"/>
           </a:p>
           <a:p>
             <a:pPr marL="200526" indent="-200526">
@@ -4572,19 +6290,19 @@
             </a:r>
           </a:p>
           <a:p>
-            <a:pPr lvl="1" marL="581526" indent="-200526"/>
+            <a:pPr lvl="1" marL="581525" indent="-200525"/>
             <a:r>
               <a:t>Architecture enhancement v5.0</a:t>
             </a:r>
           </a:p>
           <a:p>
-            <a:pPr lvl="1" marL="581526" indent="-200526"/>
+            <a:pPr lvl="1" marL="581525" indent="-200525"/>
             <a:r>
               <a:t>Core system improvements 4.x.y</a:t>
             </a:r>
           </a:p>
           <a:p>
-            <a:pPr lvl="1" marL="581526" indent="-200526"/>
+            <a:pPr lvl="1" marL="581525" indent="-200525"/>
             <a:r>
               <a:t>New core systems v4.x.y, v5.x.y</a:t>
             </a:r>
@@ -4619,13 +6337,17 @@
       </p:grpSpPr>
       <p:sp>
         <p:nvSpPr>
-          <p:cNvPr id="105" name="Decision processes"/>
+          <p:cNvPr id="107" name="Decision processes"/>
           <p:cNvSpPr txBox="1"/>
           <p:nvPr>
             <p:ph type="title"/>
           </p:nvPr>
         </p:nvSpPr>
         <p:spPr>
+          <a:xfrm>
+            <a:off x="799889" y="598565"/>
+            <a:ext cx="7444938" cy="586589"/>
+          </a:xfrm>
           <a:prstGeom prst="rect">
             <a:avLst/>
           </a:prstGeom>
@@ -4643,13 +6365,17 @@
       </p:sp>
       <p:sp>
         <p:nvSpPr>
-          <p:cNvPr id="106" name="Release  process…"/>
+          <p:cNvPr id="108" name="Release  process…"/>
           <p:cNvSpPr txBox="1"/>
           <p:nvPr>
             <p:ph type="body" idx="1"/>
           </p:nvPr>
         </p:nvSpPr>
         <p:spPr>
+          <a:xfrm>
+            <a:off x="799889" y="1185150"/>
+            <a:ext cx="7444938" cy="4529852"/>
+          </a:xfrm>
           <a:prstGeom prst="rect">
             <a:avLst/>
           </a:prstGeom>
@@ -4664,7 +6390,7 @@
               </a:spcBef>
               <a:buSzPct val="100000"/>
               <a:buChar char="•"/>
-              <a:defRPr sz="1520"/>
+              <a:defRPr sz="1500"/>
             </a:pPr>
             <a:r>
               <a:t>Release  process</a:t>
@@ -4675,7 +6401,7 @@
               <a:spcBef>
                 <a:spcPts val="300"/>
               </a:spcBef>
-              <a:defRPr sz="1520"/>
+              <a:defRPr sz="1500"/>
             </a:pPr>
             <a:r>
               <a:t>CI/CD</a:t>
@@ -4688,7 +6414,7 @@
               </a:spcBef>
               <a:buSzPct val="100000"/>
               <a:buChar char="•"/>
-              <a:defRPr sz="1520"/>
+              <a:defRPr sz="1500"/>
             </a:pPr>
           </a:p>
           <a:p>
@@ -4698,7 +6424,7 @@
               </a:spcBef>
               <a:buSzPct val="100000"/>
               <a:buChar char="•"/>
-              <a:defRPr sz="1520"/>
+              <a:defRPr sz="1500"/>
             </a:pPr>
             <a:r>
               <a:t>Architecture enhancement v5.0</a:t>
@@ -4709,7 +6435,7 @@
               <a:spcBef>
                 <a:spcPts val="300"/>
               </a:spcBef>
-              <a:defRPr sz="1520"/>
+              <a:defRPr sz="1500"/>
             </a:pPr>
             <a:r>
               <a:t>Based on requirements or reported issues with concrete enhancement proposal</a:t>
@@ -4720,7 +6446,7 @@
               <a:spcBef>
                 <a:spcPts val="300"/>
               </a:spcBef>
-              <a:defRPr sz="1520"/>
+              <a:defRPr sz="1500"/>
             </a:pPr>
           </a:p>
           <a:p>
@@ -4730,7 +6456,7 @@
               </a:spcBef>
               <a:buSzPct val="100000"/>
               <a:buChar char="•"/>
-              <a:defRPr sz="1520"/>
+              <a:defRPr sz="1500"/>
             </a:pPr>
             <a:r>
               <a:t>Core system improvements 4.x.y</a:t>
@@ -4741,7 +6467,7 @@
               <a:spcBef>
                 <a:spcPts val="300"/>
               </a:spcBef>
-              <a:defRPr sz="1520"/>
+              <a:defRPr sz="1500"/>
             </a:pPr>
             <a:r>
               <a:t>Based on requirements or reported issues with specific core system improvement proposal</a:t>
@@ -4752,7 +6478,7 @@
               <a:spcBef>
                 <a:spcPts val="300"/>
               </a:spcBef>
-              <a:defRPr sz="1520"/>
+              <a:defRPr sz="1500"/>
             </a:pPr>
           </a:p>
           <a:p>
@@ -4762,7 +6488,7 @@
               </a:spcBef>
               <a:buSzPct val="100000"/>
               <a:buChar char="•"/>
-              <a:defRPr sz="1520"/>
+              <a:defRPr sz="1500"/>
             </a:pPr>
             <a:r>
               <a:t>New core systems v4.x.y, v5.x.y</a:t>
@@ -4773,47 +6499,11 @@
               <a:spcBef>
                 <a:spcPts val="300"/>
               </a:spcBef>
-              <a:defRPr sz="1520"/>
+              <a:defRPr sz="1500"/>
             </a:pPr>
             <a:r>
               <a:t>Based on requirements or reported issues with specific proposal for a new core system</a:t>
             </a:r>
-          </a:p>
-          <a:p>
-            <a:pPr marL="152400" indent="-152400" defTabSz="347472">
-              <a:spcBef>
-                <a:spcPts val="300"/>
-              </a:spcBef>
-              <a:buSzPct val="100000"/>
-              <a:buChar char="•"/>
-              <a:defRPr sz="1520"/>
-            </a:pPr>
-          </a:p>
-          <a:p>
-            <a:pPr lvl="1" marL="441959" indent="-152400" defTabSz="347472">
-              <a:spcBef>
-                <a:spcPts val="300"/>
-              </a:spcBef>
-              <a:defRPr sz="1520"/>
-            </a:pPr>
-          </a:p>
-          <a:p>
-            <a:pPr marL="152400" indent="-152400" defTabSz="347472">
-              <a:spcBef>
-                <a:spcPts val="300"/>
-              </a:spcBef>
-              <a:buSzPct val="100000"/>
-              <a:buChar char="•"/>
-              <a:defRPr sz="1520"/>
-            </a:pPr>
-          </a:p>
-          <a:p>
-            <a:pPr marL="203898" indent="-203898" defTabSz="347472">
-              <a:spcBef>
-                <a:spcPts val="300"/>
-              </a:spcBef>
-              <a:defRPr sz="1520"/>
-            </a:pPr>
           </a:p>
         </p:txBody>
       </p:sp>
@@ -4845,40 +6535,16 @@
       </p:grpSpPr>
       <p:sp>
         <p:nvSpPr>
-          <p:cNvPr id="108" name="Decision criteria"/>
+          <p:cNvPr id="110" name="Decision criteria"/>
           <p:cNvSpPr txBox="1"/>
           <p:nvPr>
             <p:ph type="title"/>
           </p:nvPr>
         </p:nvSpPr>
         <p:spPr>
-          <a:prstGeom prst="rect">
-            <a:avLst/>
-          </a:prstGeom>
-        </p:spPr>
-        <p:txBody>
-          <a:bodyPr/>
-          <a:lstStyle/>
-          <a:p>
-            <a:pPr/>
-            <a:r>
-              <a:t>Decision criteria</a:t>
-            </a:r>
-          </a:p>
-        </p:txBody>
-      </p:sp>
-      <p:sp>
-        <p:nvSpPr>
-          <p:cNvPr id="109" name="Release  process…"/>
-          <p:cNvSpPr txBox="1"/>
-          <p:nvPr>
-            <p:ph type="body" idx="1"/>
-          </p:nvPr>
-        </p:nvSpPr>
-        <p:spPr>
           <a:xfrm>
-            <a:off x="799889" y="1185151"/>
-            <a:ext cx="8058506" cy="4529850"/>
+            <a:off x="799889" y="598565"/>
+            <a:ext cx="7444938" cy="586589"/>
           </a:xfrm>
           <a:prstGeom prst="rect">
             <a:avLst/>
@@ -4888,6 +6554,34 @@
           <a:bodyPr/>
           <a:lstStyle/>
           <a:p>
+            <a:pPr/>
+            <a:r>
+              <a:t>Decision criteria</a:t>
+            </a:r>
+          </a:p>
+        </p:txBody>
+      </p:sp>
+      <p:sp>
+        <p:nvSpPr>
+          <p:cNvPr id="111" name="Release  process…"/>
+          <p:cNvSpPr txBox="1"/>
+          <p:nvPr>
+            <p:ph type="body" idx="1"/>
+          </p:nvPr>
+        </p:nvSpPr>
+        <p:spPr>
+          <a:xfrm>
+            <a:off x="799889" y="1185150"/>
+            <a:ext cx="8058506" cy="4529852"/>
+          </a:xfrm>
+          <a:prstGeom prst="rect">
+            <a:avLst/>
+          </a:prstGeom>
+        </p:spPr>
+        <p:txBody>
+          <a:bodyPr/>
+          <a:lstStyle/>
+          <a:p>
             <a:pPr marL="200526" indent="-200526">
               <a:buSzPct val="100000"/>
               <a:buChar char="•"/>
@@ -4897,7 +6591,7 @@
             </a:r>
           </a:p>
           <a:p>
-            <a:pPr lvl="1" marL="581526" indent="-200526"/>
+            <a:pPr lvl="1" marL="581525" indent="-200525"/>
             <a:r>
               <a:t>……</a:t>
             </a:r>
@@ -4912,19 +6606,19 @@
             </a:r>
           </a:p>
           <a:p>
-            <a:pPr lvl="1" marL="581526" indent="-200526"/>
+            <a:pPr lvl="1" marL="581525" indent="-200525"/>
             <a:r>
               <a:t>Industrial application needs</a:t>
             </a:r>
           </a:p>
           <a:p>
-            <a:pPr lvl="1" marL="581526" indent="-200526"/>
+            <a:pPr lvl="1" marL="581525" indent="-200525"/>
             <a:r>
               <a:t>Necessary for existing core systems</a:t>
             </a:r>
           </a:p>
           <a:p>
-            <a:pPr lvl="1" marL="581526" indent="-200526"/>
+            <a:pPr lvl="1" marL="581525" indent="-200525"/>
             <a:r>
               <a:t>Enhancing the scope of Eclipse Arrowhead</a:t>
             </a:r>
@@ -4939,7 +6633,7 @@
             </a:r>
           </a:p>
           <a:p>
-            <a:pPr lvl="1" marL="581526" indent="-200526"/>
+            <a:pPr lvl="1" marL="581525" indent="-200525"/>
             <a:r>
               <a:t>Contribution to fulfilment of the Eclipse Arrowhead architecture vA.x.y</a:t>
             </a:r>
@@ -4954,7 +6648,7 @@
             </a:r>
           </a:p>
           <a:p>
-            <a:pPr lvl="1" marL="581526" indent="-200526"/>
+            <a:pPr lvl="1" marL="581525" indent="-200525"/>
             <a:r>
               <a:t>Contribution to fulfilment of the Eclipse Arrowhead architecture vA.x.y</a:t>
             </a:r>
@@ -4989,13 +6683,17 @@
       </p:grpSpPr>
       <p:sp>
         <p:nvSpPr>
-          <p:cNvPr id="111" name="Decision committee"/>
+          <p:cNvPr id="113" name="Decision committee"/>
           <p:cNvSpPr txBox="1"/>
           <p:nvPr>
             <p:ph type="title"/>
           </p:nvPr>
         </p:nvSpPr>
         <p:spPr>
+          <a:xfrm>
+            <a:off x="799889" y="598565"/>
+            <a:ext cx="7444938" cy="586589"/>
+          </a:xfrm>
           <a:prstGeom prst="rect">
             <a:avLst/>
           </a:prstGeom>
@@ -5013,13 +6711,17 @@
       </p:sp>
       <p:sp>
         <p:nvSpPr>
-          <p:cNvPr id="112" name="Members and perspective…"/>
+          <p:cNvPr id="114" name="Members and perspective…"/>
           <p:cNvSpPr txBox="1"/>
           <p:nvPr>
             <p:ph type="body" idx="1"/>
           </p:nvPr>
         </p:nvSpPr>
         <p:spPr>
+          <a:xfrm>
+            <a:off x="799889" y="1185150"/>
+            <a:ext cx="7444938" cy="4529852"/>
+          </a:xfrm>
           <a:prstGeom prst="rect">
             <a:avLst/>
           </a:prstGeom>
@@ -5034,7 +6736,7 @@
             </a:r>
           </a:p>
           <a:p>
-            <a:pPr lvl="1" marL="268288" indent="188911">
+            <a:pPr lvl="1" marL="0" indent="457199">
               <a:buSzTx/>
               <a:buNone/>
             </a:pPr>
@@ -5043,7 +6745,7 @@
             </a:r>
           </a:p>
           <a:p>
-            <a:pPr lvl="1" marL="268288" indent="188911">
+            <a:pPr lvl="1" marL="0" indent="457199">
               <a:buSzTx/>
               <a:buNone/>
             </a:pPr>
@@ -5052,7 +6754,7 @@
             </a:r>
           </a:p>
           <a:p>
-            <a:pPr lvl="1" marL="268288" indent="188911">
+            <a:pPr lvl="1" marL="0" indent="457199">
               <a:buSzTx/>
               <a:buNone/>
             </a:pPr>
@@ -5090,13 +6792,17 @@
       </p:grpSpPr>
       <p:sp>
         <p:nvSpPr>
-          <p:cNvPr id="114" name="Roadmap committee mettings"/>
+          <p:cNvPr id="116" name="Roadmap committee mettings"/>
           <p:cNvSpPr txBox="1"/>
           <p:nvPr>
             <p:ph type="title"/>
           </p:nvPr>
         </p:nvSpPr>
         <p:spPr>
+          <a:xfrm>
+            <a:off x="799889" y="598565"/>
+            <a:ext cx="7444938" cy="586589"/>
+          </a:xfrm>
           <a:prstGeom prst="rect">
             <a:avLst/>
           </a:prstGeom>
@@ -5114,13 +6820,17 @@
       </p:sp>
       <p:sp>
         <p:nvSpPr>
-          <p:cNvPr id="115" name="Frequency: three-weekly…"/>
+          <p:cNvPr id="117" name="Frequency: three-weekly…"/>
           <p:cNvSpPr txBox="1"/>
           <p:nvPr>
             <p:ph type="body" idx="1"/>
           </p:nvPr>
         </p:nvSpPr>
         <p:spPr>
+          <a:xfrm>
+            <a:off x="799889" y="1185150"/>
+            <a:ext cx="7444938" cy="4529852"/>
+          </a:xfrm>
           <a:prstGeom prst="rect">
             <a:avLst/>
           </a:prstGeom>
@@ -5139,9 +6849,6 @@
             <a:r>
               <a:t>Type: Mail, telco, F2F</a:t>
             </a:r>
-          </a:p>
-          <a:p>
-            <a:pPr/>
           </a:p>
         </p:txBody>
       </p:sp>
@@ -5173,13 +6880,17 @@
       </p:grpSpPr>
       <p:sp>
         <p:nvSpPr>
-          <p:cNvPr id="117" name="Roadmap communication"/>
+          <p:cNvPr id="119" name="Roadmap communication"/>
           <p:cNvSpPr txBox="1"/>
           <p:nvPr>
             <p:ph type="title"/>
           </p:nvPr>
         </p:nvSpPr>
         <p:spPr>
+          <a:xfrm>
+            <a:off x="799889" y="598565"/>
+            <a:ext cx="7444938" cy="586589"/>
+          </a:xfrm>
           <a:prstGeom prst="rect">
             <a:avLst/>
           </a:prstGeom>
@@ -5197,13 +6908,17 @@
       </p:sp>
       <p:sp>
         <p:nvSpPr>
-          <p:cNvPr id="118" name="Top level headline at…"/>
+          <p:cNvPr id="120" name="Top level headline at…"/>
           <p:cNvSpPr txBox="1"/>
           <p:nvPr>
             <p:ph type="body" idx="1"/>
           </p:nvPr>
         </p:nvSpPr>
         <p:spPr>
+          <a:xfrm>
+            <a:off x="799889" y="1185150"/>
+            <a:ext cx="7444938" cy="4529852"/>
+          </a:xfrm>
           <a:prstGeom prst="rect">
             <a:avLst/>
           </a:prstGeom>
@@ -5218,9 +6933,8 @@
             </a:r>
           </a:p>
           <a:p>
-            <a:pPr/>
-            <a:r>
-              <a:rPr u="sng">
+            <a:pPr>
+              <a:defRPr u="sng">
                 <a:solidFill>
                   <a:srgbClr val="0000FF"/>
                 </a:solidFill>
@@ -5229,6 +6943,10 @@
                     <a:srgbClr val="0000FF"/>
                   </a:solidFill>
                 </a:uFill>
+              </a:defRPr>
+            </a:pPr>
+            <a:r>
+              <a:rPr>
                 <a:hlinkClick r:id="rId2" invalidUrl="" action="" tgtFrame="" tooltip="" history="1" highlightClick="0" endSnd="0"/>
               </a:rPr>
               <a:t>www.arrowhead.eu/eclipse-arrowhead</a:t>
@@ -5320,13 +7038,17 @@
       </p:grpSpPr>
       <p:sp>
         <p:nvSpPr>
-          <p:cNvPr id="120" name="Roadmap availability"/>
+          <p:cNvPr id="122" name="Roadmap availability"/>
           <p:cNvSpPr txBox="1"/>
           <p:nvPr>
             <p:ph type="title"/>
           </p:nvPr>
         </p:nvSpPr>
         <p:spPr>
+          <a:xfrm>
+            <a:off x="799889" y="598565"/>
+            <a:ext cx="7444938" cy="586589"/>
+          </a:xfrm>
           <a:prstGeom prst="rect">
             <a:avLst/>
           </a:prstGeom>
@@ -5344,13 +7066,17 @@
       </p:sp>
       <p:sp>
         <p:nvSpPr>
-          <p:cNvPr id="121" name="github.com/eclipse-arrowhead/roadmap…"/>
+          <p:cNvPr id="123" name="github.com/eclipse-arrowhead/roadmap…"/>
           <p:cNvSpPr txBox="1"/>
           <p:nvPr>
             <p:ph type="body" idx="1"/>
           </p:nvPr>
         </p:nvSpPr>
         <p:spPr>
+          <a:xfrm>
+            <a:off x="799889" y="1185150"/>
+            <a:ext cx="7444938" cy="4529852"/>
+          </a:xfrm>
           <a:prstGeom prst="rect">
             <a:avLst/>
           </a:prstGeom>
@@ -5359,9 +7085,8 @@
           <a:bodyPr/>
           <a:lstStyle/>
           <a:p>
-            <a:pPr/>
-            <a:r>
-              <a:rPr u="sng">
+            <a:pPr>
+              <a:defRPr u="sng">
                 <a:solidFill>
                   <a:srgbClr val="0000FF"/>
                 </a:solidFill>
@@ -5370,13 +7095,29 @@
                     <a:srgbClr val="0000FF"/>
                   </a:solidFill>
                 </a:uFill>
+              </a:defRPr>
+            </a:pPr>
+            <a:r>
+              <a:rPr>
                 <a:hlinkClick r:id="rId2" invalidUrl="" action="" tgtFrame="" tooltip="" history="1" highlightClick="0" endSnd="0"/>
               </a:rPr>
               <a:t>github.com</a:t>
             </a:r>
             <a:r>
+              <a:rPr u="none">
+                <a:solidFill>
+                  <a:srgbClr val="000000"/>
+                </a:solidFill>
+                <a:uFillTx/>
+              </a:rPr>
               <a:t>/eclipse-arrowhead/roadmap</a:t>
             </a:r>
+            <a:endParaRPr u="none">
+              <a:solidFill>
+                <a:srgbClr val="000000"/>
+              </a:solidFill>
+              <a:uFillTx/>
+            </a:endParaRPr>
           </a:p>
           <a:p>
             <a:pPr/>
@@ -5385,9 +7126,8 @@
             </a:r>
           </a:p>
           <a:p>
-            <a:pPr/>
-            <a:r>
-              <a:rPr u="sng">
+            <a:pPr>
+              <a:defRPr u="sng">
                 <a:solidFill>
                   <a:srgbClr val="0000FF"/>
                 </a:solidFill>
@@ -5396,13 +7136,29 @@
                     <a:srgbClr val="0000FF"/>
                   </a:solidFill>
                 </a:uFill>
+              </a:defRPr>
+            </a:pPr>
+            <a:r>
+              <a:rPr>
                 <a:hlinkClick r:id="rId3" invalidUrl="" action="" tgtFrame="" tooltip="" history="1" highlightClick="0" endSnd="0"/>
               </a:rPr>
               <a:t>eclipse.org</a:t>
             </a:r>
             <a:r>
+              <a:rPr u="none">
+                <a:solidFill>
+                  <a:srgbClr val="000000"/>
+                </a:solidFill>
+                <a:uFillTx/>
+              </a:rPr>
               <a:t>/</a:t>
             </a:r>
+            <a:endParaRPr u="none">
+              <a:solidFill>
+                <a:srgbClr val="000000"/>
+              </a:solidFill>
+              <a:uFillTx/>
+            </a:endParaRPr>
           </a:p>
           <a:p>
             <a:pPr/>
@@ -5411,9 +7167,8 @@
             </a:r>
           </a:p>
           <a:p>
-            <a:pPr/>
-            <a:r>
-              <a:rPr u="sng">
+            <a:pPr>
+              <a:defRPr u="sng">
                 <a:solidFill>
                   <a:srgbClr val="0000FF"/>
                 </a:solidFill>
@@ -5422,19 +7177,14 @@
                     <a:srgbClr val="0000FF"/>
                   </a:solidFill>
                 </a:uFill>
+              </a:defRPr>
+            </a:pPr>
+            <a:r>
+              <a:rPr>
                 <a:hlinkClick r:id="rId4" invalidUrl="" action="" tgtFrame="" tooltip="" history="1" highlightClick="0" endSnd="0"/>
               </a:rPr>
               <a:t>www.arrowhead.eu/eclipse-arrowhead</a:t>
             </a:r>
-          </a:p>
-          <a:p>
-            <a:pPr/>
-          </a:p>
-          <a:p>
-            <a:pPr/>
-          </a:p>
-          <a:p>
-            <a:pPr/>
           </a:p>
         </p:txBody>
       </p:sp>
@@ -5490,14 +7240,14 @@
     </a:clrScheme>
     <a:fontScheme name="Default">
       <a:majorFont>
+        <a:latin typeface="Helvetica"/>
+        <a:ea typeface="Helvetica"/>
+        <a:cs typeface="Helvetica"/>
+      </a:majorFont>
+      <a:minorFont>
         <a:latin typeface="Avenir Roman"/>
         <a:ea typeface="Avenir Roman"/>
         <a:cs typeface="Avenir Roman"/>
-      </a:majorFont>
-      <a:minorFont>
-        <a:latin typeface="Helvetica"/>
-        <a:ea typeface="Helvetica"/>
-        <a:cs typeface="Helvetica"/>
       </a:minorFont>
     </a:fontScheme>
     <a:fmtScheme name="Default">
@@ -5702,9 +7452,9 @@
             </a:solidFill>
             <a:effectLst/>
             <a:uFillTx/>
-            <a:latin typeface="+mn-lt"/>
-            <a:ea typeface="+mn-ea"/>
-            <a:cs typeface="+mn-cs"/>
+            <a:latin typeface="+mj-lt"/>
+            <a:ea typeface="+mj-ea"/>
+            <a:cs typeface="+mj-cs"/>
             <a:sym typeface="Helvetica"/>
           </a:defRPr>
         </a:defPPr>
@@ -6279,9 +8029,9 @@
             </a:solidFill>
             <a:effectLst/>
             <a:uFillTx/>
-            <a:latin typeface="+mn-lt"/>
-            <a:ea typeface="+mn-ea"/>
-            <a:cs typeface="+mn-cs"/>
+            <a:latin typeface="+mj-lt"/>
+            <a:ea typeface="+mj-ea"/>
+            <a:cs typeface="+mj-cs"/>
             <a:sym typeface="Helvetica"/>
           </a:defRPr>
         </a:defPPr>
@@ -6574,14 +8324,14 @@
     </a:clrScheme>
     <a:fontScheme name="Default">
       <a:majorFont>
+        <a:latin typeface="Helvetica"/>
+        <a:ea typeface="Helvetica"/>
+        <a:cs typeface="Helvetica"/>
+      </a:majorFont>
+      <a:minorFont>
         <a:latin typeface="Avenir Roman"/>
         <a:ea typeface="Avenir Roman"/>
         <a:cs typeface="Avenir Roman"/>
-      </a:majorFont>
-      <a:minorFont>
-        <a:latin typeface="Helvetica"/>
-        <a:ea typeface="Helvetica"/>
-        <a:cs typeface="Helvetica"/>
       </a:minorFont>
     </a:fontScheme>
     <a:fmtScheme name="Default">
@@ -6786,9 +8536,9 @@
             </a:solidFill>
             <a:effectLst/>
             <a:uFillTx/>
-            <a:latin typeface="+mn-lt"/>
-            <a:ea typeface="+mn-ea"/>
-            <a:cs typeface="+mn-cs"/>
+            <a:latin typeface="+mj-lt"/>
+            <a:ea typeface="+mj-ea"/>
+            <a:cs typeface="+mj-cs"/>
             <a:sym typeface="Helvetica"/>
           </a:defRPr>
         </a:defPPr>
@@ -7363,9 +9113,9 @@
             </a:solidFill>
             <a:effectLst/>
             <a:uFillTx/>
-            <a:latin typeface="+mn-lt"/>
-            <a:ea typeface="+mn-ea"/>
-            <a:cs typeface="+mn-cs"/>
+            <a:latin typeface="+mj-lt"/>
+            <a:ea typeface="+mj-ea"/>
+            <a:cs typeface="+mj-cs"/>
             <a:sym typeface="Helvetica"/>
           </a:defRPr>
         </a:defPPr>

--- a/Governanace_strategy/Eclipse_Arrowhead_Roadmap_organisation.pptx
+++ b/Governanace_strategy/Eclipse_Arrowhead_Roadmap_organisation.pptx
@@ -86,7 +86,7 @@
         <a:latin typeface="+mj-lt"/>
         <a:ea typeface="+mj-ea"/>
         <a:cs typeface="+mj-cs"/>
-        <a:sym typeface="Helvetica"/>
+        <a:sym typeface="Avenir Roman"/>
       </a:defRPr>
     </a:lvl1pPr>
     <a:lvl2pPr marL="0" marR="0" indent="0" algn="l" defTabSz="457200" rtl="0" fontAlgn="auto" latinLnBrk="0" hangingPunct="0">
@@ -116,7 +116,7 @@
         <a:latin typeface="+mj-lt"/>
         <a:ea typeface="+mj-ea"/>
         <a:cs typeface="+mj-cs"/>
-        <a:sym typeface="Helvetica"/>
+        <a:sym typeface="Avenir Roman"/>
       </a:defRPr>
     </a:lvl2pPr>
     <a:lvl3pPr marL="0" marR="0" indent="0" algn="l" defTabSz="457200" rtl="0" fontAlgn="auto" latinLnBrk="0" hangingPunct="0">
@@ -146,7 +146,7 @@
         <a:latin typeface="+mj-lt"/>
         <a:ea typeface="+mj-ea"/>
         <a:cs typeface="+mj-cs"/>
-        <a:sym typeface="Helvetica"/>
+        <a:sym typeface="Avenir Roman"/>
       </a:defRPr>
     </a:lvl3pPr>
     <a:lvl4pPr marL="0" marR="0" indent="0" algn="l" defTabSz="457200" rtl="0" fontAlgn="auto" latinLnBrk="0" hangingPunct="0">
@@ -176,7 +176,7 @@
         <a:latin typeface="+mj-lt"/>
         <a:ea typeface="+mj-ea"/>
         <a:cs typeface="+mj-cs"/>
-        <a:sym typeface="Helvetica"/>
+        <a:sym typeface="Avenir Roman"/>
       </a:defRPr>
     </a:lvl4pPr>
     <a:lvl5pPr marL="0" marR="0" indent="0" algn="l" defTabSz="457200" rtl="0" fontAlgn="auto" latinLnBrk="0" hangingPunct="0">
@@ -206,7 +206,7 @@
         <a:latin typeface="+mj-lt"/>
         <a:ea typeface="+mj-ea"/>
         <a:cs typeface="+mj-cs"/>
-        <a:sym typeface="Helvetica"/>
+        <a:sym typeface="Avenir Roman"/>
       </a:defRPr>
     </a:lvl5pPr>
     <a:lvl6pPr marL="0" marR="0" indent="0" algn="l" defTabSz="457200" rtl="0" fontAlgn="auto" latinLnBrk="0" hangingPunct="0">
@@ -236,7 +236,7 @@
         <a:latin typeface="+mj-lt"/>
         <a:ea typeface="+mj-ea"/>
         <a:cs typeface="+mj-cs"/>
-        <a:sym typeface="Helvetica"/>
+        <a:sym typeface="Avenir Roman"/>
       </a:defRPr>
     </a:lvl6pPr>
     <a:lvl7pPr marL="0" marR="0" indent="0" algn="l" defTabSz="457200" rtl="0" fontAlgn="auto" latinLnBrk="0" hangingPunct="0">
@@ -266,7 +266,7 @@
         <a:latin typeface="+mj-lt"/>
         <a:ea typeface="+mj-ea"/>
         <a:cs typeface="+mj-cs"/>
-        <a:sym typeface="Helvetica"/>
+        <a:sym typeface="Avenir Roman"/>
       </a:defRPr>
     </a:lvl7pPr>
     <a:lvl8pPr marL="0" marR="0" indent="0" algn="l" defTabSz="457200" rtl="0" fontAlgn="auto" latinLnBrk="0" hangingPunct="0">
@@ -296,7 +296,7 @@
         <a:latin typeface="+mj-lt"/>
         <a:ea typeface="+mj-ea"/>
         <a:cs typeface="+mj-cs"/>
-        <a:sym typeface="Helvetica"/>
+        <a:sym typeface="Avenir Roman"/>
       </a:defRPr>
     </a:lvl8pPr>
     <a:lvl9pPr marL="0" marR="0" indent="0" algn="l" defTabSz="457200" rtl="0" fontAlgn="auto" latinLnBrk="0" hangingPunct="0">
@@ -326,7 +326,7 @@
         <a:latin typeface="+mj-lt"/>
         <a:ea typeface="+mj-ea"/>
         <a:cs typeface="+mj-cs"/>
-        <a:sym typeface="Helvetica"/>
+        <a:sym typeface="Avenir Roman"/>
       </a:defRPr>
     </a:lvl9pPr>
   </p:defaultTextStyle>
@@ -413,9 +413,9 @@
         <a:spcPct val="125000"/>
       </a:lnSpc>
       <a:defRPr sz="2400">
-        <a:latin typeface="+mn-lt"/>
-        <a:ea typeface="+mn-ea"/>
-        <a:cs typeface="+mn-cs"/>
+        <a:latin typeface="+mj-lt"/>
+        <a:ea typeface="+mj-ea"/>
+        <a:cs typeface="+mj-cs"/>
         <a:sym typeface="Avenir Roman"/>
       </a:defRPr>
     </a:lvl1pPr>
@@ -424,9 +424,9 @@
         <a:spcPct val="125000"/>
       </a:lnSpc>
       <a:defRPr sz="2400">
-        <a:latin typeface="+mn-lt"/>
-        <a:ea typeface="+mn-ea"/>
-        <a:cs typeface="+mn-cs"/>
+        <a:latin typeface="+mj-lt"/>
+        <a:ea typeface="+mj-ea"/>
+        <a:cs typeface="+mj-cs"/>
         <a:sym typeface="Avenir Roman"/>
       </a:defRPr>
     </a:lvl2pPr>
@@ -435,9 +435,9 @@
         <a:spcPct val="125000"/>
       </a:lnSpc>
       <a:defRPr sz="2400">
-        <a:latin typeface="+mn-lt"/>
-        <a:ea typeface="+mn-ea"/>
-        <a:cs typeface="+mn-cs"/>
+        <a:latin typeface="+mj-lt"/>
+        <a:ea typeface="+mj-ea"/>
+        <a:cs typeface="+mj-cs"/>
         <a:sym typeface="Avenir Roman"/>
       </a:defRPr>
     </a:lvl3pPr>
@@ -446,9 +446,9 @@
         <a:spcPct val="125000"/>
       </a:lnSpc>
       <a:defRPr sz="2400">
-        <a:latin typeface="+mn-lt"/>
-        <a:ea typeface="+mn-ea"/>
-        <a:cs typeface="+mn-cs"/>
+        <a:latin typeface="+mj-lt"/>
+        <a:ea typeface="+mj-ea"/>
+        <a:cs typeface="+mj-cs"/>
         <a:sym typeface="Avenir Roman"/>
       </a:defRPr>
     </a:lvl4pPr>
@@ -457,9 +457,9 @@
         <a:spcPct val="125000"/>
       </a:lnSpc>
       <a:defRPr sz="2400">
-        <a:latin typeface="+mn-lt"/>
-        <a:ea typeface="+mn-ea"/>
-        <a:cs typeface="+mn-cs"/>
+        <a:latin typeface="+mj-lt"/>
+        <a:ea typeface="+mj-ea"/>
+        <a:cs typeface="+mj-cs"/>
         <a:sym typeface="Avenir Roman"/>
       </a:defRPr>
     </a:lvl5pPr>
@@ -468,9 +468,9 @@
         <a:spcPct val="125000"/>
       </a:lnSpc>
       <a:defRPr sz="2400">
-        <a:latin typeface="+mn-lt"/>
-        <a:ea typeface="+mn-ea"/>
-        <a:cs typeface="+mn-cs"/>
+        <a:latin typeface="+mj-lt"/>
+        <a:ea typeface="+mj-ea"/>
+        <a:cs typeface="+mj-cs"/>
         <a:sym typeface="Avenir Roman"/>
       </a:defRPr>
     </a:lvl6pPr>
@@ -479,9 +479,9 @@
         <a:spcPct val="125000"/>
       </a:lnSpc>
       <a:defRPr sz="2400">
-        <a:latin typeface="+mn-lt"/>
-        <a:ea typeface="+mn-ea"/>
-        <a:cs typeface="+mn-cs"/>
+        <a:latin typeface="+mj-lt"/>
+        <a:ea typeface="+mj-ea"/>
+        <a:cs typeface="+mj-cs"/>
         <a:sym typeface="Avenir Roman"/>
       </a:defRPr>
     </a:lvl7pPr>
@@ -490,9 +490,9 @@
         <a:spcPct val="125000"/>
       </a:lnSpc>
       <a:defRPr sz="2400">
-        <a:latin typeface="+mn-lt"/>
-        <a:ea typeface="+mn-ea"/>
-        <a:cs typeface="+mn-cs"/>
+        <a:latin typeface="+mj-lt"/>
+        <a:ea typeface="+mj-ea"/>
+        <a:cs typeface="+mj-cs"/>
         <a:sym typeface="Avenir Roman"/>
       </a:defRPr>
     </a:lvl8pPr>
@@ -501,9 +501,9 @@
         <a:spcPct val="125000"/>
       </a:lnSpc>
       <a:defRPr sz="2400">
-        <a:latin typeface="+mn-lt"/>
-        <a:ea typeface="+mn-ea"/>
-        <a:cs typeface="+mn-cs"/>
+        <a:latin typeface="+mj-lt"/>
+        <a:ea typeface="+mj-ea"/>
+        <a:cs typeface="+mj-cs"/>
         <a:sym typeface="Avenir Roman"/>
       </a:defRPr>
     </a:lvl9pPr>
@@ -656,8 +656,8 @@
         </p:nvSpPr>
         <p:spPr>
           <a:xfrm>
-            <a:off x="374547" y="5168258"/>
-            <a:ext cx="3966631" cy="196013"/>
+            <a:off x="374546" y="5168258"/>
+            <a:ext cx="3966633" cy="196013"/>
           </a:xfrm>
           <a:prstGeom prst="rect">
             <a:avLst/>
@@ -712,7 +712,7 @@
         <p:spPr>
           <a:xfrm>
             <a:off x="7825740" y="4516958"/>
-            <a:ext cx="1005842" cy="987494"/>
+            <a:ext cx="1005843" cy="987494"/>
           </a:xfrm>
           <a:prstGeom prst="rect">
             <a:avLst/>
@@ -871,8 +871,8 @@
         </p:blipFill>
         <p:spPr>
           <a:xfrm>
-            <a:off x="-397" y="-7871"/>
-            <a:ext cx="9144793" cy="5730740"/>
+            <a:off x="-397" y="-7872"/>
+            <a:ext cx="9144793" cy="5730742"/>
           </a:xfrm>
           <a:prstGeom prst="rect">
             <a:avLst/>
@@ -890,8 +890,8 @@
         </p:nvSpPr>
         <p:spPr>
           <a:xfrm>
-            <a:off x="374547" y="5168258"/>
-            <a:ext cx="3966631" cy="196013"/>
+            <a:off x="374546" y="5168258"/>
+            <a:ext cx="3966633" cy="196013"/>
           </a:xfrm>
           <a:prstGeom prst="rect">
             <a:avLst/>
@@ -941,7 +941,7 @@
         <p:spPr>
           <a:xfrm>
             <a:off x="799889" y="916071"/>
-            <a:ext cx="7444938" cy="586588"/>
+            <a:ext cx="7444938" cy="586589"/>
           </a:xfrm>
           <a:prstGeom prst="rect">
             <a:avLst/>
@@ -1135,8 +1135,8 @@
         </p:blipFill>
         <p:spPr>
           <a:xfrm>
-            <a:off x="-397" y="-7871"/>
-            <a:ext cx="9144793" cy="5730740"/>
+            <a:off x="-397" y="-7872"/>
+            <a:ext cx="9144793" cy="5730742"/>
           </a:xfrm>
           <a:prstGeom prst="rect">
             <a:avLst/>
@@ -1154,8 +1154,8 @@
         </p:nvSpPr>
         <p:spPr>
           <a:xfrm>
-            <a:off x="374547" y="5168258"/>
-            <a:ext cx="3966631" cy="196013"/>
+            <a:off x="374546" y="5168258"/>
+            <a:ext cx="3966633" cy="196013"/>
           </a:xfrm>
           <a:prstGeom prst="rect">
             <a:avLst/>
@@ -1205,7 +1205,7 @@
         <p:spPr>
           <a:xfrm>
             <a:off x="799889" y="916071"/>
-            <a:ext cx="7444938" cy="586588"/>
+            <a:ext cx="7444938" cy="586589"/>
           </a:xfrm>
           <a:prstGeom prst="rect">
             <a:avLst/>
@@ -1392,8 +1392,8 @@
         </p:blipFill>
         <p:spPr>
           <a:xfrm>
-            <a:off x="-6495" y="-10919"/>
-            <a:ext cx="9156990" cy="5736837"/>
+            <a:off x="-6496" y="-10920"/>
+            <a:ext cx="9156991" cy="5736839"/>
           </a:xfrm>
           <a:prstGeom prst="rect">
             <a:avLst/>
@@ -1411,8 +1411,8 @@
         </p:nvSpPr>
         <p:spPr>
           <a:xfrm>
-            <a:off x="374547" y="5168258"/>
-            <a:ext cx="3966631" cy="196013"/>
+            <a:off x="374546" y="5168258"/>
+            <a:ext cx="3966633" cy="196013"/>
           </a:xfrm>
           <a:prstGeom prst="rect">
             <a:avLst/>
@@ -1459,7 +1459,7 @@
         <p:spPr>
           <a:xfrm>
             <a:off x="799889" y="916071"/>
-            <a:ext cx="7444938" cy="586588"/>
+            <a:ext cx="7444938" cy="586589"/>
           </a:xfrm>
           <a:prstGeom prst="rect">
             <a:avLst/>
@@ -1594,8 +1594,8 @@
         </p:blipFill>
         <p:spPr>
           <a:xfrm>
-            <a:off x="-6495" y="-10919"/>
-            <a:ext cx="9156990" cy="5736837"/>
+            <a:off x="-6496" y="-10920"/>
+            <a:ext cx="9156991" cy="5736839"/>
           </a:xfrm>
           <a:prstGeom prst="rect">
             <a:avLst/>
@@ -1616,7 +1616,7 @@
         <p:spPr>
           <a:xfrm>
             <a:off x="799889" y="916071"/>
-            <a:ext cx="7444938" cy="586589"/>
+            <a:ext cx="7444938" cy="586590"/>
           </a:xfrm>
           <a:prstGeom prst="rect">
             <a:avLst/>
@@ -1654,7 +1654,6 @@
           <a:bodyPr/>
           <a:lstStyle>
             <a:lvl1pPr marL="1587" indent="-1587"/>
-            <a:lvl4pPr marL="1698169" indent="-326569"/>
           </a:lstStyle>
           <a:p>
             <a:pPr/>
@@ -1758,7 +1757,7 @@
         <p:spPr>
           <a:xfrm>
             <a:off x="1333500" y="1775354"/>
-            <a:ext cx="6477000" cy="1225024"/>
+            <a:ext cx="6477000" cy="1225025"/>
           </a:xfrm>
           <a:prstGeom prst="rect">
             <a:avLst/>
@@ -1913,7 +1912,7 @@
         <p:spPr>
           <a:xfrm>
             <a:off x="7826399" y="4517999"/>
-            <a:ext cx="1004729" cy="986402"/>
+            <a:ext cx="1004730" cy="986403"/>
           </a:xfrm>
           <a:prstGeom prst="rect">
             <a:avLst/>
@@ -1934,7 +1933,7 @@
         <p:spPr>
           <a:xfrm>
             <a:off x="7783364" y="5342459"/>
-            <a:ext cx="217637" cy="213271"/>
+            <a:ext cx="217637" cy="213272"/>
           </a:xfrm>
           <a:prstGeom prst="rect">
             <a:avLst/>
@@ -1988,7 +1987,7 @@
         <p:spPr>
           <a:xfrm>
             <a:off x="1333500" y="1775354"/>
-            <a:ext cx="6477000" cy="1225024"/>
+            <a:ext cx="6477000" cy="1225025"/>
           </a:xfrm>
           <a:prstGeom prst="rect">
             <a:avLst/>
@@ -2137,7 +2136,7 @@
         <p:spPr>
           <a:xfrm>
             <a:off x="7825740" y="4516958"/>
-            <a:ext cx="1005842" cy="987494"/>
+            <a:ext cx="1005843" cy="987494"/>
           </a:xfrm>
           <a:prstGeom prst="rect">
             <a:avLst/>
@@ -2158,7 +2157,7 @@
         <p:spPr>
           <a:xfrm>
             <a:off x="7783364" y="5342459"/>
-            <a:ext cx="217637" cy="213271"/>
+            <a:ext cx="217637" cy="213272"/>
           </a:xfrm>
           <a:prstGeom prst="rect">
             <a:avLst/>
@@ -2216,8 +2215,8 @@
         </p:nvSpPr>
         <p:spPr>
           <a:xfrm>
-            <a:off x="374547" y="5168258"/>
-            <a:ext cx="3966631" cy="196013"/>
+            <a:off x="374546" y="5168258"/>
+            <a:ext cx="3966633" cy="196013"/>
           </a:xfrm>
           <a:prstGeom prst="rect">
             <a:avLst/>
@@ -2272,7 +2271,7 @@
         <p:spPr>
           <a:xfrm>
             <a:off x="7825740" y="4516958"/>
-            <a:ext cx="1005842" cy="987494"/>
+            <a:ext cx="1005843" cy="987494"/>
           </a:xfrm>
           <a:prstGeom prst="rect">
             <a:avLst/>
@@ -2393,7 +2392,7 @@
         <p:spPr>
           <a:xfrm>
             <a:off x="8708976" y="197587"/>
-            <a:ext cx="232873" cy="228507"/>
+            <a:ext cx="232874" cy="228507"/>
           </a:xfrm>
           <a:prstGeom prst="rect">
             <a:avLst/>
@@ -3178,6 +3177,10 @@
           </p:nvPr>
         </p:nvSpPr>
         <p:spPr>
+          <a:xfrm>
+            <a:off x="1333500" y="1775354"/>
+            <a:ext cx="6477000" cy="1225025"/>
+          </a:xfrm>
           <a:prstGeom prst="rect">
             <a:avLst/>
           </a:prstGeom>
@@ -3253,6 +3256,10 @@
           </p:nvPr>
         </p:nvSpPr>
         <p:spPr>
+          <a:xfrm>
+            <a:off x="799889" y="598564"/>
+            <a:ext cx="7444938" cy="586590"/>
+          </a:xfrm>
           <a:prstGeom prst="rect">
             <a:avLst/>
           </a:prstGeom>
@@ -3261,8 +3268,8 @@
           <a:bodyPr/>
           <a:lstStyle/>
           <a:p>
-            <a:pPr defTabSz="320039">
-              <a:defRPr sz="2520"/>
+            <a:pPr defTabSz="320038">
+              <a:defRPr sz="2500"/>
             </a:pPr>
             <a:r>
               <a:t>Eclipse Arrowhead communication strategy- </a:t>
@@ -3287,6 +3294,10 @@
           </p:nvPr>
         </p:nvSpPr>
         <p:spPr>
+          <a:xfrm>
+            <a:off x="799889" y="1185150"/>
+            <a:ext cx="7444938" cy="4529852"/>
+          </a:xfrm>
           <a:prstGeom prst="rect">
             <a:avLst/>
           </a:prstGeom>
@@ -3304,7 +3315,7 @@
             </a:r>
           </a:p>
           <a:p>
-            <a:pPr lvl="1" marL="775368" indent="-267368">
+            <a:pPr lvl="1" marL="775367" indent="-267367">
               <a:buAutoNum type="arabicPeriod" startAt="1"/>
             </a:pPr>
             <a:r>
@@ -3312,7 +3323,7 @@
             </a:r>
           </a:p>
           <a:p>
-            <a:pPr lvl="1" marL="775368" indent="-267368">
+            <a:pPr lvl="1" marL="775367" indent="-267367">
               <a:buAutoNum type="arabicPeriod" startAt="1"/>
             </a:pPr>
             <a:r>
@@ -3320,7 +3331,7 @@
             </a:r>
           </a:p>
           <a:p>
-            <a:pPr lvl="1" marL="775368" indent="-267368">
+            <a:pPr lvl="1" marL="775367" indent="-267367">
               <a:buAutoNum type="arabicPeriod" startAt="1"/>
             </a:pPr>
             <a:r>
@@ -3328,7 +3339,7 @@
             </a:r>
           </a:p>
           <a:p>
-            <a:pPr lvl="1" marL="775368" indent="-267368">
+            <a:pPr lvl="1" marL="775367" indent="-267367">
               <a:buAutoNum type="arabicPeriod" startAt="1"/>
             </a:pPr>
             <a:r>
@@ -3336,7 +3347,7 @@
             </a:r>
           </a:p>
           <a:p>
-            <a:pPr lvl="1" marL="775368" indent="-267368">
+            <a:pPr lvl="1" marL="775367" indent="-267367">
               <a:buAutoNum type="arabicPeriod" startAt="1"/>
             </a:pPr>
             <a:r>
@@ -3344,7 +3355,7 @@
             </a:r>
           </a:p>
           <a:p>
-            <a:pPr lvl="1" marL="775368" indent="-267368">
+            <a:pPr lvl="1" marL="775367" indent="-267367">
               <a:buAutoNum type="arabicPeriod" startAt="1"/>
             </a:pPr>
             <a:r>
@@ -3352,7 +3363,7 @@
             </a:r>
           </a:p>
           <a:p>
-            <a:pPr lvl="1" marL="775368" indent="-267368">
+            <a:pPr lvl="1" marL="775367" indent="-267367">
               <a:buAutoNum type="arabicPeriod" startAt="1"/>
             </a:pPr>
           </a:p>
@@ -3412,7 +3423,7 @@
         <p:spPr>
           <a:xfrm>
             <a:off x="799889" y="182946"/>
-            <a:ext cx="7444938" cy="586589"/>
+            <a:ext cx="7444938" cy="586590"/>
           </a:xfrm>
           <a:prstGeom prst="rect">
             <a:avLst/>
@@ -3439,8 +3450,8 @@
         </p:nvSpPr>
         <p:spPr>
           <a:xfrm>
-            <a:off x="799889" y="803291"/>
-            <a:ext cx="7444938" cy="4639973"/>
+            <a:off x="799889" y="803290"/>
+            <a:ext cx="7444938" cy="4639974"/>
           </a:xfrm>
           <a:prstGeom prst="rect">
             <a:avLst/>
@@ -3450,48 +3461,48 @@
           <a:bodyPr/>
           <a:lstStyle/>
           <a:p>
-            <a:pPr marL="150241" indent="-150241" defTabSz="256031">
+            <a:pPr marL="150240" indent="-150240" defTabSz="256031">
               <a:spcBef>
                 <a:spcPts val="200"/>
               </a:spcBef>
-              <a:defRPr sz="1120"/>
+              <a:defRPr sz="1100"/>
             </a:pPr>
             <a:r>
               <a:t>Targeting developers of </a:t>
             </a:r>
           </a:p>
           <a:p>
-            <a:pPr lvl="1" marL="150241" indent="0" defTabSz="256031">
+            <a:pPr lvl="1" marL="0" indent="150240" defTabSz="256031">
               <a:spcBef>
                 <a:spcPts val="200"/>
               </a:spcBef>
               <a:buSzTx/>
               <a:buNone/>
-              <a:defRPr sz="1120"/>
+              <a:defRPr sz="1100"/>
             </a:pPr>
             <a:r>
               <a:t>core systems </a:t>
             </a:r>
           </a:p>
           <a:p>
-            <a:pPr lvl="1" marL="150241" indent="0" defTabSz="256031">
+            <a:pPr lvl="1" marL="0" indent="150240" defTabSz="256031">
               <a:spcBef>
                 <a:spcPts val="200"/>
               </a:spcBef>
               <a:buSzTx/>
               <a:buNone/>
-              <a:defRPr sz="1120"/>
+              <a:defRPr sz="1100"/>
             </a:pPr>
             <a:r>
               <a:t>application systems</a:t>
             </a:r>
           </a:p>
           <a:p>
-            <a:pPr marL="150241" indent="-150241" defTabSz="256031">
+            <a:pPr marL="150240" indent="-150240" defTabSz="256031">
               <a:spcBef>
                 <a:spcPts val="200"/>
               </a:spcBef>
-              <a:defRPr sz="1120"/>
+              <a:defRPr sz="1100"/>
             </a:pPr>
             <a:r>
               <a:t>Primary location </a:t>
@@ -3512,36 +3523,36 @@
             </a:r>
           </a:p>
           <a:p>
-            <a:pPr lvl="1" marL="150241" indent="0" defTabSz="256031">
+            <a:pPr lvl="1" marL="0" indent="150240" defTabSz="256031">
               <a:spcBef>
                 <a:spcPts val="200"/>
               </a:spcBef>
               <a:buSzTx/>
               <a:buNone/>
-              <a:defRPr sz="1120"/>
+              <a:defRPr sz="1100"/>
             </a:pPr>
             <a:r>
               <a:t>For core system implementations e.g. java, c++</a:t>
             </a:r>
           </a:p>
           <a:p>
-            <a:pPr lvl="1" marL="150241" indent="0" defTabSz="256031">
+            <a:pPr lvl="1" marL="0" indent="150240" defTabSz="256031">
               <a:spcBef>
                 <a:spcPts val="200"/>
               </a:spcBef>
               <a:buSzTx/>
               <a:buNone/>
-              <a:defRPr sz="1120"/>
-            </a:pPr>
-          </a:p>
-          <a:p>
-            <a:pPr lvl="1" marL="150241" indent="0" defTabSz="256031">
+              <a:defRPr sz="1100"/>
+            </a:pPr>
+          </a:p>
+          <a:p>
+            <a:pPr lvl="1" marL="0" indent="150240" defTabSz="256031">
               <a:spcBef>
                 <a:spcPts val="200"/>
               </a:spcBef>
               <a:buSzTx/>
               <a:buNone/>
-              <a:defRPr sz="1120"/>
+              <a:defRPr sz="1100"/>
             </a:pPr>
             <a:r>
               <a:t>Core system documentation in each core system directory - </a:t>
@@ -3556,78 +3567,78 @@
             </a:r>
           </a:p>
           <a:p>
-            <a:pPr lvl="1" marL="150241" indent="0" defTabSz="256031">
+            <a:pPr lvl="1" marL="0" indent="150240" defTabSz="256031">
               <a:spcBef>
                 <a:spcPts val="200"/>
               </a:spcBef>
               <a:buSzTx/>
               <a:buNone/>
-              <a:defRPr sz="1120"/>
+              <a:defRPr sz="1100"/>
             </a:pPr>
             <a:r>
               <a:t>Interoperability adaptors</a:t>
             </a:r>
           </a:p>
           <a:p>
-            <a:pPr lvl="1" marL="150241" indent="0" defTabSz="256031">
+            <a:pPr lvl="1" marL="0" indent="150240" defTabSz="256031">
               <a:spcBef>
                 <a:spcPts val="200"/>
               </a:spcBef>
               <a:buSzTx/>
               <a:buNone/>
-              <a:defRPr sz="1120"/>
+              <a:defRPr sz="1100"/>
             </a:pPr>
             <a:r>
               <a:t>Tool adaptors</a:t>
             </a:r>
           </a:p>
           <a:p>
-            <a:pPr lvl="1" marL="150241" indent="0" defTabSz="256031">
+            <a:pPr lvl="1" marL="0" indent="150240" defTabSz="256031">
               <a:spcBef>
                 <a:spcPts val="200"/>
               </a:spcBef>
               <a:buSzTx/>
               <a:buNone/>
-              <a:defRPr sz="1120"/>
+              <a:defRPr sz="1100"/>
             </a:pPr>
             <a:r>
               <a:t>Libraries</a:t>
             </a:r>
           </a:p>
           <a:p>
-            <a:pPr lvl="1" marL="150241" indent="0" defTabSz="256031">
+            <a:pPr lvl="1" marL="0" indent="150240" defTabSz="256031">
               <a:spcBef>
                 <a:spcPts val="200"/>
               </a:spcBef>
               <a:buSzTx/>
               <a:buNone/>
-              <a:defRPr sz="1120"/>
+              <a:defRPr sz="1100"/>
             </a:pPr>
             <a:r>
               <a:t>Application system examples</a:t>
             </a:r>
           </a:p>
           <a:p>
-            <a:pPr lvl="2" marL="150241" indent="521842" defTabSz="256031">
+            <a:pPr lvl="2" marL="0" indent="672083" defTabSz="256031">
               <a:spcBef>
                 <a:spcPts val="200"/>
               </a:spcBef>
               <a:buSzTx/>
               <a:buNone/>
-              <a:defRPr sz="1120"/>
+              <a:defRPr sz="1100"/>
             </a:pPr>
             <a:r>
               <a:t>sub directory Documentation</a:t>
             </a:r>
           </a:p>
           <a:p>
-            <a:pPr lvl="2" marL="150241" indent="521842" defTabSz="256031">
+            <a:pPr lvl="2" marL="0" indent="672083" defTabSz="256031">
               <a:spcBef>
                 <a:spcPts val="200"/>
               </a:spcBef>
               <a:buSzTx/>
               <a:buNone/>
-              <a:defRPr sz="1120"/>
+              <a:defRPr sz="1100"/>
             </a:pPr>
             <a:r>
               <a:t>Arrowhead documentation structure</a:t>
@@ -3635,117 +3646,117 @@
             <a:br/>
           </a:p>
           <a:p>
-            <a:pPr lvl="1" marL="150241" indent="0" defTabSz="256031">
+            <a:pPr lvl="1" marL="0" indent="150240" defTabSz="256031">
               <a:spcBef>
                 <a:spcPts val="200"/>
               </a:spcBef>
               <a:buSzTx/>
               <a:buNone/>
-              <a:defRPr sz="1120"/>
+              <a:defRPr sz="1100"/>
             </a:pPr>
             <a:r>
               <a:t>Wiki addressing </a:t>
             </a:r>
           </a:p>
           <a:p>
-            <a:pPr lvl="2" marL="150241" indent="521842" defTabSz="256031">
+            <a:pPr lvl="2" marL="0" indent="672083" defTabSz="256031">
               <a:spcBef>
                 <a:spcPts val="200"/>
               </a:spcBef>
               <a:buSzTx/>
               <a:buNone/>
-              <a:defRPr sz="1120"/>
+              <a:defRPr sz="1100"/>
             </a:pPr>
             <a:r>
               <a:t>application system development - direct coding</a:t>
             </a:r>
           </a:p>
           <a:p>
-            <a:pPr lvl="2" marL="150241" indent="521842" defTabSz="256031">
+            <a:pPr lvl="2" marL="0" indent="672083" defTabSz="256031">
               <a:spcBef>
                 <a:spcPts val="200"/>
               </a:spcBef>
               <a:buSzTx/>
               <a:buNone/>
-              <a:defRPr sz="1120"/>
+              <a:defRPr sz="1100"/>
             </a:pPr>
             <a:r>
               <a:t>application system development - from models (SysML)</a:t>
             </a:r>
           </a:p>
           <a:p>
-            <a:pPr lvl="2" marL="150241" indent="521842" defTabSz="256031">
+            <a:pPr lvl="2" marL="0" indent="672083" defTabSz="256031">
               <a:spcBef>
                 <a:spcPts val="200"/>
               </a:spcBef>
               <a:buSzTx/>
               <a:buNone/>
-              <a:defRPr sz="1120"/>
+              <a:defRPr sz="1100"/>
             </a:pPr>
             <a:r>
               <a:t>application system examples using important libraries e.g.</a:t>
             </a:r>
           </a:p>
           <a:p>
-            <a:pPr lvl="3" marL="150241" indent="800733" defTabSz="256031">
+            <a:pPr lvl="3" marL="0" indent="950974" defTabSz="256031">
               <a:spcBef>
                 <a:spcPts val="200"/>
               </a:spcBef>
               <a:buSzTx/>
               <a:buNone/>
-              <a:defRPr sz="1120"/>
+              <a:defRPr sz="1100"/>
             </a:pPr>
             <a:r>
               <a:t>Kalix</a:t>
             </a:r>
           </a:p>
           <a:p>
-            <a:pPr lvl="3" marL="150241" indent="800733" defTabSz="256031">
+            <a:pPr lvl="3" marL="0" indent="950974" defTabSz="256031">
               <a:spcBef>
                 <a:spcPts val="200"/>
               </a:spcBef>
               <a:buSzTx/>
               <a:buNone/>
-              <a:defRPr sz="1120"/>
+              <a:defRPr sz="1100"/>
             </a:pPr>
             <a:r>
               <a:t>C++</a:t>
             </a:r>
           </a:p>
           <a:p>
-            <a:pPr lvl="3" marL="150241" indent="800733" defTabSz="256031">
+            <a:pPr lvl="3" marL="0" indent="950974" defTabSz="256031">
               <a:spcBef>
                 <a:spcPts val="200"/>
               </a:spcBef>
               <a:buSzTx/>
               <a:buNone/>
-              <a:defRPr sz="1120"/>
+              <a:defRPr sz="1100"/>
             </a:pPr>
             <a:r>
               <a:t>QT</a:t>
             </a:r>
           </a:p>
           <a:p>
-            <a:pPr lvl="1" marL="150241" indent="0" defTabSz="256031">
+            <a:pPr lvl="1" marL="0" indent="150240" defTabSz="256031">
               <a:spcBef>
                 <a:spcPts val="200"/>
               </a:spcBef>
               <a:buSzTx/>
               <a:buNone/>
-              <a:defRPr sz="1120"/>
+              <a:defRPr sz="1100"/>
             </a:pPr>
             <a:r>
               <a:t>Videos</a:t>
             </a:r>
           </a:p>
           <a:p>
-            <a:pPr lvl="2" marL="150241" indent="521842" defTabSz="256031">
+            <a:pPr lvl="2" marL="0" indent="672083" defTabSz="256031">
               <a:spcBef>
                 <a:spcPts val="200"/>
               </a:spcBef>
               <a:buSzTx/>
               <a:buNone/>
-              <a:defRPr sz="1120"/>
+              <a:defRPr sz="1100"/>
             </a:pPr>
             <a:r>
               <a:t>HowTo’s</a:t>
@@ -3788,6 +3799,10 @@
           </p:nvPr>
         </p:nvSpPr>
         <p:spPr>
+          <a:xfrm>
+            <a:off x="799889" y="598564"/>
+            <a:ext cx="7444938" cy="586590"/>
+          </a:xfrm>
           <a:prstGeom prst="rect">
             <a:avLst/>
           </a:prstGeom>
@@ -3828,46 +3843,46 @@
               <a:spcBef>
                 <a:spcPts val="200"/>
               </a:spcBef>
-              <a:defRPr sz="1260"/>
+              <a:defRPr sz="1200"/>
             </a:pPr>
             <a:r>
               <a:t>Targeting</a:t>
             </a:r>
           </a:p>
           <a:p>
-            <a:pPr lvl="1" marL="169021" indent="119014" defTabSz="288036">
+            <a:pPr lvl="1" marL="0" indent="288035" defTabSz="288036">
               <a:spcBef>
                 <a:spcPts val="200"/>
               </a:spcBef>
               <a:buSzTx/>
               <a:buNone/>
-              <a:defRPr sz="1260"/>
+              <a:defRPr sz="1200"/>
             </a:pPr>
             <a:r>
               <a:t>Automation architects</a:t>
             </a:r>
           </a:p>
           <a:p>
-            <a:pPr lvl="1" marL="169021" indent="119014" defTabSz="288036">
+            <a:pPr lvl="1" marL="0" indent="288035" defTabSz="288036">
               <a:spcBef>
                 <a:spcPts val="200"/>
               </a:spcBef>
               <a:buSzTx/>
               <a:buNone/>
-              <a:defRPr sz="1260"/>
+              <a:defRPr sz="1200"/>
             </a:pPr>
             <a:r>
               <a:t>Automation solution engineers</a:t>
             </a:r>
           </a:p>
           <a:p>
-            <a:pPr lvl="1" marL="169021" indent="119014" defTabSz="288036">
+            <a:pPr lvl="1" marL="0" indent="288035" defTabSz="288036">
               <a:spcBef>
                 <a:spcPts val="200"/>
               </a:spcBef>
               <a:buSzTx/>
               <a:buNone/>
-              <a:defRPr sz="1260"/>
+              <a:defRPr sz="1200"/>
             </a:pPr>
           </a:p>
           <a:p>
@@ -3875,7 +3890,7 @@
               <a:spcBef>
                 <a:spcPts val="200"/>
               </a:spcBef>
-              <a:defRPr sz="1260"/>
+              <a:defRPr sz="1200"/>
             </a:pPr>
             <a:r>
               <a:t>Primary location </a:t>
@@ -3896,65 +3911,65 @@
             </a:r>
           </a:p>
           <a:p>
-            <a:pPr lvl="1" marL="169021" indent="0" defTabSz="288036">
+            <a:pPr lvl="1" marL="0" indent="169021" defTabSz="288036">
               <a:spcBef>
                 <a:spcPts val="200"/>
               </a:spcBef>
               <a:buSzTx/>
               <a:buNone/>
-              <a:defRPr sz="1260"/>
+              <a:defRPr sz="1200"/>
             </a:pPr>
             <a:r>
               <a:t>Core system documentation in each core system directory</a:t>
             </a:r>
           </a:p>
           <a:p>
-            <a:pPr lvl="1" marL="169021" indent="0" defTabSz="288036">
+            <a:pPr lvl="1" marL="0" indent="169021" defTabSz="288036">
               <a:spcBef>
                 <a:spcPts val="200"/>
               </a:spcBef>
               <a:buSzTx/>
               <a:buNone/>
-              <a:defRPr sz="1260"/>
+              <a:defRPr sz="1200"/>
             </a:pPr>
             <a:r>
               <a:t>Interoperability adaptors, e.g. OPC-UA, Z-wave, Modbus-TCP, …</a:t>
             </a:r>
           </a:p>
           <a:p>
-            <a:pPr lvl="1" marL="169021" indent="0" defTabSz="288036">
+            <a:pPr lvl="1" marL="0" indent="169021" defTabSz="288036">
               <a:spcBef>
                 <a:spcPts val="200"/>
               </a:spcBef>
               <a:buSzTx/>
               <a:buNone/>
-              <a:defRPr sz="1260"/>
+              <a:defRPr sz="1200"/>
             </a:pPr>
             <a:r>
               <a:t>Tool adaptors</a:t>
             </a:r>
           </a:p>
           <a:p>
-            <a:pPr lvl="1" marL="169021" indent="0" defTabSz="288036">
+            <a:pPr lvl="1" marL="0" indent="169021" defTabSz="288036">
               <a:spcBef>
                 <a:spcPts val="200"/>
               </a:spcBef>
               <a:buSzTx/>
               <a:buNone/>
-              <a:defRPr sz="1260"/>
+              <a:defRPr sz="1200"/>
             </a:pPr>
             <a:r>
               <a:t>Application system examples</a:t>
             </a:r>
           </a:p>
           <a:p>
-            <a:pPr lvl="2" marL="169021" indent="587073" defTabSz="288036">
+            <a:pPr lvl="2" marL="0" indent="756093" defTabSz="288036">
               <a:spcBef>
                 <a:spcPts val="200"/>
               </a:spcBef>
               <a:buSzTx/>
               <a:buNone/>
-              <a:defRPr sz="1260"/>
+              <a:defRPr sz="1200"/>
             </a:pPr>
             <a:r>
               <a:t>Arrowhead SysD and SD documentation</a:t>
@@ -3962,91 +3977,91 @@
             <a:br/>
           </a:p>
           <a:p>
-            <a:pPr lvl="1" marL="169021" indent="0" defTabSz="288036">
+            <a:pPr lvl="1" marL="0" indent="169021" defTabSz="288036">
               <a:spcBef>
                 <a:spcPts val="200"/>
               </a:spcBef>
               <a:buSzTx/>
               <a:buNone/>
-              <a:defRPr sz="1260"/>
+              <a:defRPr sz="1200"/>
             </a:pPr>
             <a:r>
               <a:t>Wiki addressing</a:t>
             </a:r>
           </a:p>
           <a:p>
-            <a:pPr lvl="2" marL="169021" indent="587073" defTabSz="288036">
+            <a:pPr lvl="2" marL="0" indent="756093" defTabSz="288036">
               <a:spcBef>
                 <a:spcPts val="200"/>
               </a:spcBef>
               <a:buSzTx/>
               <a:buNone/>
-              <a:defRPr sz="1260"/>
+              <a:defRPr sz="1200"/>
             </a:pPr>
             <a:r>
               <a:t>application SoS architecting</a:t>
             </a:r>
           </a:p>
           <a:p>
-            <a:pPr lvl="2" marL="169021" indent="587073" defTabSz="288036">
+            <a:pPr lvl="2" marL="0" indent="756093" defTabSz="288036">
               <a:spcBef>
                 <a:spcPts val="200"/>
               </a:spcBef>
               <a:buSzTx/>
               <a:buNone/>
-              <a:defRPr sz="1260"/>
+              <a:defRPr sz="1200"/>
             </a:pPr>
             <a:r>
               <a:t>application SoS modeling (SysML)</a:t>
             </a:r>
           </a:p>
           <a:p>
-            <a:pPr lvl="2" marL="169021" indent="587073" defTabSz="288036">
+            <a:pPr lvl="2" marL="0" indent="756093" defTabSz="288036">
               <a:spcBef>
                 <a:spcPts val="200"/>
               </a:spcBef>
               <a:buSzTx/>
               <a:buNone/>
-              <a:defRPr sz="1260"/>
+              <a:defRPr sz="1200"/>
             </a:pPr>
             <a:r>
               <a:t>application SoS implementation </a:t>
             </a:r>
           </a:p>
           <a:p>
-            <a:pPr lvl="3" marL="169021" indent="900825" defTabSz="288036">
+            <a:pPr lvl="3" marL="0" indent="1069845" defTabSz="288036">
               <a:spcBef>
                 <a:spcPts val="200"/>
               </a:spcBef>
               <a:buSzTx/>
               <a:buNone/>
-              <a:defRPr sz="1260"/>
+              <a:defRPr sz="1200"/>
             </a:pPr>
             <a:r>
               <a:t>references to developers documentation</a:t>
             </a:r>
           </a:p>
           <a:p>
-            <a:pPr lvl="2" marL="169021" indent="587073" defTabSz="288036">
+            <a:pPr lvl="2" marL="0" indent="756093" defTabSz="288036">
               <a:spcBef>
                 <a:spcPts val="200"/>
               </a:spcBef>
               <a:buSzTx/>
               <a:buNone/>
-              <a:defRPr sz="1260"/>
+              <a:defRPr sz="1200"/>
             </a:pPr>
             <a:r>
               <a:t>Success storys</a:t>
             </a:r>
           </a:p>
           <a:p>
-            <a:pPr lvl="1" marL="169021" indent="0" defTabSz="288036">
+            <a:pPr lvl="1" marL="0" indent="169021" defTabSz="288036">
               <a:spcBef>
                 <a:spcPts val="200"/>
               </a:spcBef>
               <a:buSzTx/>
               <a:buNone/>
-              <a:defRPr sz="1260"/>
+              <a:defRPr sz="1200"/>
             </a:pPr>
             <a:r>
               <a:t>Videos</a:t>
@@ -4089,6 +4104,10 @@
           </p:nvPr>
         </p:nvSpPr>
         <p:spPr>
+          <a:xfrm>
+            <a:off x="799889" y="598564"/>
+            <a:ext cx="7444938" cy="586590"/>
+          </a:xfrm>
           <a:prstGeom prst="rect">
             <a:avLst/>
           </a:prstGeom>
@@ -4129,46 +4148,46 @@
               <a:spcBef>
                 <a:spcPts val="200"/>
               </a:spcBef>
-              <a:defRPr sz="1380"/>
+              <a:defRPr sz="1300"/>
             </a:pPr>
             <a:r>
               <a:t>Targeting</a:t>
             </a:r>
           </a:p>
           <a:p>
-            <a:pPr lvl="1" marL="185118" indent="130349" defTabSz="315468">
+            <a:pPr lvl="1" marL="0" indent="315466" defTabSz="315468">
               <a:spcBef>
                 <a:spcPts val="200"/>
               </a:spcBef>
               <a:buSzTx/>
               <a:buNone/>
-              <a:defRPr sz="1380"/>
+              <a:defRPr sz="1300"/>
             </a:pPr>
             <a:r>
               <a:t>IT architects</a:t>
             </a:r>
           </a:p>
           <a:p>
-            <a:pPr lvl="1" marL="185118" indent="130349" defTabSz="315468">
+            <a:pPr lvl="1" marL="0" indent="315466" defTabSz="315468">
               <a:spcBef>
                 <a:spcPts val="200"/>
               </a:spcBef>
               <a:buSzTx/>
               <a:buNone/>
-              <a:defRPr sz="1380"/>
+              <a:defRPr sz="1300"/>
             </a:pPr>
             <a:r>
               <a:t>IT solution engineers</a:t>
             </a:r>
           </a:p>
           <a:p>
-            <a:pPr lvl="1" marL="185118" indent="130349" defTabSz="315468">
+            <a:pPr lvl="1" marL="0" indent="315466" defTabSz="315468">
               <a:spcBef>
                 <a:spcPts val="200"/>
               </a:spcBef>
               <a:buSzTx/>
               <a:buNone/>
-              <a:defRPr sz="1380"/>
+              <a:defRPr sz="1300"/>
             </a:pPr>
           </a:p>
           <a:p>
@@ -4176,7 +4195,7 @@
               <a:spcBef>
                 <a:spcPts val="200"/>
               </a:spcBef>
-              <a:defRPr sz="1380"/>
+              <a:defRPr sz="1300"/>
             </a:pPr>
             <a:r>
               <a:t>Primary location </a:t>
@@ -4197,65 +4216,65 @@
             </a:r>
           </a:p>
           <a:p>
-            <a:pPr lvl="1" marL="185118" indent="0" defTabSz="315468">
+            <a:pPr lvl="1" marL="0" indent="185118" defTabSz="315468">
               <a:spcBef>
                 <a:spcPts val="200"/>
               </a:spcBef>
               <a:buSzTx/>
               <a:buNone/>
-              <a:defRPr sz="1380"/>
+              <a:defRPr sz="1300"/>
             </a:pPr>
             <a:r>
               <a:t>Core system documentation in each core system directory</a:t>
             </a:r>
           </a:p>
           <a:p>
-            <a:pPr lvl="1" marL="185118" indent="0" defTabSz="315468">
+            <a:pPr lvl="1" marL="0" indent="185118" defTabSz="315468">
               <a:spcBef>
                 <a:spcPts val="200"/>
               </a:spcBef>
               <a:buSzTx/>
               <a:buNone/>
-              <a:defRPr sz="1380"/>
+              <a:defRPr sz="1300"/>
             </a:pPr>
             <a:r>
               <a:t>Interoperability adaptors, e.g. OPC-UA, Z-wave, Modbus-TCP, …</a:t>
             </a:r>
           </a:p>
           <a:p>
-            <a:pPr lvl="1" marL="185118" indent="0" defTabSz="315468">
+            <a:pPr lvl="1" marL="0" indent="185118" defTabSz="315468">
               <a:spcBef>
                 <a:spcPts val="200"/>
               </a:spcBef>
               <a:buSzTx/>
               <a:buNone/>
-              <a:defRPr sz="1380"/>
+              <a:defRPr sz="1300"/>
             </a:pPr>
             <a:r>
               <a:t>Tool interoperability adaptors</a:t>
             </a:r>
           </a:p>
           <a:p>
-            <a:pPr lvl="1" marL="185118" indent="0" defTabSz="315468">
+            <a:pPr lvl="1" marL="0" indent="185118" defTabSz="315468">
               <a:spcBef>
                 <a:spcPts val="200"/>
               </a:spcBef>
               <a:buSzTx/>
               <a:buNone/>
-              <a:defRPr sz="1380"/>
+              <a:defRPr sz="1300"/>
             </a:pPr>
             <a:r>
               <a:t>Application system examples</a:t>
             </a:r>
           </a:p>
           <a:p>
-            <a:pPr lvl="2" marL="185118" indent="642984" defTabSz="315468">
+            <a:pPr lvl="2" marL="0" indent="828101" defTabSz="315468">
               <a:spcBef>
                 <a:spcPts val="200"/>
               </a:spcBef>
               <a:buSzTx/>
               <a:buNone/>
-              <a:defRPr sz="1380"/>
+              <a:defRPr sz="1300"/>
             </a:pPr>
             <a:r>
               <a:t>Arrowhead SysD and SD documentation</a:t>
@@ -4263,78 +4282,78 @@
             <a:br/>
           </a:p>
           <a:p>
-            <a:pPr lvl="1" marL="185118" indent="0" defTabSz="315468">
+            <a:pPr lvl="1" marL="0" indent="185118" defTabSz="315468">
               <a:spcBef>
                 <a:spcPts val="200"/>
               </a:spcBef>
               <a:buSzTx/>
               <a:buNone/>
-              <a:defRPr sz="1380"/>
+              <a:defRPr sz="1300"/>
             </a:pPr>
             <a:r>
               <a:t>Wiki addressing</a:t>
             </a:r>
           </a:p>
           <a:p>
-            <a:pPr lvl="2" marL="185118" indent="642984" defTabSz="315468">
+            <a:pPr lvl="2" marL="0" indent="828101" defTabSz="315468">
               <a:spcBef>
                 <a:spcPts val="200"/>
               </a:spcBef>
               <a:buSzTx/>
               <a:buNone/>
-              <a:defRPr sz="1380"/>
+              <a:defRPr sz="1300"/>
             </a:pPr>
             <a:r>
               <a:t>application SoS architecting</a:t>
             </a:r>
           </a:p>
           <a:p>
-            <a:pPr lvl="2" marL="185118" indent="642984" defTabSz="315468">
+            <a:pPr lvl="2" marL="0" indent="828101" defTabSz="315468">
               <a:spcBef>
                 <a:spcPts val="200"/>
               </a:spcBef>
               <a:buSzTx/>
               <a:buNone/>
-              <a:defRPr sz="1380"/>
+              <a:defRPr sz="1300"/>
             </a:pPr>
             <a:r>
               <a:t>application SoS modeling (SysML)</a:t>
             </a:r>
           </a:p>
           <a:p>
-            <a:pPr lvl="2" marL="185118" indent="642984" defTabSz="315468">
+            <a:pPr lvl="2" marL="0" indent="828101" defTabSz="315468">
               <a:spcBef>
                 <a:spcPts val="200"/>
               </a:spcBef>
               <a:buSzTx/>
               <a:buNone/>
-              <a:defRPr sz="1380"/>
+              <a:defRPr sz="1300"/>
             </a:pPr>
             <a:r>
               <a:t>application SoS implementation </a:t>
             </a:r>
           </a:p>
           <a:p>
-            <a:pPr lvl="3" marL="185118" indent="986618" defTabSz="315468">
+            <a:pPr lvl="3" marL="0" indent="1171735" defTabSz="315468">
               <a:spcBef>
                 <a:spcPts val="200"/>
               </a:spcBef>
               <a:buSzTx/>
               <a:buNone/>
-              <a:defRPr sz="1380"/>
+              <a:defRPr sz="1300"/>
             </a:pPr>
             <a:r>
               <a:t>references to developers documentation</a:t>
             </a:r>
           </a:p>
           <a:p>
-            <a:pPr lvl="2" marL="185118" indent="642984" defTabSz="315468">
+            <a:pPr lvl="2" marL="0" indent="828101" defTabSz="315468">
               <a:spcBef>
                 <a:spcPts val="200"/>
               </a:spcBef>
               <a:buSzTx/>
               <a:buNone/>
-              <a:defRPr sz="1380"/>
+              <a:defRPr sz="1300"/>
             </a:pPr>
             <a:r>
               <a:t>Success storys</a:t>
@@ -4377,6 +4396,10 @@
           </p:nvPr>
         </p:nvSpPr>
         <p:spPr>
+          <a:xfrm>
+            <a:off x="799889" y="598564"/>
+            <a:ext cx="7444938" cy="586590"/>
+          </a:xfrm>
           <a:prstGeom prst="rect">
             <a:avLst/>
           </a:prstGeom>
@@ -4385,7 +4408,7 @@
           <a:bodyPr/>
           <a:lstStyle>
             <a:lvl1pPr defTabSz="434340">
-              <a:defRPr sz="3420"/>
+              <a:defRPr sz="3400"/>
             </a:lvl1pPr>
           </a:lstStyle>
           <a:p>
@@ -4417,58 +4440,58 @@
           <a:bodyPr/>
           <a:lstStyle/>
           <a:p>
-            <a:pPr marL="222679" indent="-222679" defTabSz="379475">
+            <a:pPr marL="222678" indent="-222678" defTabSz="379474">
               <a:spcBef>
                 <a:spcPts val="300"/>
               </a:spcBef>
-              <a:defRPr sz="1660"/>
+              <a:defRPr sz="1600"/>
             </a:pPr>
             <a:r>
               <a:t>Targeting</a:t>
             </a:r>
           </a:p>
           <a:p>
-            <a:pPr lvl="1" marL="222679" indent="156796" defTabSz="379475">
+            <a:pPr lvl="1" marL="0" indent="379474" defTabSz="379474">
               <a:spcBef>
                 <a:spcPts val="300"/>
               </a:spcBef>
               <a:buSzTx/>
               <a:buNone/>
-              <a:defRPr sz="1660"/>
+              <a:defRPr sz="1600"/>
             </a:pPr>
             <a:r>
               <a:t>Automation managers</a:t>
             </a:r>
           </a:p>
           <a:p>
-            <a:pPr lvl="1" marL="222679" indent="156796" defTabSz="379475">
+            <a:pPr lvl="1" marL="0" indent="379474" defTabSz="379474">
               <a:spcBef>
                 <a:spcPts val="300"/>
               </a:spcBef>
               <a:buSzTx/>
               <a:buNone/>
-              <a:defRPr sz="1660"/>
+              <a:defRPr sz="1600"/>
             </a:pPr>
             <a:r>
               <a:t>CIO’s</a:t>
             </a:r>
           </a:p>
           <a:p>
-            <a:pPr lvl="1" marL="222679" indent="156796" defTabSz="379475">
+            <a:pPr lvl="1" marL="0" indent="379474" defTabSz="379474">
               <a:spcBef>
                 <a:spcPts val="300"/>
               </a:spcBef>
               <a:buSzTx/>
               <a:buNone/>
-              <a:defRPr sz="1660"/>
-            </a:pPr>
-          </a:p>
-          <a:p>
-            <a:pPr marL="222679" indent="-222679" defTabSz="379475">
+              <a:defRPr sz="1600"/>
+            </a:pPr>
+          </a:p>
+          <a:p>
+            <a:pPr marL="222678" indent="-222678" defTabSz="379474">
               <a:spcBef>
                 <a:spcPts val="300"/>
               </a:spcBef>
-              <a:defRPr sz="1660"/>
+              <a:defRPr sz="1600"/>
             </a:pPr>
             <a:r>
               <a:t>Primary location </a:t>
@@ -4489,49 +4512,49 @@
             </a:r>
           </a:p>
           <a:p>
-            <a:pPr lvl="1" marL="222679" indent="0" defTabSz="379475">
+            <a:pPr lvl="1" marL="0" indent="222678" defTabSz="379474">
               <a:spcBef>
                 <a:spcPts val="300"/>
               </a:spcBef>
               <a:buSzTx/>
               <a:buNone/>
-              <a:defRPr sz="1660"/>
+              <a:defRPr sz="1600"/>
             </a:pPr>
             <a:r>
               <a:t>Global architecture documentation </a:t>
             </a:r>
           </a:p>
           <a:p>
-            <a:pPr lvl="2" marL="222679" indent="773445" defTabSz="379475">
+            <a:pPr lvl="2" marL="0" indent="996123" defTabSz="379474">
               <a:spcBef>
                 <a:spcPts val="300"/>
               </a:spcBef>
               <a:buSzTx/>
               <a:buNone/>
-              <a:defRPr sz="1660"/>
+              <a:defRPr sz="1600"/>
             </a:pPr>
             <a:r>
               <a:t>Arrowhead SoSD documentation</a:t>
             </a:r>
           </a:p>
           <a:p>
-            <a:pPr lvl="1" marL="222679" indent="0" defTabSz="379475">
+            <a:pPr lvl="1" marL="0" indent="222678" defTabSz="379474">
               <a:spcBef>
                 <a:spcPts val="300"/>
               </a:spcBef>
               <a:buSzTx/>
               <a:buNone/>
-              <a:defRPr sz="1660"/>
-            </a:pPr>
-          </a:p>
-          <a:p>
-            <a:pPr lvl="1" marL="222679" indent="0" defTabSz="379475">
+              <a:defRPr sz="1600"/>
+            </a:pPr>
+          </a:p>
+          <a:p>
+            <a:pPr lvl="1" marL="0" indent="222678" defTabSz="379474">
               <a:spcBef>
                 <a:spcPts val="300"/>
               </a:spcBef>
               <a:buSzTx/>
               <a:buNone/>
-              <a:defRPr sz="1660"/>
+              <a:defRPr sz="1600"/>
             </a:pPr>
             <a:r>
               <a:t>Youtube - High level videos</a:t>
@@ -4539,52 +4562,52 @@
             <a:br/>
           </a:p>
           <a:p>
-            <a:pPr lvl="1" marL="222679" indent="0" defTabSz="379475">
+            <a:pPr lvl="1" marL="0" indent="222678" defTabSz="379474">
               <a:spcBef>
                 <a:spcPts val="300"/>
               </a:spcBef>
               <a:buSzTx/>
               <a:buNone/>
-              <a:defRPr sz="1660"/>
+              <a:defRPr sz="1600"/>
             </a:pPr>
             <a:r>
               <a:t>Wiki addressing</a:t>
             </a:r>
           </a:p>
           <a:p>
-            <a:pPr lvl="2" marL="222679" indent="773445" defTabSz="379475">
+            <a:pPr lvl="2" marL="0" indent="996123" defTabSz="379474">
               <a:spcBef>
                 <a:spcPts val="300"/>
               </a:spcBef>
               <a:buSzTx/>
               <a:buNone/>
-              <a:defRPr sz="1660"/>
+              <a:defRPr sz="1600"/>
             </a:pPr>
             <a:r>
               <a:t>Solution SoS architecture and capabilities</a:t>
             </a:r>
           </a:p>
           <a:p>
-            <a:pPr lvl="2" marL="222679" indent="773445" defTabSz="379475">
+            <a:pPr lvl="2" marL="0" indent="996123" defTabSz="379474">
               <a:spcBef>
                 <a:spcPts val="300"/>
               </a:spcBef>
               <a:buSzTx/>
               <a:buNone/>
-              <a:defRPr sz="1660"/>
+              <a:defRPr sz="1600"/>
             </a:pPr>
             <a:r>
               <a:t>Engineering process and tools</a:t>
             </a:r>
           </a:p>
           <a:p>
-            <a:pPr lvl="2" marL="222679" indent="773445" defTabSz="379475">
+            <a:pPr lvl="2" marL="0" indent="996123" defTabSz="379474">
               <a:spcBef>
                 <a:spcPts val="300"/>
               </a:spcBef>
               <a:buSzTx/>
               <a:buNone/>
-              <a:defRPr sz="1660"/>
+              <a:defRPr sz="1600"/>
             </a:pPr>
             <a:r>
               <a:t>Success storys</a:t>
@@ -4627,6 +4650,10 @@
           </p:nvPr>
         </p:nvSpPr>
         <p:spPr>
+          <a:xfrm>
+            <a:off x="799889" y="598564"/>
+            <a:ext cx="7444938" cy="586590"/>
+          </a:xfrm>
           <a:prstGeom prst="rect">
             <a:avLst/>
           </a:prstGeom>
@@ -4652,8 +4679,8 @@
         </p:nvSpPr>
         <p:spPr>
           <a:xfrm>
-            <a:off x="799889" y="1185151"/>
-            <a:ext cx="7444938" cy="4071833"/>
+            <a:off x="799889" y="1185150"/>
+            <a:ext cx="7444938" cy="4071834"/>
           </a:xfrm>
           <a:prstGeom prst="rect">
             <a:avLst/>
@@ -4667,46 +4694,46 @@
               <a:spcBef>
                 <a:spcPts val="300"/>
               </a:spcBef>
-              <a:defRPr sz="1779"/>
+              <a:defRPr sz="1700"/>
             </a:pPr>
             <a:r>
               <a:t>Targeting</a:t>
             </a:r>
           </a:p>
           <a:p>
-            <a:pPr lvl="1" marL="238776" indent="168131" defTabSz="406908">
+            <a:pPr lvl="1" marL="0" indent="406906" defTabSz="406908">
               <a:spcBef>
                 <a:spcPts val="300"/>
               </a:spcBef>
               <a:buSzTx/>
               <a:buNone/>
-              <a:defRPr sz="1779"/>
+              <a:defRPr sz="1700"/>
             </a:pPr>
             <a:r>
               <a:t>Politicians and </a:t>
             </a:r>
           </a:p>
           <a:p>
-            <a:pPr lvl="1" marL="238776" indent="168131" defTabSz="406908">
+            <a:pPr lvl="1" marL="0" indent="406906" defTabSz="406908">
               <a:spcBef>
                 <a:spcPts val="300"/>
               </a:spcBef>
               <a:buSzTx/>
               <a:buNone/>
-              <a:defRPr sz="1779"/>
+              <a:defRPr sz="1700"/>
             </a:pPr>
             <a:r>
               <a:t>PA officers</a:t>
             </a:r>
           </a:p>
           <a:p>
-            <a:pPr lvl="1" marL="238776" indent="168131" defTabSz="406908">
+            <a:pPr lvl="1" marL="0" indent="406906" defTabSz="406908">
               <a:spcBef>
                 <a:spcPts val="300"/>
               </a:spcBef>
               <a:buSzTx/>
               <a:buNone/>
-              <a:defRPr sz="1779"/>
+              <a:defRPr sz="1700"/>
             </a:pPr>
           </a:p>
           <a:p>
@@ -4714,7 +4741,7 @@
               <a:spcBef>
                 <a:spcPts val="300"/>
               </a:spcBef>
-              <a:defRPr sz="1779"/>
+              <a:defRPr sz="1700"/>
             </a:pPr>
             <a:r>
               <a:t>Primary location </a:t>
@@ -4735,88 +4762,88 @@
             </a:r>
           </a:p>
           <a:p>
-            <a:pPr lvl="2" marL="238776" indent="829357" defTabSz="406908">
+            <a:pPr lvl="2" marL="0" indent="1068133" defTabSz="406908">
               <a:spcBef>
                 <a:spcPts val="300"/>
               </a:spcBef>
               <a:buSzTx/>
               <a:buNone/>
-              <a:defRPr sz="1779"/>
-            </a:pPr>
-          </a:p>
-          <a:p>
-            <a:pPr lvl="1" marL="238776" indent="0" defTabSz="406908">
+              <a:defRPr sz="1700"/>
+            </a:pPr>
+          </a:p>
+          <a:p>
+            <a:pPr lvl="1" marL="0" indent="238776" defTabSz="406908">
               <a:spcBef>
                 <a:spcPts val="300"/>
               </a:spcBef>
               <a:buSzTx/>
               <a:buNone/>
-              <a:defRPr sz="1779"/>
+              <a:defRPr sz="1700"/>
             </a:pPr>
             <a:r>
               <a:t>Wiki addressing</a:t>
             </a:r>
           </a:p>
           <a:p>
-            <a:pPr lvl="2" marL="238776" indent="829357" defTabSz="406908">
+            <a:pPr lvl="2" marL="0" indent="1068133" defTabSz="406908">
               <a:spcBef>
                 <a:spcPts val="300"/>
               </a:spcBef>
               <a:buSzTx/>
               <a:buNone/>
-              <a:defRPr sz="1779"/>
+              <a:defRPr sz="1700"/>
             </a:pPr>
             <a:r>
               <a:t>Success storys</a:t>
             </a:r>
           </a:p>
           <a:p>
-            <a:pPr lvl="3" marL="238776" indent="1272594" defTabSz="406908">
+            <a:pPr lvl="3" marL="0" indent="1511370" defTabSz="406908">
               <a:spcBef>
                 <a:spcPts val="300"/>
               </a:spcBef>
               <a:buSzTx/>
               <a:buNone/>
-              <a:defRPr sz="1779"/>
+              <a:defRPr sz="1700"/>
             </a:pPr>
             <a:r>
               <a:t>Solution SoS architecture and capabilities</a:t>
             </a:r>
           </a:p>
           <a:p>
-            <a:pPr lvl="3" marL="238776" indent="1272594" defTabSz="406908">
+            <a:pPr lvl="3" marL="0" indent="1511370" defTabSz="406908">
               <a:spcBef>
                 <a:spcPts val="300"/>
               </a:spcBef>
               <a:buSzTx/>
               <a:buNone/>
-              <a:defRPr sz="1779"/>
+              <a:defRPr sz="1700"/>
             </a:pPr>
             <a:r>
               <a:t>Engineering process and tools</a:t>
             </a:r>
           </a:p>
           <a:p>
-            <a:pPr lvl="1" marL="238776" indent="0" defTabSz="406908">
+            <a:pPr lvl="1" marL="0" indent="238776" defTabSz="406908">
               <a:spcBef>
                 <a:spcPts val="300"/>
               </a:spcBef>
               <a:buSzTx/>
               <a:buNone/>
-              <a:defRPr sz="1779"/>
+              <a:defRPr sz="1700"/>
             </a:pPr>
             <a:r>
               <a:t>Youtube</a:t>
             </a:r>
           </a:p>
           <a:p>
-            <a:pPr lvl="2" marL="238776" indent="829357" defTabSz="406908">
+            <a:pPr lvl="2" marL="0" indent="1068133" defTabSz="406908">
               <a:spcBef>
                 <a:spcPts val="300"/>
               </a:spcBef>
               <a:buSzTx/>
               <a:buNone/>
-              <a:defRPr sz="1779"/>
+              <a:defRPr sz="1700"/>
             </a:pPr>
             <a:r>
               <a:t>High level videos</a:t>
@@ -4861,7 +4888,7 @@
         <p:spPr>
           <a:xfrm>
             <a:off x="799889" y="598565"/>
-            <a:ext cx="7444938" cy="586589"/>
+            <a:ext cx="7444938" cy="586590"/>
           </a:xfrm>
           <a:prstGeom prst="rect">
             <a:avLst/>
@@ -4888,8 +4915,8 @@
         </p:nvSpPr>
         <p:spPr>
           <a:xfrm>
-            <a:off x="799889" y="1185150"/>
-            <a:ext cx="7444938" cy="4529852"/>
+            <a:off x="799889" y="1185149"/>
+            <a:ext cx="7444938" cy="4529854"/>
           </a:xfrm>
           <a:prstGeom prst="rect">
             <a:avLst/>
@@ -4945,9 +4972,8 @@
             </a:r>
           </a:p>
           <a:p>
-            <a:pPr/>
-            <a:r>
-              <a:rPr u="sng">
+            <a:pPr>
+              <a:defRPr u="sng">
                 <a:solidFill>
                   <a:srgbClr val="0000FF"/>
                 </a:solidFill>
@@ -4956,6 +4982,10 @@
                     <a:srgbClr val="0000FF"/>
                   </a:solidFill>
                 </a:uFill>
+              </a:defRPr>
+            </a:pPr>
+            <a:r>
+              <a:rPr>
                 <a:hlinkClick r:id="rId4" invalidUrl="" action="" tgtFrame="" tooltip="" history="1" highlightClick="0" endSnd="0"/>
               </a:rPr>
               <a:t>www.arrowhead.eu/eclipse_arrowhead</a:t>
@@ -4999,8 +5029,8 @@
         </p:nvSpPr>
         <p:spPr>
           <a:xfrm>
-            <a:off x="799889" y="157717"/>
-            <a:ext cx="7444938" cy="586590"/>
+            <a:off x="799889" y="157716"/>
+            <a:ext cx="7444938" cy="586592"/>
           </a:xfrm>
           <a:prstGeom prst="rect">
             <a:avLst/>
@@ -5049,7 +5079,7 @@
             </a:r>
           </a:p>
           <a:p>
-            <a:pPr lvl="1" marL="0" indent="406906" defTabSz="406908">
+            <a:pPr lvl="1" marL="0" indent="406905" defTabSz="406908">
               <a:spcBef>
                 <a:spcPts val="300"/>
               </a:spcBef>
@@ -5085,7 +5115,7 @@
             </a:r>
           </a:p>
           <a:p>
-            <a:pPr lvl="1" marL="0" indent="406906" defTabSz="406908">
+            <a:pPr lvl="1" marL="0" indent="406905" defTabSz="406908">
               <a:spcBef>
                 <a:spcPts val="300"/>
               </a:spcBef>
@@ -5110,7 +5140,7 @@
             </a:r>
           </a:p>
           <a:p>
-            <a:pPr lvl="1" marL="0" indent="406906" defTabSz="406908">
+            <a:pPr lvl="1" marL="0" indent="406905" defTabSz="406908">
               <a:spcBef>
                 <a:spcPts val="300"/>
               </a:spcBef>
@@ -5135,7 +5165,7 @@
             </a:r>
           </a:p>
           <a:p>
-            <a:pPr marL="169543" indent="-169543" defTabSz="406908">
+            <a:pPr marL="169542" indent="-169542" defTabSz="406908">
               <a:spcBef>
                 <a:spcPts val="500"/>
               </a:spcBef>
@@ -5157,7 +5187,7 @@
             </a:r>
           </a:p>
           <a:p>
-            <a:pPr marL="169543" indent="-169543" defTabSz="406908">
+            <a:pPr marL="169542" indent="-169542" defTabSz="406908">
               <a:spcBef>
                 <a:spcPts val="500"/>
               </a:spcBef>
@@ -5179,7 +5209,7 @@
             </a:r>
           </a:p>
           <a:p>
-            <a:pPr marL="169543" indent="-169543" defTabSz="406908">
+            <a:pPr marL="169542" indent="-169542" defTabSz="406908">
               <a:spcBef>
                 <a:spcPts val="500"/>
               </a:spcBef>
@@ -5201,7 +5231,7 @@
             </a:r>
           </a:p>
           <a:p>
-            <a:pPr marL="169543" indent="-169543" defTabSz="406908">
+            <a:pPr marL="169542" indent="-169542" defTabSz="406908">
               <a:spcBef>
                 <a:spcPts val="500"/>
               </a:spcBef>
@@ -5223,7 +5253,7 @@
             </a:r>
           </a:p>
           <a:p>
-            <a:pPr marL="169543" indent="-169543" defTabSz="406908">
+            <a:pPr marL="169542" indent="-169542" defTabSz="406908">
               <a:spcBef>
                 <a:spcPts val="500"/>
               </a:spcBef>
@@ -5245,7 +5275,7 @@
             </a:r>
           </a:p>
           <a:p>
-            <a:pPr marL="169543" indent="-169543" defTabSz="406908">
+            <a:pPr marL="169542" indent="-169542" defTabSz="406908">
               <a:spcBef>
                 <a:spcPts val="500"/>
               </a:spcBef>
@@ -5267,7 +5297,7 @@
             </a:r>
           </a:p>
           <a:p>
-            <a:pPr marL="169543" indent="-169543" defTabSz="406908">
+            <a:pPr marL="169542" indent="-169542" defTabSz="406908">
               <a:spcBef>
                 <a:spcPts val="500"/>
               </a:spcBef>
@@ -5289,7 +5319,7 @@
             </a:r>
           </a:p>
           <a:p>
-            <a:pPr marL="169543" indent="-169543" defTabSz="406908">
+            <a:pPr marL="169542" indent="-169542" defTabSz="406908">
               <a:spcBef>
                 <a:spcPts val="500"/>
               </a:spcBef>
@@ -5349,7 +5379,7 @@
         <p:spPr>
           <a:xfrm>
             <a:off x="799889" y="612784"/>
-            <a:ext cx="7444938" cy="586590"/>
+            <a:ext cx="7444938" cy="586591"/>
           </a:xfrm>
           <a:prstGeom prst="rect">
             <a:avLst/>
@@ -5376,8 +5406,8 @@
         </p:nvSpPr>
         <p:spPr>
           <a:xfrm>
-            <a:off x="799889" y="1185150"/>
-            <a:ext cx="7444938" cy="4529852"/>
+            <a:off x="799889" y="1185149"/>
+            <a:ext cx="7444938" cy="4529854"/>
           </a:xfrm>
           <a:prstGeom prst="rect">
             <a:avLst/>
@@ -5393,7 +5423,7 @@
             </a:r>
           </a:p>
           <a:p>
-            <a:pPr lvl="1" marL="0" indent="457199">
+            <a:pPr lvl="1" marL="0" indent="457198">
               <a:buSzTx/>
               <a:buNone/>
             </a:pPr>
@@ -5411,7 +5441,7 @@
             </a:r>
           </a:p>
           <a:p>
-            <a:pPr lvl="1" marL="0" indent="457199">
+            <a:pPr lvl="1" marL="0" indent="457198">
               <a:buSzTx/>
               <a:buNone/>
             </a:pPr>
@@ -5420,7 +5450,7 @@
             </a:r>
           </a:p>
           <a:p>
-            <a:pPr lvl="1" marL="0" indent="457199">
+            <a:pPr lvl="1" marL="0" indent="457198">
               <a:buSzTx/>
               <a:buNone/>
             </a:pPr>
@@ -5432,7 +5462,7 @@
             </a:r>
           </a:p>
           <a:p>
-            <a:pPr lvl="1" marL="0" indent="457199">
+            <a:pPr lvl="1" marL="0" indent="457198">
               <a:buSzTx/>
               <a:buNone/>
             </a:pPr>
@@ -5479,7 +5509,7 @@
         <p:spPr>
           <a:xfrm>
             <a:off x="799889" y="598565"/>
-            <a:ext cx="7444938" cy="586589"/>
+            <a:ext cx="7444938" cy="586590"/>
           </a:xfrm>
           <a:prstGeom prst="rect">
             <a:avLst/>
@@ -5510,8 +5540,8 @@
         </p:nvSpPr>
         <p:spPr>
           <a:xfrm>
-            <a:off x="799889" y="1185150"/>
-            <a:ext cx="7444938" cy="4529852"/>
+            <a:off x="799889" y="1185149"/>
+            <a:ext cx="7444938" cy="4529854"/>
           </a:xfrm>
           <a:prstGeom prst="rect">
             <a:avLst/>
@@ -5532,7 +5562,7 @@
             </a:r>
           </a:p>
           <a:p>
-            <a:pPr lvl="1" marL="0" indent="406906" defTabSz="406908">
+            <a:pPr lvl="1" marL="0" indent="406905" defTabSz="406908">
               <a:spcBef>
                 <a:spcPts val="300"/>
               </a:spcBef>
@@ -5545,7 +5575,7 @@
             </a:r>
           </a:p>
           <a:p>
-            <a:pPr lvl="2" marL="0" indent="813814" defTabSz="406908">
+            <a:pPr lvl="2" marL="0" indent="813813" defTabSz="406908">
               <a:spcBef>
                 <a:spcPts val="300"/>
               </a:spcBef>
@@ -5559,7 +5589,7 @@
             <a:br/>
           </a:p>
           <a:p>
-            <a:pPr lvl="1" marL="0" indent="406906" defTabSz="406908">
+            <a:pPr lvl="1" marL="0" indent="406905" defTabSz="406908">
               <a:spcBef>
                 <a:spcPts val="300"/>
               </a:spcBef>
@@ -5572,7 +5602,7 @@
             </a:r>
           </a:p>
           <a:p>
-            <a:pPr lvl="1" marL="0" indent="406906" defTabSz="406908">
+            <a:pPr lvl="1" marL="0" indent="406905" defTabSz="406908">
               <a:spcBef>
                 <a:spcPts val="300"/>
               </a:spcBef>
@@ -5585,7 +5615,7 @@
             </a:r>
           </a:p>
           <a:p>
-            <a:pPr lvl="1" marL="0" indent="406906" defTabSz="406908">
+            <a:pPr lvl="1" marL="0" indent="406905" defTabSz="406908">
               <a:spcBef>
                 <a:spcPts val="300"/>
               </a:spcBef>
@@ -5598,7 +5628,7 @@
             </a:r>
           </a:p>
           <a:p>
-            <a:pPr lvl="1" marL="0" indent="406906" defTabSz="406908">
+            <a:pPr lvl="1" marL="0" indent="406905" defTabSz="406908">
               <a:spcBef>
                 <a:spcPts val="300"/>
               </a:spcBef>
@@ -5611,7 +5641,7 @@
             </a:r>
           </a:p>
           <a:p>
-            <a:pPr lvl="1" marL="0" indent="406906" defTabSz="406908">
+            <a:pPr lvl="1" marL="0" indent="406905" defTabSz="406908">
               <a:spcBef>
                 <a:spcPts val="300"/>
               </a:spcBef>
@@ -5624,7 +5654,7 @@
             </a:r>
           </a:p>
           <a:p>
-            <a:pPr lvl="1" marL="0" indent="406906" defTabSz="406908">
+            <a:pPr lvl="1" marL="0" indent="406905" defTabSz="406908">
               <a:spcBef>
                 <a:spcPts val="300"/>
               </a:spcBef>
@@ -5637,7 +5667,7 @@
             </a:r>
           </a:p>
           <a:p>
-            <a:pPr lvl="1" marL="0" indent="406906" defTabSz="406908">
+            <a:pPr lvl="1" marL="0" indent="406905" defTabSz="406908">
               <a:spcBef>
                 <a:spcPts val="300"/>
               </a:spcBef>
@@ -5662,7 +5692,7 @@
             </a:r>
           </a:p>
           <a:p>
-            <a:pPr lvl="1" marL="0" indent="406906" defTabSz="406908">
+            <a:pPr lvl="1" marL="0" indent="406905" defTabSz="406908">
               <a:spcBef>
                 <a:spcPts val="300"/>
               </a:spcBef>
@@ -5675,7 +5705,7 @@
             </a:r>
           </a:p>
           <a:p>
-            <a:pPr lvl="1" marL="0" indent="406906" defTabSz="406908">
+            <a:pPr lvl="1" marL="0" indent="406905" defTabSz="406908">
               <a:spcBef>
                 <a:spcPts val="300"/>
               </a:spcBef>
@@ -5726,7 +5756,7 @@
         <p:spPr>
           <a:xfrm>
             <a:off x="799889" y="598565"/>
-            <a:ext cx="7444938" cy="586589"/>
+            <a:ext cx="7444938" cy="586590"/>
           </a:xfrm>
           <a:prstGeom prst="rect">
             <a:avLst/>
@@ -5753,8 +5783,8 @@
         </p:nvSpPr>
         <p:spPr>
           <a:xfrm>
-            <a:off x="799889" y="1185150"/>
-            <a:ext cx="7444938" cy="4529852"/>
+            <a:off x="799889" y="1185149"/>
+            <a:ext cx="7444938" cy="4529854"/>
           </a:xfrm>
           <a:prstGeom prst="rect">
             <a:avLst/>
@@ -5853,7 +5883,7 @@
         <p:spPr>
           <a:xfrm>
             <a:off x="799889" y="598565"/>
-            <a:ext cx="7444938" cy="586589"/>
+            <a:ext cx="7444938" cy="586590"/>
           </a:xfrm>
           <a:prstGeom prst="rect">
             <a:avLst/>
@@ -5880,8 +5910,8 @@
         </p:nvSpPr>
         <p:spPr>
           <a:xfrm>
-            <a:off x="799889" y="1185150"/>
-            <a:ext cx="7444938" cy="4529852"/>
+            <a:off x="799889" y="1185149"/>
+            <a:ext cx="7444938" cy="4529854"/>
           </a:xfrm>
           <a:prstGeom prst="rect">
             <a:avLst/>
@@ -6073,7 +6103,7 @@
         <p:spPr>
           <a:xfrm>
             <a:off x="799889" y="598565"/>
-            <a:ext cx="7444938" cy="586589"/>
+            <a:ext cx="7444938" cy="586590"/>
           </a:xfrm>
           <a:prstGeom prst="rect">
             <a:avLst/>
@@ -6100,8 +6130,8 @@
         </p:nvSpPr>
         <p:spPr>
           <a:xfrm>
-            <a:off x="799889" y="1185150"/>
-            <a:ext cx="7444938" cy="4529852"/>
+            <a:off x="799889" y="1185149"/>
+            <a:ext cx="7444938" cy="4529854"/>
           </a:xfrm>
           <a:prstGeom prst="rect">
             <a:avLst/>
@@ -6195,7 +6225,7 @@
         <p:spPr>
           <a:xfrm>
             <a:off x="799889" y="598565"/>
-            <a:ext cx="7444938" cy="586589"/>
+            <a:ext cx="7444938" cy="586590"/>
           </a:xfrm>
           <a:prstGeom prst="rect">
             <a:avLst/>
@@ -6222,8 +6252,8 @@
         </p:nvSpPr>
         <p:spPr>
           <a:xfrm>
-            <a:off x="799889" y="1185150"/>
-            <a:ext cx="7444938" cy="4529852"/>
+            <a:off x="799889" y="1185149"/>
+            <a:ext cx="7444938" cy="4529854"/>
           </a:xfrm>
           <a:prstGeom prst="rect">
             <a:avLst/>
@@ -6346,7 +6376,7 @@
         <p:spPr>
           <a:xfrm>
             <a:off x="799889" y="598565"/>
-            <a:ext cx="7444938" cy="586589"/>
+            <a:ext cx="7444938" cy="586590"/>
           </a:xfrm>
           <a:prstGeom prst="rect">
             <a:avLst/>
@@ -6373,8 +6403,8 @@
         </p:nvSpPr>
         <p:spPr>
           <a:xfrm>
-            <a:off x="799889" y="1185150"/>
-            <a:ext cx="7444938" cy="4529852"/>
+            <a:off x="799889" y="1185149"/>
+            <a:ext cx="7444938" cy="4529854"/>
           </a:xfrm>
           <a:prstGeom prst="rect">
             <a:avLst/>
@@ -6544,7 +6574,7 @@
         <p:spPr>
           <a:xfrm>
             <a:off x="799889" y="598565"/>
-            <a:ext cx="7444938" cy="586589"/>
+            <a:ext cx="7444938" cy="586590"/>
           </a:xfrm>
           <a:prstGeom prst="rect">
             <a:avLst/>
@@ -6571,8 +6601,8 @@
         </p:nvSpPr>
         <p:spPr>
           <a:xfrm>
-            <a:off x="799889" y="1185150"/>
-            <a:ext cx="8058506" cy="4529852"/>
+            <a:off x="799889" y="1185149"/>
+            <a:ext cx="8058506" cy="4529854"/>
           </a:xfrm>
           <a:prstGeom prst="rect">
             <a:avLst/>
@@ -6692,7 +6722,7 @@
         <p:spPr>
           <a:xfrm>
             <a:off x="799889" y="598565"/>
-            <a:ext cx="7444938" cy="586589"/>
+            <a:ext cx="7444938" cy="586590"/>
           </a:xfrm>
           <a:prstGeom prst="rect">
             <a:avLst/>
@@ -6719,8 +6749,8 @@
         </p:nvSpPr>
         <p:spPr>
           <a:xfrm>
-            <a:off x="799889" y="1185150"/>
-            <a:ext cx="7444938" cy="4529852"/>
+            <a:off x="799889" y="1185149"/>
+            <a:ext cx="8004826" cy="4529854"/>
           </a:xfrm>
           <a:prstGeom prst="rect">
             <a:avLst/>
@@ -6736,7 +6766,7 @@
             </a:r>
           </a:p>
           <a:p>
-            <a:pPr lvl="1" marL="0" indent="457199">
+            <a:pPr lvl="1" marL="0" indent="457198">
               <a:buSzTx/>
               <a:buNone/>
             </a:pPr>
@@ -6745,7 +6775,7 @@
             </a:r>
           </a:p>
           <a:p>
-            <a:pPr lvl="1" marL="0" indent="457199">
+            <a:pPr lvl="1" marL="0" indent="457198">
               <a:buSzTx/>
               <a:buNone/>
             </a:pPr>
@@ -6754,13 +6784,16 @@
             </a:r>
           </a:p>
           <a:p>
-            <a:pPr lvl="1" marL="0" indent="457199">
-              <a:buSzTx/>
-              <a:buNone/>
-            </a:pPr>
-            <a:r>
-              <a:t>Johannes Kristen/Laurenti Barna/Per Olofsson, Requirements owner </a:t>
-            </a:r>
+            <a:pPr lvl="1" marL="0" indent="457198">
+              <a:buSzTx/>
+              <a:buNone/>
+            </a:pPr>
+            <a:r>
+              <a:t>Johannes Kristen/Kjell Bengtsson/Per Olofsson, Requirements</a:t>
+            </a:r>
+          </a:p>
+          <a:p>
+            <a:pPr marL="0" indent="457198"/>
           </a:p>
         </p:txBody>
       </p:sp>
@@ -6801,7 +6834,7 @@
         <p:spPr>
           <a:xfrm>
             <a:off x="799889" y="598565"/>
-            <a:ext cx="7444938" cy="586589"/>
+            <a:ext cx="7444938" cy="586590"/>
           </a:xfrm>
           <a:prstGeom prst="rect">
             <a:avLst/>
@@ -6828,8 +6861,8 @@
         </p:nvSpPr>
         <p:spPr>
           <a:xfrm>
-            <a:off x="799889" y="1185150"/>
-            <a:ext cx="7444938" cy="4529852"/>
+            <a:off x="799889" y="1185149"/>
+            <a:ext cx="7444938" cy="4529854"/>
           </a:xfrm>
           <a:prstGeom prst="rect">
             <a:avLst/>
@@ -6889,7 +6922,7 @@
         <p:spPr>
           <a:xfrm>
             <a:off x="799889" y="598565"/>
-            <a:ext cx="7444938" cy="586589"/>
+            <a:ext cx="7444938" cy="586590"/>
           </a:xfrm>
           <a:prstGeom prst="rect">
             <a:avLst/>
@@ -6916,8 +6949,8 @@
         </p:nvSpPr>
         <p:spPr>
           <a:xfrm>
-            <a:off x="799889" y="1185150"/>
-            <a:ext cx="7444938" cy="4529852"/>
+            <a:off x="799889" y="1185149"/>
+            <a:ext cx="7444938" cy="4529854"/>
           </a:xfrm>
           <a:prstGeom prst="rect">
             <a:avLst/>
@@ -6954,6 +6987,16 @@
           </a:p>
           <a:p>
             <a:pPr/>
+            <a:endParaRPr u="sng">
+              <a:solidFill>
+                <a:srgbClr val="0000FF"/>
+              </a:solidFill>
+              <a:uFill>
+                <a:solidFill>
+                  <a:srgbClr val="0000FF"/>
+                </a:solidFill>
+              </a:uFill>
+            </a:endParaRPr>
           </a:p>
           <a:p>
             <a:pPr/>
@@ -7047,7 +7090,7 @@
         <p:spPr>
           <a:xfrm>
             <a:off x="799889" y="598565"/>
-            <a:ext cx="7444938" cy="586589"/>
+            <a:ext cx="7444938" cy="586590"/>
           </a:xfrm>
           <a:prstGeom prst="rect">
             <a:avLst/>
@@ -7074,8 +7117,8 @@
         </p:nvSpPr>
         <p:spPr>
           <a:xfrm>
-            <a:off x="799889" y="1185150"/>
-            <a:ext cx="7444938" cy="4529852"/>
+            <a:off x="799889" y="1185149"/>
+            <a:ext cx="7444938" cy="4529854"/>
           </a:xfrm>
           <a:prstGeom prst="rect">
             <a:avLst/>
@@ -7240,14 +7283,14 @@
     </a:clrScheme>
     <a:fontScheme name="Default">
       <a:majorFont>
+        <a:latin typeface="Avenir Roman"/>
+        <a:ea typeface="Avenir Roman"/>
+        <a:cs typeface="Avenir Roman"/>
+      </a:majorFont>
+      <a:minorFont>
         <a:latin typeface="Helvetica"/>
         <a:ea typeface="Helvetica"/>
         <a:cs typeface="Helvetica"/>
-      </a:majorFont>
-      <a:minorFont>
-        <a:latin typeface="Avenir Roman"/>
-        <a:ea typeface="Avenir Roman"/>
-        <a:cs typeface="Avenir Roman"/>
       </a:minorFont>
     </a:fontScheme>
     <a:fmtScheme name="Default">
@@ -7455,7 +7498,7 @@
             <a:latin typeface="+mj-lt"/>
             <a:ea typeface="+mj-ea"/>
             <a:cs typeface="+mj-cs"/>
-            <a:sym typeface="Helvetica"/>
+            <a:sym typeface="Avenir Roman"/>
           </a:defRPr>
         </a:defPPr>
         <a:lvl1pPr marL="0" marR="0" indent="0" algn="l" defTabSz="914400" rtl="0" fontAlgn="auto" latinLnBrk="1" hangingPunct="0">
@@ -8032,7 +8075,7 @@
             <a:latin typeface="+mj-lt"/>
             <a:ea typeface="+mj-ea"/>
             <a:cs typeface="+mj-cs"/>
-            <a:sym typeface="Helvetica"/>
+            <a:sym typeface="Avenir Roman"/>
           </a:defRPr>
         </a:defPPr>
         <a:lvl1pPr marL="0" marR="0" indent="0" algn="l" defTabSz="914400" rtl="0" fontAlgn="auto" latinLnBrk="1" hangingPunct="0">
@@ -8324,14 +8367,14 @@
     </a:clrScheme>
     <a:fontScheme name="Default">
       <a:majorFont>
+        <a:latin typeface="Avenir Roman"/>
+        <a:ea typeface="Avenir Roman"/>
+        <a:cs typeface="Avenir Roman"/>
+      </a:majorFont>
+      <a:minorFont>
         <a:latin typeface="Helvetica"/>
         <a:ea typeface="Helvetica"/>
         <a:cs typeface="Helvetica"/>
-      </a:majorFont>
-      <a:minorFont>
-        <a:latin typeface="Avenir Roman"/>
-        <a:ea typeface="Avenir Roman"/>
-        <a:cs typeface="Avenir Roman"/>
       </a:minorFont>
     </a:fontScheme>
     <a:fmtScheme name="Default">
@@ -8539,7 +8582,7 @@
             <a:latin typeface="+mj-lt"/>
             <a:ea typeface="+mj-ea"/>
             <a:cs typeface="+mj-cs"/>
-            <a:sym typeface="Helvetica"/>
+            <a:sym typeface="Avenir Roman"/>
           </a:defRPr>
         </a:defPPr>
         <a:lvl1pPr marL="0" marR="0" indent="0" algn="l" defTabSz="914400" rtl="0" fontAlgn="auto" latinLnBrk="1" hangingPunct="0">
@@ -9116,7 +9159,7 @@
             <a:latin typeface="+mj-lt"/>
             <a:ea typeface="+mj-ea"/>
             <a:cs typeface="+mj-cs"/>
-            <a:sym typeface="Helvetica"/>
+            <a:sym typeface="Avenir Roman"/>
           </a:defRPr>
         </a:defPPr>
         <a:lvl1pPr marL="0" marR="0" indent="0" algn="l" defTabSz="914400" rtl="0" fontAlgn="auto" latinLnBrk="1" hangingPunct="0">
